--- a/5x5x5 LED Cube.pptx
+++ b/5x5x5 LED Cube.pptx
@@ -3980,7 +3980,12 @@
             <p:ph type="subTitle" idx="1"/>
           </p:nvPr>
         </p:nvSpPr>
-        <p:spPr/>
+        <p:spPr>
+          <a:xfrm>
+            <a:off x="4267200" y="5029200"/>
+            <a:ext cx="4572000" cy="1368798"/>
+          </a:xfrm>
+        </p:spPr>
         <p:txBody>
           <a:bodyPr>
             <a:normAutofit fontScale="77500" lnSpcReduction="20000"/>
@@ -3989,10 +3994,20 @@
           <a:p>
             <a:r>
               <a:rPr lang="en-US" dirty="0" smtClean="0"/>
-              <a:t>Project By:</a:t>
-            </a:r>
-          </a:p>
-          <a:p>
+              <a:t>			Project </a:t>
+            </a:r>
+            <a:r>
+              <a:rPr lang="en-US" dirty="0" smtClean="0"/>
+              <a:t>By</a:t>
+            </a:r>
+            <a:r>
+              <a:rPr lang="en-US" dirty="0" smtClean="0"/>
+              <a:t>: </a:t>
+            </a:r>
+            <a:endParaRPr lang="en-US" dirty="0" smtClean="0"/>
+          </a:p>
+          <a:p>
+            <a:pPr algn="r"/>
             <a:r>
               <a:rPr lang="en-US" dirty="0"/>
               <a:t>	</a:t>
@@ -4003,6 +4018,7 @@
             </a:r>
           </a:p>
           <a:p>
+            <a:pPr algn="r"/>
             <a:r>
               <a:rPr lang="en-US" dirty="0"/>
               <a:t>	</a:t>
@@ -4013,13 +4029,18 @@
             </a:r>
           </a:p>
           <a:p>
+            <a:pPr algn="r"/>
             <a:r>
               <a:rPr lang="en-US" dirty="0"/>
               <a:t>	</a:t>
             </a:r>
             <a:r>
               <a:rPr lang="en-US" dirty="0" smtClean="0"/>
-              <a:t>Siva</a:t>
+              <a:t>Siva </a:t>
+            </a:r>
+            <a:r>
+              <a:rPr lang="en-US" dirty="0" err="1" smtClean="0"/>
+              <a:t>Moole</a:t>
             </a:r>
             <a:endParaRPr lang="en-US" dirty="0"/>
           </a:p>
@@ -4122,7 +4143,6 @@
               <a:rPr lang="en-US" dirty="0" smtClean="0"/>
               <a:t>Meaning we can ignore the 64 bit addressing of Serial High, Serial Low</a:t>
             </a:r>
-            <a:endParaRPr lang="en-US" dirty="0" smtClean="0"/>
           </a:p>
           <a:p>
             <a:pPr marL="457200" lvl="1" indent="-285750"/>
@@ -5431,7 +5451,6 @@
               <a:rPr lang="en-US" dirty="0" smtClean="0"/>
               <a:t>4 pieces of 10” x 6” x 1” wood cut at 45° angle</a:t>
             </a:r>
-            <a:endParaRPr lang="en-US" dirty="0" smtClean="0"/>
           </a:p>
           <a:p>
             <a:pPr marL="285750" indent="-285750">
@@ -5442,7 +5461,6 @@
               <a:rPr lang="en-US" dirty="0" smtClean="0"/>
               <a:t>1 piece of 7 ¾” x 7 ¾” x ¼” wood </a:t>
             </a:r>
-            <a:endParaRPr lang="en-US" dirty="0" smtClean="0"/>
           </a:p>
           <a:p>
             <a:pPr marL="285750" indent="-285750">
@@ -5453,7 +5471,6 @@
               <a:rPr lang="en-US" dirty="0" smtClean="0"/>
               <a:t>1 piece of 8”x8” x ¾” wood</a:t>
             </a:r>
-            <a:endParaRPr lang="en-US" dirty="0" smtClean="0"/>
           </a:p>
           <a:p>
             <a:pPr marL="285750" indent="-285750">
@@ -5462,11 +5479,7 @@
             </a:pPr>
             <a:r>
               <a:rPr lang="en-US" dirty="0" smtClean="0"/>
-              <a:t>1 Can of rubberized spray </a:t>
-            </a:r>
-            <a:r>
-              <a:rPr lang="en-US" dirty="0" smtClean="0"/>
-              <a:t>paint</a:t>
+              <a:t>1 Can of rubberized spray paint</a:t>
             </a:r>
           </a:p>
         </p:txBody>
@@ -5802,8 +5815,8 @@
           <a:chExt cx="0" cy="0"/>
         </a:xfrm>
       </p:grpSpPr>
-      <mc:AlternateContent xmlns:mc="http://schemas.openxmlformats.org/markup-compatibility/2006">
-        <mc:Choice xmlns:a14="http://schemas.microsoft.com/office/drawing/2010/main" Requires="a14">
+      <mc:AlternateContent xmlns:mc="http://schemas.openxmlformats.org/markup-compatibility/2006" xmlns:a14="http://schemas.microsoft.com/office/drawing/2010/main">
+        <mc:Choice Requires="a14">
           <p:sp>
             <p:nvSpPr>
               <p:cNvPr id="2" name="Content Placeholder 1"/>
@@ -5999,7 +6012,7 @@
             </p:txBody>
           </p:sp>
         </mc:Choice>
-        <mc:Fallback>
+        <mc:Fallback xmlns="">
           <p:sp>
             <p:nvSpPr>
               <p:cNvPr id="2" name="Content Placeholder 1"/>

--- a/5x5x5 LED Cube.pptx
+++ b/5x5x5 LED Cube.pptx
@@ -18,10 +18,12 @@
     <p:sldId id="266" r:id="rId12"/>
     <p:sldId id="268" r:id="rId13"/>
     <p:sldId id="269" r:id="rId14"/>
-    <p:sldId id="270" r:id="rId15"/>
-    <p:sldId id="271" r:id="rId16"/>
-    <p:sldId id="272" r:id="rId17"/>
-    <p:sldId id="267" r:id="rId18"/>
+    <p:sldId id="273" r:id="rId15"/>
+    <p:sldId id="270" r:id="rId16"/>
+    <p:sldId id="274" r:id="rId17"/>
+    <p:sldId id="271" r:id="rId18"/>
+    <p:sldId id="272" r:id="rId19"/>
+    <p:sldId id="267" r:id="rId20"/>
   </p:sldIdLst>
   <p:sldSz cx="9144000" cy="6858000" type="screen4x3"/>
   <p:notesSz cx="6858000" cy="9144000"/>
@@ -359,7 +361,7 @@
           <a:p>
             <a:fld id="{C2F171F7-5F01-40C0-B288-7327CEDFD958}" type="datetimeFigureOut">
               <a:rPr lang="en-US" smtClean="0"/>
-              <a:t>12/19/2012</a:t>
+              <a:t>12/20/2012</a:t>
             </a:fld>
             <a:endParaRPr lang="en-US" dirty="0"/>
           </a:p>
@@ -637,7 +639,7 @@
           <a:p>
             <a:fld id="{C2F171F7-5F01-40C0-B288-7327CEDFD958}" type="datetimeFigureOut">
               <a:rPr lang="en-US" smtClean="0"/>
-              <a:t>12/19/2012</a:t>
+              <a:t>12/20/2012</a:t>
             </a:fld>
             <a:endParaRPr lang="en-US" dirty="0"/>
           </a:p>
@@ -860,7 +862,7 @@
           <a:p>
             <a:fld id="{C2F171F7-5F01-40C0-B288-7327CEDFD958}" type="datetimeFigureOut">
               <a:rPr lang="en-US" smtClean="0"/>
-              <a:t>12/19/2012</a:t>
+              <a:t>12/20/2012</a:t>
             </a:fld>
             <a:endParaRPr lang="en-US" dirty="0"/>
           </a:p>
@@ -1055,7 +1057,7 @@
           <a:p>
             <a:fld id="{C2F171F7-5F01-40C0-B288-7327CEDFD958}" type="datetimeFigureOut">
               <a:rPr lang="en-US" smtClean="0"/>
-              <a:t>12/19/2012</a:t>
+              <a:t>12/20/2012</a:t>
             </a:fld>
             <a:endParaRPr lang="en-US" dirty="0"/>
           </a:p>
@@ -1335,7 +1337,7 @@
           <a:p>
             <a:fld id="{C2F171F7-5F01-40C0-B288-7327CEDFD958}" type="datetimeFigureOut">
               <a:rPr lang="en-US" smtClean="0"/>
-              <a:t>12/19/2012</a:t>
+              <a:t>12/20/2012</a:t>
             </a:fld>
             <a:endParaRPr lang="en-US" dirty="0"/>
           </a:p>
@@ -1808,7 +1810,7 @@
           <a:p>
             <a:fld id="{C2F171F7-5F01-40C0-B288-7327CEDFD958}" type="datetimeFigureOut">
               <a:rPr lang="en-US" smtClean="0"/>
-              <a:t>12/19/2012</a:t>
+              <a:t>12/20/2012</a:t>
             </a:fld>
             <a:endParaRPr lang="en-US" dirty="0"/>
           </a:p>
@@ -2263,7 +2265,7 @@
           <a:p>
             <a:fld id="{C2F171F7-5F01-40C0-B288-7327CEDFD958}" type="datetimeFigureOut">
               <a:rPr lang="en-US" smtClean="0"/>
-              <a:t>12/19/2012</a:t>
+              <a:t>12/20/2012</a:t>
             </a:fld>
             <a:endParaRPr lang="en-US" dirty="0"/>
           </a:p>
@@ -2401,7 +2403,7 @@
           <a:p>
             <a:fld id="{C2F171F7-5F01-40C0-B288-7327CEDFD958}" type="datetimeFigureOut">
               <a:rPr lang="en-US" smtClean="0"/>
-              <a:t>12/19/2012</a:t>
+              <a:t>12/20/2012</a:t>
             </a:fld>
             <a:endParaRPr lang="en-US" dirty="0"/>
           </a:p>
@@ -2562,7 +2564,7 @@
           <a:p>
             <a:fld id="{C2F171F7-5F01-40C0-B288-7327CEDFD958}" type="datetimeFigureOut">
               <a:rPr lang="en-US" smtClean="0"/>
-              <a:t>12/19/2012</a:t>
+              <a:t>12/20/2012</a:t>
             </a:fld>
             <a:endParaRPr lang="en-US" dirty="0"/>
           </a:p>
@@ -2956,7 +2958,7 @@
           <a:p>
             <a:fld id="{C2F171F7-5F01-40C0-B288-7327CEDFD958}" type="datetimeFigureOut">
               <a:rPr lang="en-US" smtClean="0"/>
-              <a:t>12/19/2012</a:t>
+              <a:t>12/20/2012</a:t>
             </a:fld>
             <a:endParaRPr lang="en-US" dirty="0"/>
           </a:p>
@@ -3356,7 +3358,7 @@
           <a:p>
             <a:fld id="{C2F171F7-5F01-40C0-B288-7327CEDFD958}" type="datetimeFigureOut">
               <a:rPr lang="en-US" smtClean="0"/>
-              <a:t>12/19/2012</a:t>
+              <a:t>12/20/2012</a:t>
             </a:fld>
             <a:endParaRPr lang="en-US" dirty="0"/>
           </a:p>
@@ -3566,7 +3568,7 @@
           <a:p>
             <a:fld id="{C2F171F7-5F01-40C0-B288-7327CEDFD958}" type="datetimeFigureOut">
               <a:rPr lang="en-US" smtClean="0"/>
-              <a:t>12/19/2012</a:t>
+              <a:t>12/20/2012</a:t>
             </a:fld>
             <a:endParaRPr lang="en-US" dirty="0"/>
           </a:p>
@@ -4122,7 +4124,6 @@
               <a:rPr lang="en-US" dirty="0" smtClean="0"/>
               <a:t>Meaning we can ignore the 64 bit addressing of Serial High, Serial Low</a:t>
             </a:r>
-            <a:endParaRPr lang="en-US" dirty="0" smtClean="0"/>
           </a:p>
           <a:p>
             <a:pPr marL="457200" lvl="1" indent="-285750"/>
@@ -4403,6 +4404,13 @@
   <p:clrMapOvr>
     <a:masterClrMapping/>
   </p:clrMapOvr>
+  <p:timing>
+    <p:tnLst>
+      <p:par>
+        <p:cTn id="1" dur="indefinite" restart="never" nodeType="tmRoot"/>
+      </p:par>
+    </p:tnLst>
+  </p:timing>
 </p:sld>
 </file>
 
@@ -4438,18 +4446,30 @@
           <a:bodyPr/>
           <a:lstStyle/>
           <a:p>
+            <a:pPr marL="285750" indent="-285750">
+              <a:buFont typeface="Arial" pitchFamily="34" charset="0"/>
+              <a:buChar char="•"/>
+            </a:pPr>
             <a:r>
               <a:rPr lang="en-US" dirty="0" smtClean="0"/>
               <a:t>The principle of the sound is the “vibration” and we recognize sound by recognizing the vibration.</a:t>
             </a:r>
           </a:p>
           <a:p>
+            <a:pPr marL="285750" indent="-285750">
+              <a:buFont typeface="Arial" pitchFamily="34" charset="0"/>
+              <a:buChar char="•"/>
+            </a:pPr>
             <a:r>
               <a:rPr lang="en-US" dirty="0" smtClean="0"/>
               <a:t>The “vibration” can be represented as the wave.</a:t>
             </a:r>
           </a:p>
           <a:p>
+            <a:pPr marL="285750" indent="-285750">
+              <a:buFont typeface="Arial" pitchFamily="34" charset="0"/>
+              <a:buChar char="•"/>
+            </a:pPr>
             <a:r>
               <a:rPr lang="en-US" dirty="0" smtClean="0"/>
               <a:t>All sound have the volume, pitch, and frequency.</a:t>
@@ -4476,6 +4496,118 @@
             <a:r>
               <a:rPr lang="en-US" dirty="0" smtClean="0"/>
               <a:t>Principle of the Sound</a:t>
+            </a:r>
+            <a:endParaRPr lang="en-US" dirty="0"/>
+          </a:p>
+        </p:txBody>
+      </p:sp>
+      <p:pic>
+        <p:nvPicPr>
+          <p:cNvPr id="1026" name="Picture 2" descr="C:\Users\KOHET\Desktop\Freq1000Hz.PNG"/>
+          <p:cNvPicPr>
+            <a:picLocks noChangeAspect="1" noChangeArrowheads="1"/>
+          </p:cNvPicPr>
+          <p:nvPr/>
+        </p:nvPicPr>
+        <p:blipFill>
+          <a:blip r:embed="rId2">
+            <a:extLst>
+              <a:ext uri="{28A0092B-C50C-407E-A947-70E740481C1C}">
+                <a14:useLocalDpi xmlns:a14="http://schemas.microsoft.com/office/drawing/2010/main" val="0"/>
+              </a:ext>
+            </a:extLst>
+          </a:blip>
+          <a:srcRect/>
+          <a:stretch>
+            <a:fillRect/>
+          </a:stretch>
+        </p:blipFill>
+        <p:spPr bwMode="auto">
+          <a:xfrm>
+            <a:off x="4876800" y="4077792"/>
+            <a:ext cx="3342503" cy="2225869"/>
+          </a:xfrm>
+          <a:prstGeom prst="rect">
+            <a:avLst/>
+          </a:prstGeom>
+          <a:noFill/>
+          <a:extLst>
+            <a:ext uri="{909E8E84-426E-40DD-AFC4-6F175D3DCCD1}">
+              <a14:hiddenFill xmlns:a14="http://schemas.microsoft.com/office/drawing/2010/main">
+                <a:solidFill>
+                  <a:srgbClr val="FFFFFF"/>
+                </a:solidFill>
+              </a14:hiddenFill>
+            </a:ext>
+          </a:extLst>
+        </p:spPr>
+      </p:pic>
+      <p:pic>
+        <p:nvPicPr>
+          <p:cNvPr id="1027" name="Picture 3" descr="C:\Users\KOHET\Desktop\Freq80Hz.PNG"/>
+          <p:cNvPicPr>
+            <a:picLocks noChangeAspect="1" noChangeArrowheads="1"/>
+          </p:cNvPicPr>
+          <p:nvPr/>
+        </p:nvPicPr>
+        <p:blipFill>
+          <a:blip r:embed="rId3">
+            <a:extLst>
+              <a:ext uri="{28A0092B-C50C-407E-A947-70E740481C1C}">
+                <a14:useLocalDpi xmlns:a14="http://schemas.microsoft.com/office/drawing/2010/main" val="0"/>
+              </a:ext>
+            </a:extLst>
+          </a:blip>
+          <a:srcRect/>
+          <a:stretch>
+            <a:fillRect/>
+          </a:stretch>
+        </p:blipFill>
+        <p:spPr bwMode="auto">
+          <a:xfrm>
+            <a:off x="914400" y="4086418"/>
+            <a:ext cx="3345949" cy="2254250"/>
+          </a:xfrm>
+          <a:prstGeom prst="rect">
+            <a:avLst/>
+          </a:prstGeom>
+          <a:noFill/>
+          <a:extLst>
+            <a:ext uri="{909E8E84-426E-40DD-AFC4-6F175D3DCCD1}">
+              <a14:hiddenFill xmlns:a14="http://schemas.microsoft.com/office/drawing/2010/main">
+                <a:solidFill>
+                  <a:srgbClr val="FFFFFF"/>
+                </a:solidFill>
+              </a14:hiddenFill>
+            </a:ext>
+          </a:extLst>
+        </p:spPr>
+      </p:pic>
+      <p:sp>
+        <p:nvSpPr>
+          <p:cNvPr id="4" name="テキスト ボックス 3"/>
+          <p:cNvSpPr txBox="1"/>
+          <p:nvPr/>
+        </p:nvSpPr>
+        <p:spPr>
+          <a:xfrm>
+            <a:off x="872706" y="3657600"/>
+            <a:ext cx="5756694" cy="369332"/>
+          </a:xfrm>
+          <a:prstGeom prst="rect">
+            <a:avLst/>
+          </a:prstGeom>
+          <a:noFill/>
+        </p:spPr>
+        <p:txBody>
+          <a:bodyPr wrap="square" rtlCol="0">
+            <a:spAutoFit/>
+          </a:bodyPr>
+          <a:lstStyle/>
+          <a:p>
+            <a:r>
+              <a:rPr lang="en-US" dirty="0" smtClean="0"/>
+              <a:t>80Hz			 	      100Hz</a:t>
             </a:r>
             <a:endParaRPr lang="en-US" dirty="0"/>
           </a:p>
@@ -4491,6 +4623,13 @@
   <p:clrMapOvr>
     <a:masterClrMapping/>
   </p:clrMapOvr>
+  <p:timing>
+    <p:tnLst>
+      <p:par>
+        <p:cTn id="1" dur="indefinite" restart="never" nodeType="tmRoot"/>
+      </p:par>
+    </p:tnLst>
+  </p:timing>
 </p:sld>
 </file>
 
@@ -4526,20 +4665,41 @@
           <a:bodyPr/>
           <a:lstStyle/>
           <a:p>
+            <a:pPr marL="285750" indent="-285750">
+              <a:buFont typeface="Arial" pitchFamily="34" charset="0"/>
+              <a:buChar char="•"/>
+            </a:pPr>
             <a:r>
               <a:rPr lang="en-US" dirty="0" smtClean="0"/>
               <a:t>FFT algorithm (Faster Fourier Transform) is the way to analyze the frequency.</a:t>
             </a:r>
           </a:p>
           <a:p>
-            <a:r>
-              <a:rPr lang="en-US" dirty="0" smtClean="0"/>
-              <a:t>In this algorithm it is impossible to calculate individual frequencies but calculate the frequencies of certain range.</a:t>
-            </a:r>
-          </a:p>
-          <a:p>
+            <a:pPr marL="285750" indent="-285750">
+              <a:buFont typeface="Arial" pitchFamily="34" charset="0"/>
+              <a:buChar char="•"/>
+            </a:pPr>
+            <a:r>
+              <a:rPr lang="en-US" dirty="0" smtClean="0"/>
+              <a:t>It transforms signal in time domain (Sample Rate) into a signal in frequency domain.</a:t>
+            </a:r>
             <a:endParaRPr lang="en-US" dirty="0" smtClean="0"/>
           </a:p>
+          <a:p>
+            <a:pPr marL="285750" indent="-285750">
+              <a:buFont typeface="Arial" pitchFamily="34" charset="0"/>
+              <a:buChar char="•"/>
+            </a:pPr>
+            <a:r>
+              <a:rPr lang="en-US" dirty="0" smtClean="0"/>
+              <a:t>In this algorithm it is impossible to calculate individual frequencies but calculate the frequencies of certain range</a:t>
+            </a:r>
+            <a:r>
+              <a:rPr lang="en-US" dirty="0" smtClean="0"/>
+              <a:t>.</a:t>
+            </a:r>
+            <a:endParaRPr lang="en-US" dirty="0" smtClean="0"/>
+          </a:p>
         </p:txBody>
       </p:sp>
       <p:sp>
@@ -4557,6 +4717,7 @@
           <a:bodyPr/>
           <a:lstStyle/>
           <a:p>
+            <a:pPr algn="ctr"/>
             <a:r>
               <a:rPr lang="en-US" dirty="0" smtClean="0"/>
               <a:t>FFT Algorithm</a:t>
@@ -4565,6 +4726,47 @@
           </a:p>
         </p:txBody>
       </p:sp>
+      <p:pic>
+        <p:nvPicPr>
+          <p:cNvPr id="2050" name="Picture 2" descr="C:\Users\KOHET\Desktop\FFT Equation.PNG"/>
+          <p:cNvPicPr>
+            <a:picLocks noChangeAspect="1" noChangeArrowheads="1"/>
+          </p:cNvPicPr>
+          <p:nvPr/>
+        </p:nvPicPr>
+        <p:blipFill>
+          <a:blip r:embed="rId2">
+            <a:extLst>
+              <a:ext uri="{28A0092B-C50C-407E-A947-70E740481C1C}">
+                <a14:useLocalDpi xmlns:a14="http://schemas.microsoft.com/office/drawing/2010/main" val="0"/>
+              </a:ext>
+            </a:extLst>
+          </a:blip>
+          <a:srcRect/>
+          <a:stretch>
+            <a:fillRect/>
+          </a:stretch>
+        </p:blipFill>
+        <p:spPr bwMode="auto">
+          <a:xfrm>
+            <a:off x="838200" y="4191000"/>
+            <a:ext cx="5184321" cy="762000"/>
+          </a:xfrm>
+          <a:prstGeom prst="rect">
+            <a:avLst/>
+          </a:prstGeom>
+          <a:noFill/>
+          <a:extLst>
+            <a:ext uri="{909E8E84-426E-40DD-AFC4-6F175D3DCCD1}">
+              <a14:hiddenFill xmlns:a14="http://schemas.microsoft.com/office/drawing/2010/main">
+                <a:solidFill>
+                  <a:srgbClr val="FFFFFF"/>
+                </a:solidFill>
+              </a14:hiddenFill>
+            </a:ext>
+          </a:extLst>
+        </p:spPr>
+      </p:pic>
     </p:spTree>
     <p:extLst>
       <p:ext uri="{BB962C8B-B14F-4D97-AF65-F5344CB8AC3E}">
@@ -4575,6 +4777,13 @@
   <p:clrMapOvr>
     <a:masterClrMapping/>
   </p:clrMapOvr>
+  <p:timing>
+    <p:tnLst>
+      <p:par>
+        <p:cTn id="1" dur="indefinite" restart="never" nodeType="tmRoot"/>
+      </p:par>
+    </p:tnLst>
+  </p:timing>
 </p:sld>
 </file>
 
@@ -4597,104 +4806,127 @@
       </p:grpSpPr>
       <p:sp>
         <p:nvSpPr>
-          <p:cNvPr id="2" name="Content Placeholder 1"/>
-          <p:cNvSpPr>
-            <a:spLocks noGrp="1"/>
-          </p:cNvSpPr>
+          <p:cNvPr id="4" name="テキスト プレースホルダー 3"/>
+          <p:cNvSpPr>
+            <a:spLocks noGrp="1"/>
+          </p:cNvSpPr>
+          <p:nvPr>
+            <p:ph type="body" sz="half" idx="2"/>
+          </p:nvPr>
+        </p:nvSpPr>
+        <p:spPr/>
+        <p:txBody>
+          <a:bodyPr/>
+          <a:lstStyle/>
+          <a:p>
+            <a:r>
+              <a:rPr lang="en-US" dirty="0" smtClean="0"/>
+              <a:t>Frequency at 1000Hz</a:t>
+            </a:r>
+            <a:endParaRPr lang="en-US" dirty="0"/>
+          </a:p>
+        </p:txBody>
+      </p:sp>
+      <p:sp>
+        <p:nvSpPr>
+          <p:cNvPr id="7" name="テキスト プレースホルダー 6"/>
+          <p:cNvSpPr>
+            <a:spLocks noGrp="1"/>
+          </p:cNvSpPr>
+          <p:nvPr>
+            <p:ph type="body" sz="half" idx="15"/>
+          </p:nvPr>
+        </p:nvSpPr>
+        <p:spPr/>
+        <p:txBody>
+          <a:bodyPr/>
+          <a:lstStyle/>
+          <a:p>
+            <a:r>
+              <a:rPr lang="en-US" dirty="0" smtClean="0"/>
+              <a:t>Songs</a:t>
+            </a:r>
+            <a:endParaRPr lang="en-US" dirty="0"/>
+          </a:p>
+        </p:txBody>
+      </p:sp>
+      <p:pic>
+        <p:nvPicPr>
+          <p:cNvPr id="8" name="コンテンツ プレースホルダー 7"/>
+          <p:cNvPicPr>
+            <a:picLocks noGrp="1" noChangeAspect="1"/>
+          </p:cNvPicPr>
+          <p:nvPr>
+            <p:ph sz="quarter" idx="14"/>
+          </p:nvPr>
+        </p:nvPicPr>
+        <p:blipFill>
+          <a:blip r:embed="rId2">
+            <a:extLst>
+              <a:ext uri="{28A0092B-C50C-407E-A947-70E740481C1C}">
+                <a14:useLocalDpi xmlns:a14="http://schemas.microsoft.com/office/drawing/2010/main" val="0"/>
+              </a:ext>
+            </a:extLst>
+          </a:blip>
+          <a:stretch>
+            <a:fillRect/>
+          </a:stretch>
+        </p:blipFill>
+        <p:spPr>
+          <a:xfrm>
+            <a:off x="4724400" y="2575843"/>
+            <a:ext cx="4062413" cy="2726270"/>
+          </a:xfrm>
+        </p:spPr>
+      </p:pic>
+      <p:pic>
+        <p:nvPicPr>
+          <p:cNvPr id="9" name="コンテンツ プレースホルダー 8"/>
+          <p:cNvPicPr>
+            <a:picLocks noGrp="1" noChangeAspect="1"/>
+          </p:cNvPicPr>
           <p:nvPr>
             <p:ph sz="quarter" idx="13"/>
           </p:nvPr>
+        </p:nvPicPr>
+        <p:blipFill>
+          <a:blip r:embed="rId3">
+            <a:extLst>
+              <a:ext uri="{28A0092B-C50C-407E-A947-70E740481C1C}">
+                <a14:useLocalDpi xmlns:a14="http://schemas.microsoft.com/office/drawing/2010/main" val="0"/>
+              </a:ext>
+            </a:extLst>
+          </a:blip>
+          <a:stretch>
+            <a:fillRect/>
+          </a:stretch>
+        </p:blipFill>
+        <p:spPr>
+          <a:xfrm>
+            <a:off x="352424" y="2584450"/>
+            <a:ext cx="4067175" cy="2711450"/>
+          </a:xfrm>
+        </p:spPr>
+      </p:pic>
+      <p:sp>
+        <p:nvSpPr>
+          <p:cNvPr id="3" name="タイトル 2"/>
+          <p:cNvSpPr>
+            <a:spLocks noGrp="1"/>
+          </p:cNvSpPr>
+          <p:nvPr>
+            <p:ph type="title"/>
+          </p:nvPr>
         </p:nvSpPr>
         <p:spPr/>
         <p:txBody>
-          <a:bodyPr>
-            <a:normAutofit lnSpcReduction="10000"/>
-          </a:bodyPr>
-          <a:lstStyle/>
-          <a:p>
-            <a:r>
-              <a:rPr lang="en-US" dirty="0" smtClean="0"/>
-              <a:t>Minim library is the Sound API for processing dealing with mp3, wav or other various file formats.</a:t>
-            </a:r>
-          </a:p>
-          <a:p>
-            <a:endParaRPr lang="en-US" dirty="0" smtClean="0"/>
-          </a:p>
-          <a:p>
-            <a:r>
-              <a:rPr lang="en-US" dirty="0" smtClean="0"/>
-              <a:t>Basic Function (ddf.minim.*)</a:t>
-            </a:r>
-          </a:p>
-          <a:p>
-            <a:r>
-              <a:rPr lang="en-US" dirty="0" smtClean="0"/>
-              <a:t>	- AudioFile loadFile(String filename, int bufferSize)</a:t>
-            </a:r>
-          </a:p>
-          <a:p>
-            <a:r>
-              <a:rPr lang="en-US" dirty="0" smtClean="0"/>
-              <a:t>	- void play()</a:t>
-            </a:r>
-          </a:p>
-          <a:p>
-            <a:r>
-              <a:rPr lang="en-US" dirty="0" smtClean="0"/>
-              <a:t>	-  void close() , void stop()</a:t>
-            </a:r>
-          </a:p>
-          <a:p>
-            <a:r>
-              <a:rPr lang="en-US" dirty="0" smtClean="0"/>
-              <a:t>FFT Function (ddf.minim.analyze.*)</a:t>
-            </a:r>
-          </a:p>
-          <a:p>
-            <a:r>
-              <a:rPr lang="en-US" dirty="0" smtClean="0"/>
-              <a:t>	-  abstract void forward(AudioBuffer buffer)</a:t>
-            </a:r>
-          </a:p>
-          <a:p>
-            <a:r>
-              <a:rPr lang="en-US" dirty="0" smtClean="0"/>
-              <a:t>	- int specSize()</a:t>
-            </a:r>
-          </a:p>
-          <a:p>
-            <a:r>
-              <a:rPr lang="en-US" dirty="0" smtClean="0"/>
-              <a:t>	- float getBandWidth(int i)</a:t>
-            </a:r>
-          </a:p>
-          <a:p>
-            <a:r>
-              <a:rPr lang="en-US" dirty="0" smtClean="0"/>
-              <a:t>	- float getBand(int i)</a:t>
-            </a:r>
-          </a:p>
-        </p:txBody>
-      </p:sp>
-      <p:sp>
-        <p:nvSpPr>
-          <p:cNvPr id="3" name="Title 2"/>
-          <p:cNvSpPr>
-            <a:spLocks noGrp="1"/>
-          </p:cNvSpPr>
-          <p:nvPr>
-            <p:ph type="title"/>
-          </p:nvPr>
-        </p:nvSpPr>
-        <p:spPr/>
-        <p:txBody>
           <a:bodyPr/>
           <a:lstStyle/>
           <a:p>
             <a:pPr algn="ctr"/>
             <a:r>
               <a:rPr lang="en-US" dirty="0" smtClean="0"/>
-              <a:t>Sound API</a:t>
+              <a:t>FFT Algorithm</a:t>
             </a:r>
             <a:endParaRPr lang="en-US" dirty="0"/>
           </a:p>
@@ -4703,13 +4935,20 @@
     </p:spTree>
     <p:extLst>
       <p:ext uri="{BB962C8B-B14F-4D97-AF65-F5344CB8AC3E}">
-        <p14:creationId xmlns:p14="http://schemas.microsoft.com/office/powerpoint/2010/main" val="2925572708"/>
+        <p14:creationId xmlns:p14="http://schemas.microsoft.com/office/powerpoint/2010/main" val="2575468521"/>
       </p:ext>
     </p:extLst>
   </p:cSld>
   <p:clrMapOvr>
     <a:masterClrMapping/>
   </p:clrMapOvr>
+  <p:timing>
+    <p:tnLst>
+      <p:par>
+        <p:cTn id="1" dur="indefinite" restart="never" nodeType="tmRoot"/>
+      </p:par>
+    </p:tnLst>
+  </p:timing>
 </p:sld>
 </file>
 
@@ -4742,70 +4981,145 @@
         </p:nvSpPr>
         <p:spPr/>
         <p:txBody>
+          <a:bodyPr>
+            <a:normAutofit/>
+          </a:bodyPr>
+          <a:lstStyle/>
+          <a:p>
+            <a:r>
+              <a:rPr lang="en-US" dirty="0" smtClean="0"/>
+              <a:t>Minim library is the Sound API for processing dealing with mp3, wav or other various file formats</a:t>
+            </a:r>
+            <a:r>
+              <a:rPr lang="en-US" dirty="0" smtClean="0"/>
+              <a:t>.</a:t>
+            </a:r>
+          </a:p>
+          <a:p>
+            <a:endParaRPr lang="en-US" dirty="0" smtClean="0"/>
+          </a:p>
+          <a:p>
+            <a:pPr marL="285750" indent="-285750">
+              <a:buFont typeface="Arial" pitchFamily="34" charset="0"/>
+              <a:buChar char="•"/>
+            </a:pPr>
+            <a:r>
+              <a:rPr lang="en-US" dirty="0" smtClean="0"/>
+              <a:t>Basic Function (ddf.minim.*)</a:t>
+            </a:r>
+          </a:p>
+          <a:p>
+            <a:pPr marL="457200" lvl="1" indent="-285750"/>
+            <a:r>
+              <a:rPr lang="en-US" dirty="0" err="1" smtClean="0"/>
+              <a:t>AudioFile</a:t>
+            </a:r>
+            <a:r>
+              <a:rPr lang="en-US" dirty="0" smtClean="0"/>
+              <a:t> </a:t>
+            </a:r>
+            <a:r>
+              <a:rPr lang="en-US" dirty="0" smtClean="0"/>
+              <a:t>loadFile(String filename, int bufferSize)</a:t>
+            </a:r>
+          </a:p>
+          <a:p>
+            <a:pPr marL="457200" lvl="1" indent="-285750"/>
+            <a:r>
+              <a:rPr lang="en-US" dirty="0" smtClean="0"/>
+              <a:t> </a:t>
+            </a:r>
+            <a:r>
+              <a:rPr lang="en-US" dirty="0" smtClean="0"/>
+              <a:t>void play()</a:t>
+            </a:r>
+          </a:p>
+          <a:p>
+            <a:pPr marL="457200" lvl="1" indent="-285750"/>
+            <a:r>
+              <a:rPr lang="en-US" dirty="0" smtClean="0"/>
+              <a:t>  </a:t>
+            </a:r>
+            <a:r>
+              <a:rPr lang="en-US" dirty="0" smtClean="0"/>
+              <a:t>void close() , void stop()</a:t>
+            </a:r>
+          </a:p>
+          <a:p>
+            <a:pPr marL="285750" indent="-285750">
+              <a:buFont typeface="Arial" pitchFamily="34" charset="0"/>
+              <a:buChar char="•"/>
+            </a:pPr>
+            <a:r>
+              <a:rPr lang="en-US" dirty="0" smtClean="0"/>
+              <a:t>FFT Function (ddf.minim.analyze.*)</a:t>
+            </a:r>
+          </a:p>
+          <a:p>
+            <a:pPr marL="457200" lvl="1" indent="-285750"/>
+            <a:r>
+              <a:rPr lang="en-US" dirty="0" smtClean="0"/>
+              <a:t>  </a:t>
+            </a:r>
+            <a:r>
+              <a:rPr lang="en-US" dirty="0" smtClean="0"/>
+              <a:t>abstract void forward(AudioBuffer buffer)</a:t>
+            </a:r>
+          </a:p>
+          <a:p>
+            <a:pPr marL="457200" lvl="1" indent="-285750"/>
+            <a:r>
+              <a:rPr lang="en-US" dirty="0" smtClean="0"/>
+              <a:t> </a:t>
+            </a:r>
+            <a:r>
+              <a:rPr lang="en-US" dirty="0" smtClean="0"/>
+              <a:t>int specSize()</a:t>
+            </a:r>
+          </a:p>
+          <a:p>
+            <a:pPr marL="457200" lvl="1" indent="-285750"/>
+            <a:r>
+              <a:rPr lang="en-US" dirty="0" smtClean="0"/>
+              <a:t> </a:t>
+            </a:r>
+            <a:r>
+              <a:rPr lang="en-US" dirty="0" smtClean="0"/>
+              <a:t>float getBandWidth(int i)</a:t>
+            </a:r>
+          </a:p>
+          <a:p>
+            <a:pPr marL="457200" lvl="1" indent="-285750"/>
+            <a:r>
+              <a:rPr lang="en-US" dirty="0" smtClean="0"/>
+              <a:t> </a:t>
+            </a:r>
+            <a:r>
+              <a:rPr lang="en-US" dirty="0" smtClean="0"/>
+              <a:t>float getBand(int i)</a:t>
+            </a:r>
+          </a:p>
+        </p:txBody>
+      </p:sp>
+      <p:sp>
+        <p:nvSpPr>
+          <p:cNvPr id="3" name="Title 2"/>
+          <p:cNvSpPr>
+            <a:spLocks noGrp="1"/>
+          </p:cNvSpPr>
+          <p:nvPr>
+            <p:ph type="title"/>
+          </p:nvPr>
+        </p:nvSpPr>
+        <p:spPr/>
+        <p:txBody>
           <a:bodyPr/>
           <a:lstStyle/>
           <a:p>
-            <a:r>
-              <a:rPr lang="en-US" dirty="0" smtClean="0"/>
-              <a:t>Each frequency range have 4 setting variable.</a:t>
-            </a:r>
-          </a:p>
-          <a:p>
-            <a:r>
-              <a:rPr lang="en-US" dirty="0" smtClean="0"/>
-              <a:t>LOW:	lowStart: starting point of low frequency</a:t>
-            </a:r>
-          </a:p>
-          <a:p>
-            <a:r>
-              <a:rPr lang="en-US" dirty="0" smtClean="0"/>
-              <a:t>	lowEnd:	ending point of low frequency</a:t>
-            </a:r>
-          </a:p>
-          <a:p>
-            <a:r>
-              <a:rPr lang="en-US" dirty="0" smtClean="0"/>
-              <a:t>	lowVol: volume filter for low frequency</a:t>
-            </a:r>
-          </a:p>
-          <a:p>
-            <a:r>
-              <a:rPr lang="en-US" dirty="0" smtClean="0"/>
-              <a:t>	bplLow:	blocks/LED for low frequency</a:t>
-            </a:r>
-          </a:p>
-          <a:p>
-            <a:endParaRPr lang="en-US" dirty="0" smtClean="0"/>
-          </a:p>
-          <a:p>
-            <a:r>
-              <a:rPr lang="en-US" dirty="0" smtClean="0"/>
-              <a:t>MID &amp; High </a:t>
-            </a:r>
-          </a:p>
-        </p:txBody>
-      </p:sp>
-      <p:sp>
-        <p:nvSpPr>
-          <p:cNvPr id="3" name="Title 2"/>
-          <p:cNvSpPr>
-            <a:spLocks noGrp="1"/>
-          </p:cNvSpPr>
-          <p:nvPr>
-            <p:ph type="title"/>
-          </p:nvPr>
-        </p:nvSpPr>
-        <p:spPr/>
-        <p:txBody>
-          <a:bodyPr>
-            <a:normAutofit fontScale="90000"/>
-          </a:bodyPr>
-          <a:lstStyle/>
-          <a:p>
             <a:pPr algn="ctr"/>
             <a:r>
               <a:rPr lang="en-US" dirty="0" smtClean="0"/>
-              <a:t>Divide frequency into Low, Mid, High</a:t>
+              <a:t>Sound API</a:t>
             </a:r>
             <a:endParaRPr lang="en-US" dirty="0"/>
           </a:p>
@@ -4814,13 +5128,20 @@
     </p:spTree>
     <p:extLst>
       <p:ext uri="{BB962C8B-B14F-4D97-AF65-F5344CB8AC3E}">
-        <p14:creationId xmlns:p14="http://schemas.microsoft.com/office/powerpoint/2010/main" val="518480761"/>
+        <p14:creationId xmlns:p14="http://schemas.microsoft.com/office/powerpoint/2010/main" val="2925572708"/>
       </p:ext>
     </p:extLst>
   </p:cSld>
   <p:clrMapOvr>
     <a:masterClrMapping/>
   </p:clrMapOvr>
+  <p:timing>
+    <p:tnLst>
+      <p:par>
+        <p:cTn id="1" dur="indefinite" restart="never" nodeType="tmRoot"/>
+      </p:par>
+    </p:tnLst>
+  </p:timing>
 </p:sld>
 </file>
 
@@ -4856,55 +5177,179 @@
           <a:bodyPr/>
           <a:lstStyle/>
           <a:p>
-            <a:r>
-              <a:rPr lang="en-US" dirty="0" smtClean="0"/>
-              <a:t>int n = place of block</a:t>
-            </a:r>
-          </a:p>
-          <a:p>
+            <a:pPr marL="285750" indent="-285750">
+              <a:buFont typeface="Arial" pitchFamily="34" charset="0"/>
+              <a:buChar char="•"/>
+            </a:pPr>
+            <a:r>
+              <a:rPr lang="en-US" dirty="0" smtClean="0"/>
+              <a:t>Sampling Rate -&gt; </a:t>
+            </a:r>
+            <a:r>
+              <a:rPr lang="en-US" dirty="0" smtClean="0"/>
+              <a:t>44100Hz</a:t>
+            </a:r>
+          </a:p>
+          <a:p>
+            <a:pPr marL="457200" lvl="1" indent="-285750"/>
+            <a:r>
+              <a:rPr lang="en-US" dirty="0" smtClean="0"/>
+              <a:t>Default value of mp3</a:t>
+            </a:r>
             <a:endParaRPr lang="en-US" dirty="0" smtClean="0"/>
           </a:p>
           <a:p>
-            <a:r>
-              <a:rPr lang="en-US" dirty="0" smtClean="0"/>
-              <a:t>if Start &lt;= n &lt;= End</a:t>
-            </a:r>
-          </a:p>
-          <a:p>
-            <a:r>
-              <a:rPr lang="en-US" dirty="0" smtClean="0"/>
-              <a:t>  for: int i; i &gt;= bpl; i++</a:t>
-            </a:r>
-          </a:p>
-          <a:p>
-            <a:r>
-              <a:rPr lang="en-US" dirty="0" smtClean="0"/>
-              <a:t>    if frequency </a:t>
-            </a:r>
-          </a:p>
-          <a:p>
-            <a:r>
-              <a:rPr lang="en-US" dirty="0" smtClean="0"/>
-              <a:t>Volume &gt; vol</a:t>
-            </a:r>
-          </a:p>
-          <a:p>
-            <a:r>
-              <a:rPr lang="en-US" dirty="0" smtClean="0"/>
-              <a:t>        return true</a:t>
-            </a:r>
-          </a:p>
-          <a:p>
-            <a:r>
-              <a:rPr lang="en-US" dirty="0" smtClean="0"/>
-              <a:t>    else</a:t>
-            </a:r>
-          </a:p>
-          <a:p>
-            <a:r>
-              <a:rPr lang="en-US" dirty="0" smtClean="0"/>
-              <a:t>        return false</a:t>
-            </a:r>
+            <a:pPr marL="285750" indent="-285750">
+              <a:buFont typeface="Arial" pitchFamily="34" charset="0"/>
+              <a:buChar char="•"/>
+            </a:pPr>
+            <a:r>
+              <a:rPr lang="en-US" dirty="0" err="1" smtClean="0"/>
+              <a:t>BufferSize</a:t>
+            </a:r>
+            <a:r>
+              <a:rPr lang="en-US" dirty="0" smtClean="0"/>
+              <a:t> -&gt; </a:t>
+            </a:r>
+            <a:r>
+              <a:rPr lang="en-US" dirty="0" smtClean="0"/>
+              <a:t>1024</a:t>
+            </a:r>
+          </a:p>
+          <a:p>
+            <a:pPr marL="457200" lvl="1" indent="-285750"/>
+            <a:r>
+              <a:rPr lang="en-US" dirty="0" smtClean="0"/>
+              <a:t>Default value for mp3</a:t>
+            </a:r>
+            <a:endParaRPr lang="en-US" dirty="0" smtClean="0"/>
+          </a:p>
+          <a:p>
+            <a:pPr marL="285750" indent="-285750">
+              <a:buFont typeface="Arial" pitchFamily="34" charset="0"/>
+              <a:buChar char="•"/>
+            </a:pPr>
+            <a:r>
+              <a:rPr lang="en-US" dirty="0" err="1" smtClean="0"/>
+              <a:t>SpecSize</a:t>
+            </a:r>
+            <a:r>
+              <a:rPr lang="en-US" dirty="0" smtClean="0"/>
+              <a:t> -&gt; </a:t>
+            </a:r>
+            <a:r>
+              <a:rPr lang="en-US" dirty="0" err="1" smtClean="0"/>
+              <a:t>BufferSize</a:t>
+            </a:r>
+            <a:r>
+              <a:rPr lang="en-US" dirty="0" smtClean="0"/>
+              <a:t> / 2 </a:t>
+            </a:r>
+            <a:r>
+              <a:rPr lang="en-US" dirty="0" smtClean="0"/>
+              <a:t> </a:t>
+            </a:r>
+            <a:r>
+              <a:rPr lang="en-US" dirty="0" smtClean="0"/>
+              <a:t>= </a:t>
+            </a:r>
+            <a:r>
+              <a:rPr lang="en-US" dirty="0" smtClean="0"/>
+              <a:t>512</a:t>
+            </a:r>
+          </a:p>
+          <a:p>
+            <a:pPr marL="457200" lvl="1" indent="-285750"/>
+            <a:r>
+              <a:rPr lang="en-US" dirty="0" smtClean="0"/>
+              <a:t>Size will be half of buffer size due to FFT algorithm</a:t>
+            </a:r>
+            <a:endParaRPr lang="en-US" dirty="0" smtClean="0"/>
+          </a:p>
+          <a:p>
+            <a:pPr marL="285750" indent="-285750">
+              <a:buFont typeface="Arial" pitchFamily="34" charset="0"/>
+              <a:buChar char="•"/>
+            </a:pPr>
+            <a:r>
+              <a:rPr lang="en-US" dirty="0" err="1" smtClean="0"/>
+              <a:t>BandWidth</a:t>
+            </a:r>
+            <a:r>
+              <a:rPr lang="en-US" dirty="0" smtClean="0"/>
+              <a:t> -&gt; Sampling Rate/ </a:t>
+            </a:r>
+            <a:r>
+              <a:rPr lang="en-US" dirty="0" err="1" smtClean="0"/>
+              <a:t>BufferSize</a:t>
+            </a:r>
+            <a:r>
+              <a:rPr lang="en-US" dirty="0" smtClean="0"/>
+              <a:t> = </a:t>
+            </a:r>
+            <a:r>
+              <a:rPr lang="en-US" dirty="0" smtClean="0"/>
+              <a:t>43.066406Hz</a:t>
+            </a:r>
+          </a:p>
+          <a:p>
+            <a:pPr marL="457200" lvl="1" indent="-285750"/>
+            <a:r>
+              <a:rPr lang="en-US" dirty="0" smtClean="0"/>
+              <a:t>Each block have the range of about 43Hz</a:t>
+            </a:r>
+          </a:p>
+          <a:p>
+            <a:pPr lvl="1" indent="0">
+              <a:buNone/>
+            </a:pPr>
+            <a:r>
+              <a:rPr lang="en-US" dirty="0" smtClean="0"/>
+              <a:t>              ex)</a:t>
+            </a:r>
+          </a:p>
+          <a:p>
+            <a:pPr lvl="1" indent="0">
+              <a:buNone/>
+            </a:pPr>
+            <a:r>
+              <a:rPr lang="en-US" dirty="0" smtClean="0"/>
+              <a:t>	Block 0: 	0.0Hz </a:t>
+            </a:r>
+            <a:r>
+              <a:rPr lang="en-US" dirty="0"/>
+              <a:t>~ 43.066406Hz</a:t>
+            </a:r>
+          </a:p>
+          <a:p>
+            <a:pPr lvl="1" indent="0">
+              <a:buNone/>
+            </a:pPr>
+            <a:r>
+              <a:rPr lang="en-US" dirty="0" smtClean="0"/>
+              <a:t>	Block 1: 	43.066406Hz </a:t>
+            </a:r>
+            <a:r>
+              <a:rPr lang="en-US" dirty="0"/>
+              <a:t>~ 86.13281Hz</a:t>
+            </a:r>
+          </a:p>
+          <a:p>
+            <a:pPr lvl="1" indent="0">
+              <a:buNone/>
+            </a:pPr>
+            <a:r>
+              <a:rPr lang="en-US" dirty="0" smtClean="0"/>
+              <a:t>	Block 2:	86.13281Hz </a:t>
+            </a:r>
+            <a:r>
+              <a:rPr lang="en-US" dirty="0"/>
+              <a:t>~ 129.19922Hz</a:t>
+            </a:r>
+          </a:p>
+          <a:p>
+            <a:pPr marL="457200" lvl="1" indent="-285750"/>
+            <a:endParaRPr lang="en-US" dirty="0" smtClean="0"/>
           </a:p>
         </p:txBody>
       </p:sp>
@@ -4926,7 +5371,7 @@
             <a:pPr algn="ctr"/>
             <a:r>
               <a:rPr lang="en-US" dirty="0" smtClean="0"/>
-              <a:t>Programming</a:t>
+              <a:t>Variables for FFT</a:t>
             </a:r>
             <a:endParaRPr lang="en-US" dirty="0"/>
           </a:p>
@@ -4935,13 +5380,20 @@
     </p:spTree>
     <p:extLst>
       <p:ext uri="{BB962C8B-B14F-4D97-AF65-F5344CB8AC3E}">
-        <p14:creationId xmlns:p14="http://schemas.microsoft.com/office/powerpoint/2010/main" val="4148252209"/>
+        <p14:creationId xmlns:p14="http://schemas.microsoft.com/office/powerpoint/2010/main" val="3607638477"/>
       </p:ext>
     </p:extLst>
   </p:cSld>
   <p:clrMapOvr>
     <a:masterClrMapping/>
   </p:clrMapOvr>
+  <p:timing>
+    <p:tnLst>
+      <p:par>
+        <p:cTn id="1" dur="indefinite" restart="never" nodeType="tmRoot"/>
+      </p:par>
+    </p:tnLst>
+  </p:timing>
 </p:sld>
 </file>
 
@@ -4977,6 +5429,447 @@
           <a:bodyPr/>
           <a:lstStyle/>
           <a:p>
+            <a:pPr marL="285750" indent="-285750">
+              <a:buFont typeface="Arial" pitchFamily="34" charset="0"/>
+              <a:buChar char="•"/>
+            </a:pPr>
+            <a:r>
+              <a:rPr lang="en-US" dirty="0" smtClean="0"/>
+              <a:t>Each frequency range have 4 setting </a:t>
+            </a:r>
+            <a:r>
+              <a:rPr lang="en-US" dirty="0" smtClean="0"/>
+              <a:t>variable.</a:t>
+            </a:r>
+            <a:endParaRPr lang="en-US" dirty="0"/>
+          </a:p>
+          <a:p>
+            <a:pPr marL="285750" indent="-285750">
+              <a:buFont typeface="Arial" pitchFamily="34" charset="0"/>
+              <a:buChar char="•"/>
+            </a:pPr>
+            <a:r>
+              <a:rPr lang="en-US" dirty="0" smtClean="0"/>
+              <a:t>Low Frequency</a:t>
+            </a:r>
+          </a:p>
+          <a:p>
+            <a:pPr marL="457200" lvl="1" indent="-285750"/>
+            <a:r>
+              <a:rPr lang="en-US" dirty="0" err="1" smtClean="0"/>
+              <a:t>lowStart</a:t>
+            </a:r>
+            <a:r>
+              <a:rPr lang="en-US" dirty="0" smtClean="0"/>
+              <a:t>:	starting </a:t>
+            </a:r>
+            <a:r>
+              <a:rPr lang="en-US" dirty="0" smtClean="0"/>
+              <a:t>point of low frequency</a:t>
+            </a:r>
+          </a:p>
+          <a:p>
+            <a:pPr marL="457200" lvl="1" indent="-285750"/>
+            <a:r>
+              <a:rPr lang="en-US" dirty="0" err="1" smtClean="0"/>
+              <a:t>lowEnd</a:t>
+            </a:r>
+            <a:r>
+              <a:rPr lang="en-US" dirty="0" smtClean="0"/>
+              <a:t>:	ending point of low frequency</a:t>
+            </a:r>
+          </a:p>
+          <a:p>
+            <a:pPr marL="457200" lvl="1" indent="-285750"/>
+            <a:r>
+              <a:rPr lang="en-US" dirty="0" err="1" smtClean="0"/>
+              <a:t>lowVol</a:t>
+            </a:r>
+            <a:r>
+              <a:rPr lang="en-US" dirty="0" smtClean="0"/>
+              <a:t>: </a:t>
+            </a:r>
+            <a:r>
+              <a:rPr lang="en-US" dirty="0" smtClean="0"/>
+              <a:t>	volume </a:t>
+            </a:r>
+            <a:r>
+              <a:rPr lang="en-US" dirty="0" smtClean="0"/>
+              <a:t>filter for low frequency</a:t>
+            </a:r>
+          </a:p>
+          <a:p>
+            <a:pPr marL="457200" lvl="1" indent="-285750"/>
+            <a:r>
+              <a:rPr lang="en-US" dirty="0" err="1" smtClean="0"/>
+              <a:t>bplLow</a:t>
+            </a:r>
+            <a:r>
+              <a:rPr lang="en-US" dirty="0" smtClean="0"/>
+              <a:t>:	blocks/LED for low frequency</a:t>
+            </a:r>
+          </a:p>
+          <a:p>
+            <a:pPr marL="285750" indent="-285750">
+              <a:buFont typeface="Arial" pitchFamily="34" charset="0"/>
+              <a:buChar char="•"/>
+            </a:pPr>
+            <a:endParaRPr lang="en-US" dirty="0" smtClean="0"/>
+          </a:p>
+          <a:p>
+            <a:pPr marL="285750" indent="-285750">
+              <a:buFont typeface="Arial" pitchFamily="34" charset="0"/>
+              <a:buChar char="•"/>
+            </a:pPr>
+            <a:r>
+              <a:rPr lang="en-US" dirty="0" smtClean="0"/>
+              <a:t>Same variables for MID and HIGH</a:t>
+            </a:r>
+          </a:p>
+          <a:p>
+            <a:pPr marL="457200" lvl="1" indent="-285750"/>
+            <a:r>
+              <a:rPr lang="en-US" dirty="0"/>
+              <a:t>e</a:t>
+            </a:r>
+            <a:r>
+              <a:rPr lang="en-US" dirty="0" smtClean="0"/>
+              <a:t>x) </a:t>
+            </a:r>
+            <a:r>
+              <a:rPr lang="en-US" dirty="0" err="1"/>
+              <a:t>m</a:t>
+            </a:r>
+            <a:r>
+              <a:rPr lang="en-US" dirty="0" err="1" smtClean="0"/>
+              <a:t>idStart</a:t>
+            </a:r>
+            <a:r>
+              <a:rPr lang="en-US" dirty="0" smtClean="0"/>
+              <a:t>, </a:t>
+            </a:r>
+            <a:r>
+              <a:rPr lang="en-US" dirty="0" err="1"/>
+              <a:t>h</a:t>
+            </a:r>
+            <a:r>
+              <a:rPr lang="en-US" dirty="0" err="1" smtClean="0"/>
+              <a:t>ighStart</a:t>
+            </a:r>
+            <a:endParaRPr lang="en-US" dirty="0" smtClean="0"/>
+          </a:p>
+        </p:txBody>
+      </p:sp>
+      <p:sp>
+        <p:nvSpPr>
+          <p:cNvPr id="3" name="Title 2"/>
+          <p:cNvSpPr>
+            <a:spLocks noGrp="1"/>
+          </p:cNvSpPr>
+          <p:nvPr>
+            <p:ph type="title"/>
+          </p:nvPr>
+        </p:nvSpPr>
+        <p:spPr/>
+        <p:txBody>
+          <a:bodyPr>
+            <a:normAutofit fontScale="90000"/>
+          </a:bodyPr>
+          <a:lstStyle/>
+          <a:p>
+            <a:pPr algn="ctr"/>
+            <a:r>
+              <a:rPr lang="en-US" dirty="0" smtClean="0"/>
+              <a:t>Divide </a:t>
+            </a:r>
+            <a:r>
+              <a:rPr lang="en-US" dirty="0" smtClean="0"/>
+              <a:t>Frequency </a:t>
+            </a:r>
+            <a:r>
+              <a:rPr lang="en-US" dirty="0" smtClean="0"/>
+              <a:t>into Low, Mid, High</a:t>
+            </a:r>
+            <a:endParaRPr lang="en-US" dirty="0"/>
+          </a:p>
+        </p:txBody>
+      </p:sp>
+    </p:spTree>
+    <p:extLst>
+      <p:ext uri="{BB962C8B-B14F-4D97-AF65-F5344CB8AC3E}">
+        <p14:creationId xmlns:p14="http://schemas.microsoft.com/office/powerpoint/2010/main" val="518480761"/>
+      </p:ext>
+    </p:extLst>
+  </p:cSld>
+  <p:clrMapOvr>
+    <a:masterClrMapping/>
+  </p:clrMapOvr>
+  <p:timing>
+    <p:tnLst>
+      <p:par>
+        <p:cTn id="1" dur="indefinite" restart="never" nodeType="tmRoot"/>
+      </p:par>
+    </p:tnLst>
+  </p:timing>
+</p:sld>
+</file>
+
+<file path=ppt/slides/slide18.xml><?xml version="1.0" encoding="utf-8"?>
+<p:sld xmlns:a="http://schemas.openxmlformats.org/drawingml/2006/main" xmlns:r="http://schemas.openxmlformats.org/officeDocument/2006/relationships" xmlns:p="http://schemas.openxmlformats.org/presentationml/2006/main">
+  <p:cSld>
+    <p:spTree>
+      <p:nvGrpSpPr>
+        <p:cNvPr id="1" name=""/>
+        <p:cNvGrpSpPr/>
+        <p:nvPr/>
+      </p:nvGrpSpPr>
+      <p:grpSpPr>
+        <a:xfrm>
+          <a:off x="0" y="0"/>
+          <a:ext cx="0" cy="0"/>
+          <a:chOff x="0" y="0"/>
+          <a:chExt cx="0" cy="0"/>
+        </a:xfrm>
+      </p:grpSpPr>
+      <p:sp>
+        <p:nvSpPr>
+          <p:cNvPr id="2" name="Content Placeholder 1"/>
+          <p:cNvSpPr>
+            <a:spLocks noGrp="1"/>
+          </p:cNvSpPr>
+          <p:nvPr>
+            <p:ph sz="quarter" idx="13"/>
+          </p:nvPr>
+        </p:nvSpPr>
+        <p:spPr/>
+        <p:txBody>
+          <a:bodyPr/>
+          <a:lstStyle/>
+          <a:p>
+            <a:endParaRPr lang="en-US" dirty="0" smtClean="0"/>
+          </a:p>
+          <a:p>
+            <a:r>
+              <a:rPr lang="en-US" dirty="0" err="1" smtClean="0"/>
+              <a:t>int</a:t>
+            </a:r>
+            <a:r>
+              <a:rPr lang="en-US" dirty="0" smtClean="0"/>
+              <a:t> </a:t>
+            </a:r>
+            <a:r>
+              <a:rPr lang="en-US" dirty="0" smtClean="0"/>
+              <a:t>n = </a:t>
+            </a:r>
+            <a:r>
+              <a:rPr lang="en-US" dirty="0" smtClean="0"/>
+              <a:t>number </a:t>
+            </a:r>
+            <a:r>
+              <a:rPr lang="en-US" dirty="0" smtClean="0"/>
+              <a:t>of block</a:t>
+            </a:r>
+          </a:p>
+          <a:p>
+            <a:endParaRPr lang="en-US" dirty="0" smtClean="0"/>
+          </a:p>
+          <a:p>
+            <a:r>
+              <a:rPr lang="en-US" dirty="0" smtClean="0"/>
+              <a:t>if Start &lt;= n &lt;= End</a:t>
+            </a:r>
+          </a:p>
+          <a:p>
+            <a:r>
+              <a:rPr lang="en-US" dirty="0" smtClean="0"/>
+              <a:t>  for: int i; i &gt;= bpl; i++</a:t>
+            </a:r>
+          </a:p>
+          <a:p>
+            <a:r>
+              <a:rPr lang="en-US" dirty="0" smtClean="0"/>
+              <a:t>    if frequency </a:t>
+            </a:r>
+            <a:r>
+              <a:rPr lang="en-US" dirty="0"/>
+              <a:t>v</a:t>
+            </a:r>
+            <a:r>
+              <a:rPr lang="en-US" dirty="0" smtClean="0"/>
+              <a:t>olume </a:t>
+            </a:r>
+            <a:r>
+              <a:rPr lang="en-US" dirty="0" smtClean="0"/>
+              <a:t>&gt; vol</a:t>
+            </a:r>
+          </a:p>
+          <a:p>
+            <a:r>
+              <a:rPr lang="en-US" dirty="0" smtClean="0"/>
+              <a:t>        return true</a:t>
+            </a:r>
+          </a:p>
+          <a:p>
+            <a:r>
+              <a:rPr lang="en-US" dirty="0" smtClean="0"/>
+              <a:t>    else</a:t>
+            </a:r>
+          </a:p>
+          <a:p>
+            <a:r>
+              <a:rPr lang="en-US" dirty="0" smtClean="0"/>
+              <a:t>        return false</a:t>
+            </a:r>
+          </a:p>
+        </p:txBody>
+      </p:sp>
+      <p:sp>
+        <p:nvSpPr>
+          <p:cNvPr id="3" name="Title 2"/>
+          <p:cNvSpPr>
+            <a:spLocks noGrp="1"/>
+          </p:cNvSpPr>
+          <p:nvPr>
+            <p:ph type="title"/>
+          </p:nvPr>
+        </p:nvSpPr>
+        <p:spPr/>
+        <p:txBody>
+          <a:bodyPr/>
+          <a:lstStyle/>
+          <a:p>
+            <a:pPr algn="ctr"/>
+            <a:r>
+              <a:rPr lang="en-US" dirty="0" smtClean="0"/>
+              <a:t>Programming</a:t>
+            </a:r>
+            <a:endParaRPr lang="en-US" dirty="0"/>
+          </a:p>
+        </p:txBody>
+      </p:sp>
+      <p:pic>
+        <p:nvPicPr>
+          <p:cNvPr id="4100" name="Picture 4" descr="C:\Users\KOHET\Desktop\ferqa.PNG"/>
+          <p:cNvPicPr>
+            <a:picLocks noChangeAspect="1" noChangeArrowheads="1"/>
+          </p:cNvPicPr>
+          <p:nvPr/>
+        </p:nvPicPr>
+        <p:blipFill>
+          <a:blip r:embed="rId2">
+            <a:extLst>
+              <a:ext uri="{28A0092B-C50C-407E-A947-70E740481C1C}">
+                <a14:useLocalDpi xmlns:a14="http://schemas.microsoft.com/office/drawing/2010/main" val="0"/>
+              </a:ext>
+            </a:extLst>
+          </a:blip>
+          <a:srcRect/>
+          <a:stretch>
+            <a:fillRect/>
+          </a:stretch>
+        </p:blipFill>
+        <p:spPr bwMode="auto">
+          <a:xfrm>
+            <a:off x="4191000" y="1844673"/>
+            <a:ext cx="4113291" cy="4327525"/>
+          </a:xfrm>
+          <a:prstGeom prst="rect">
+            <a:avLst/>
+          </a:prstGeom>
+          <a:noFill/>
+          <a:extLst>
+            <a:ext uri="{909E8E84-426E-40DD-AFC4-6F175D3DCCD1}">
+              <a14:hiddenFill xmlns:a14="http://schemas.microsoft.com/office/drawing/2010/main">
+                <a:solidFill>
+                  <a:srgbClr val="FFFFFF"/>
+                </a:solidFill>
+              </a14:hiddenFill>
+            </a:ext>
+          </a:extLst>
+        </p:spPr>
+      </p:pic>
+      <p:sp>
+        <p:nvSpPr>
+          <p:cNvPr id="4" name="テキスト ボックス 3"/>
+          <p:cNvSpPr txBox="1"/>
+          <p:nvPr/>
+        </p:nvSpPr>
+        <p:spPr>
+          <a:xfrm>
+            <a:off x="4191000" y="6201489"/>
+            <a:ext cx="3048000" cy="246221"/>
+          </a:xfrm>
+          <a:prstGeom prst="rect">
+            <a:avLst/>
+          </a:prstGeom>
+          <a:noFill/>
+        </p:spPr>
+        <p:txBody>
+          <a:bodyPr wrap="square" rtlCol="0">
+            <a:spAutoFit/>
+          </a:bodyPr>
+          <a:lstStyle/>
+          <a:p>
+            <a:r>
+              <a:rPr lang="en-US" sz="1000" dirty="0" smtClean="0"/>
+              <a:t>Each line represent each band(block: 43.066406Hz)</a:t>
+            </a:r>
+            <a:endParaRPr lang="en-US" sz="1000" dirty="0"/>
+          </a:p>
+        </p:txBody>
+      </p:sp>
+    </p:spTree>
+    <p:extLst>
+      <p:ext uri="{BB962C8B-B14F-4D97-AF65-F5344CB8AC3E}">
+        <p14:creationId xmlns:p14="http://schemas.microsoft.com/office/powerpoint/2010/main" val="4148252209"/>
+      </p:ext>
+    </p:extLst>
+  </p:cSld>
+  <p:clrMapOvr>
+    <a:masterClrMapping/>
+  </p:clrMapOvr>
+  <p:timing>
+    <p:tnLst>
+      <p:par>
+        <p:cTn id="1" dur="indefinite" restart="never" nodeType="tmRoot"/>
+      </p:par>
+    </p:tnLst>
+  </p:timing>
+</p:sld>
+</file>
+
+<file path=ppt/slides/slide19.xml><?xml version="1.0" encoding="utf-8"?>
+<p:sld xmlns:a="http://schemas.openxmlformats.org/drawingml/2006/main" xmlns:r="http://schemas.openxmlformats.org/officeDocument/2006/relationships" xmlns:p="http://schemas.openxmlformats.org/presentationml/2006/main">
+  <p:cSld>
+    <p:spTree>
+      <p:nvGrpSpPr>
+        <p:cNvPr id="1" name=""/>
+        <p:cNvGrpSpPr/>
+        <p:nvPr/>
+      </p:nvGrpSpPr>
+      <p:grpSpPr>
+        <a:xfrm>
+          <a:off x="0" y="0"/>
+          <a:ext cx="0" cy="0"/>
+          <a:chOff x="0" y="0"/>
+          <a:chExt cx="0" cy="0"/>
+        </a:xfrm>
+      </p:grpSpPr>
+      <p:sp>
+        <p:nvSpPr>
+          <p:cNvPr id="2" name="Content Placeholder 1"/>
+          <p:cNvSpPr>
+            <a:spLocks noGrp="1"/>
+          </p:cNvSpPr>
+          <p:nvPr>
+            <p:ph sz="quarter" idx="13"/>
+          </p:nvPr>
+        </p:nvSpPr>
+        <p:spPr/>
+        <p:txBody>
+          <a:bodyPr/>
+          <a:lstStyle/>
+          <a:p>
             <a:r>
               <a:rPr lang="en-US" dirty="0" smtClean="0"/>
               <a:t>AND HERE IS THE CUBE BEING DRIVEN BY MUSIC.</a:t>
@@ -5019,6 +5912,13 @@
   <p:clrMapOvr>
     <a:masterClrMapping/>
   </p:clrMapOvr>
+  <p:timing>
+    <p:tnLst>
+      <p:par>
+        <p:cTn id="1" dur="indefinite" restart="never" nodeType="tmRoot"/>
+      </p:par>
+    </p:tnLst>
+  </p:timing>
 </p:sld>
 </file>
 
@@ -5431,7 +6331,6 @@
               <a:rPr lang="en-US" dirty="0" smtClean="0"/>
               <a:t>4 pieces of 10” x 6” x 1” wood cut at 45° angle</a:t>
             </a:r>
-            <a:endParaRPr lang="en-US" dirty="0" smtClean="0"/>
           </a:p>
           <a:p>
             <a:pPr marL="285750" indent="-285750">
@@ -5442,7 +6341,6 @@
               <a:rPr lang="en-US" dirty="0" smtClean="0"/>
               <a:t>1 piece of 7 ¾” x 7 ¾” x ¼” wood </a:t>
             </a:r>
-            <a:endParaRPr lang="en-US" dirty="0" smtClean="0"/>
           </a:p>
           <a:p>
             <a:pPr marL="285750" indent="-285750">
@@ -5453,7 +6351,6 @@
               <a:rPr lang="en-US" dirty="0" smtClean="0"/>
               <a:t>1 piece of 8”x8” x ¾” wood</a:t>
             </a:r>
-            <a:endParaRPr lang="en-US" dirty="0" smtClean="0"/>
           </a:p>
           <a:p>
             <a:pPr marL="285750" indent="-285750">
@@ -5462,11 +6359,7 @@
             </a:pPr>
             <a:r>
               <a:rPr lang="en-US" dirty="0" smtClean="0"/>
-              <a:t>1 Can of rubberized spray </a:t>
-            </a:r>
-            <a:r>
-              <a:rPr lang="en-US" dirty="0" smtClean="0"/>
-              <a:t>paint</a:t>
+              <a:t>1 Can of rubberized spray paint</a:t>
             </a:r>
           </a:p>
         </p:txBody>
@@ -5802,8 +6695,8 @@
           <a:chExt cx="0" cy="0"/>
         </a:xfrm>
       </p:grpSpPr>
-      <mc:AlternateContent xmlns:mc="http://schemas.openxmlformats.org/markup-compatibility/2006">
-        <mc:Choice xmlns:a14="http://schemas.microsoft.com/office/drawing/2010/main" Requires="a14">
+      <mc:AlternateContent xmlns:mc="http://schemas.openxmlformats.org/markup-compatibility/2006" xmlns:a14="http://schemas.microsoft.com/office/drawing/2010/main">
+        <mc:Choice Requires="a14">
           <p:sp>
             <p:nvSpPr>
               <p:cNvPr id="2" name="Content Placeholder 1"/>
@@ -5999,7 +6892,7 @@
             </p:txBody>
           </p:sp>
         </mc:Choice>
-        <mc:Fallback>
+        <mc:Fallback xmlns="">
           <p:sp>
             <p:nvSpPr>
               <p:cNvPr id="2" name="Content Placeholder 1"/>

--- a/5x5x5 LED Cube.pptx
+++ b/5x5x5 LED Cube.pptx
@@ -4607,7 +4607,11 @@
           <a:p>
             <a:r>
               <a:rPr lang="en-US" dirty="0" smtClean="0"/>
-              <a:t>80Hz			 	      100Hz</a:t>
+              <a:t>80Hz			 	      </a:t>
+            </a:r>
+            <a:r>
+              <a:rPr lang="en-US" dirty="0" smtClean="0"/>
+              <a:t>1000Hz</a:t>
             </a:r>
             <a:endParaRPr lang="en-US" dirty="0"/>
           </a:p>
@@ -4683,7 +4687,6 @@
               <a:rPr lang="en-US" dirty="0" smtClean="0"/>
               <a:t>It transforms signal in time domain (Sample Rate) into a signal in frequency domain.</a:t>
             </a:r>
-            <a:endParaRPr lang="en-US" dirty="0" smtClean="0"/>
           </a:p>
           <a:p>
             <a:pPr marL="285750" indent="-285750">
@@ -4692,13 +4695,8 @@
             </a:pPr>
             <a:r>
               <a:rPr lang="en-US" dirty="0" smtClean="0"/>
-              <a:t>In this algorithm it is impossible to calculate individual frequencies but calculate the frequencies of certain range</a:t>
-            </a:r>
-            <a:r>
-              <a:rPr lang="en-US" dirty="0" smtClean="0"/>
-              <a:t>.</a:t>
-            </a:r>
-            <a:endParaRPr lang="en-US" dirty="0" smtClean="0"/>
+              <a:t>In this algorithm it is impossible to calculate individual frequencies but calculate the frequencies of certain range.</a:t>
+            </a:r>
           </a:p>
         </p:txBody>
       </p:sp>
@@ -4988,11 +4986,7 @@
           <a:p>
             <a:r>
               <a:rPr lang="en-US" dirty="0" smtClean="0"/>
-              <a:t>Minim library is the Sound API for processing dealing with mp3, wav or other various file formats</a:t>
-            </a:r>
-            <a:r>
-              <a:rPr lang="en-US" dirty="0" smtClean="0"/>
-              <a:t>.</a:t>
+              <a:t>Minim library is the Sound API for processing dealing with mp3, wav or other various file formats.</a:t>
             </a:r>
           </a:p>
           <a:p>
@@ -5016,33 +5010,21 @@
             </a:r>
             <a:r>
               <a:rPr lang="en-US" dirty="0" smtClean="0"/>
-              <a:t> </a:t>
-            </a:r>
-            <a:r>
-              <a:rPr lang="en-US" dirty="0" smtClean="0"/>
-              <a:t>loadFile(String filename, int bufferSize)</a:t>
+              <a:t> loadFile(String filename, int bufferSize)</a:t>
             </a:r>
           </a:p>
           <a:p>
             <a:pPr marL="457200" lvl="1" indent="-285750"/>
             <a:r>
               <a:rPr lang="en-US" dirty="0" smtClean="0"/>
-              <a:t> </a:t>
-            </a:r>
-            <a:r>
-              <a:rPr lang="en-US" dirty="0" smtClean="0"/>
-              <a:t>void play()</a:t>
+              <a:t> void play()</a:t>
             </a:r>
           </a:p>
           <a:p>
             <a:pPr marL="457200" lvl="1" indent="-285750"/>
             <a:r>
               <a:rPr lang="en-US" dirty="0" smtClean="0"/>
-              <a:t>  </a:t>
-            </a:r>
-            <a:r>
-              <a:rPr lang="en-US" dirty="0" smtClean="0"/>
-              <a:t>void close() , void stop()</a:t>
+              <a:t>  void close() , void stop()</a:t>
             </a:r>
           </a:p>
           <a:p>
@@ -5059,44 +5041,28 @@
             <a:pPr marL="457200" lvl="1" indent="-285750"/>
             <a:r>
               <a:rPr lang="en-US" dirty="0" smtClean="0"/>
-              <a:t>  </a:t>
-            </a:r>
-            <a:r>
-              <a:rPr lang="en-US" dirty="0" smtClean="0"/>
-              <a:t>abstract void forward(AudioBuffer buffer)</a:t>
+              <a:t>  abstract void forward(AudioBuffer buffer)</a:t>
             </a:r>
           </a:p>
           <a:p>
             <a:pPr marL="457200" lvl="1" indent="-285750"/>
             <a:r>
               <a:rPr lang="en-US" dirty="0" smtClean="0"/>
-              <a:t> </a:t>
-            </a:r>
-            <a:r>
-              <a:rPr lang="en-US" dirty="0" smtClean="0"/>
-              <a:t>int specSize()</a:t>
+              <a:t> int specSize()</a:t>
             </a:r>
           </a:p>
           <a:p>
             <a:pPr marL="457200" lvl="1" indent="-285750"/>
             <a:r>
               <a:rPr lang="en-US" dirty="0" smtClean="0"/>
-              <a:t> </a:t>
-            </a:r>
-            <a:r>
-              <a:rPr lang="en-US" dirty="0" smtClean="0"/>
-              <a:t>float getBandWidth(int i)</a:t>
+              <a:t> float getBandWidth(int i)</a:t>
             </a:r>
           </a:p>
           <a:p>
             <a:pPr marL="457200" lvl="1" indent="-285750"/>
             <a:r>
               <a:rPr lang="en-US" dirty="0" smtClean="0"/>
-              <a:t> </a:t>
-            </a:r>
-            <a:r>
-              <a:rPr lang="en-US" dirty="0" smtClean="0"/>
-              <a:t>float getBand(int i)</a:t>
+              <a:t> float getBand(int i)</a:t>
             </a:r>
           </a:p>
         </p:txBody>
@@ -5183,11 +5149,7 @@
             </a:pPr>
             <a:r>
               <a:rPr lang="en-US" dirty="0" smtClean="0"/>
-              <a:t>Sampling Rate -&gt; </a:t>
-            </a:r>
-            <a:r>
-              <a:rPr lang="en-US" dirty="0" smtClean="0"/>
-              <a:t>44100Hz</a:t>
+              <a:t>Sampling Rate -&gt; 44100Hz</a:t>
             </a:r>
           </a:p>
           <a:p>
@@ -5196,7 +5158,6 @@
               <a:rPr lang="en-US" dirty="0" smtClean="0"/>
               <a:t>Default value of mp3</a:t>
             </a:r>
-            <a:endParaRPr lang="en-US" dirty="0" smtClean="0"/>
           </a:p>
           <a:p>
             <a:pPr marL="285750" indent="-285750">
@@ -5209,11 +5170,7 @@
             </a:r>
             <a:r>
               <a:rPr lang="en-US" dirty="0" smtClean="0"/>
-              <a:t> -&gt; </a:t>
-            </a:r>
-            <a:r>
-              <a:rPr lang="en-US" dirty="0" smtClean="0"/>
-              <a:t>1024</a:t>
+              <a:t> -&gt; 1024</a:t>
             </a:r>
           </a:p>
           <a:p>
@@ -5222,7 +5179,6 @@
               <a:rPr lang="en-US" dirty="0" smtClean="0"/>
               <a:t>Default value for mp3</a:t>
             </a:r>
-            <a:endParaRPr lang="en-US" dirty="0" smtClean="0"/>
           </a:p>
           <a:p>
             <a:pPr marL="285750" indent="-285750">
@@ -5243,26 +5199,27 @@
             </a:r>
             <a:r>
               <a:rPr lang="en-US" dirty="0" smtClean="0"/>
-              <a:t> / 2 </a:t>
-            </a:r>
-            <a:r>
-              <a:rPr lang="en-US" dirty="0" smtClean="0"/>
               <a:t> </a:t>
             </a:r>
             <a:r>
               <a:rPr lang="en-US" dirty="0" smtClean="0"/>
-              <a:t>= </a:t>
-            </a:r>
-            <a:r>
-              <a:rPr lang="en-US" dirty="0" smtClean="0"/>
-              <a:t>512</a:t>
-            </a:r>
+              <a:t>/ </a:t>
+            </a:r>
+            <a:r>
+              <a:rPr lang="en-US" dirty="0" smtClean="0"/>
+              <a:t>2 = 512</a:t>
+            </a:r>
+            <a:endParaRPr lang="en-US" dirty="0" smtClean="0"/>
           </a:p>
           <a:p>
             <a:pPr marL="457200" lvl="1" indent="-285750"/>
             <a:r>
               <a:rPr lang="en-US" dirty="0" smtClean="0"/>
-              <a:t>Size will be half of buffer size due to FFT algorithm</a:t>
+              <a:t>Size will be half of buffer size due to FFT </a:t>
+            </a:r>
+            <a:r>
+              <a:rPr lang="en-US" dirty="0" smtClean="0"/>
+              <a:t>algorithm</a:t>
             </a:r>
             <a:endParaRPr lang="en-US" dirty="0" smtClean="0"/>
           </a:p>
@@ -5285,11 +5242,7 @@
             </a:r>
             <a:r>
               <a:rPr lang="en-US" dirty="0" smtClean="0"/>
-              <a:t> = </a:t>
-            </a:r>
-            <a:r>
-              <a:rPr lang="en-US" dirty="0" smtClean="0"/>
-              <a:t>43.066406Hz</a:t>
+              <a:t> = 43.066406Hz</a:t>
             </a:r>
           </a:p>
           <a:p>
@@ -5435,11 +5388,7 @@
             </a:pPr>
             <a:r>
               <a:rPr lang="en-US" dirty="0" smtClean="0"/>
-              <a:t>Each frequency range have 4 setting </a:t>
-            </a:r>
-            <a:r>
-              <a:rPr lang="en-US" dirty="0" smtClean="0"/>
-              <a:t>variable.</a:t>
+              <a:t>Each frequency range have 4 setting variable.</a:t>
             </a:r>
             <a:endParaRPr lang="en-US" dirty="0"/>
           </a:p>
@@ -5461,11 +5410,7 @@
             </a:r>
             <a:r>
               <a:rPr lang="en-US" dirty="0" smtClean="0"/>
-              <a:t>:	starting </a:t>
-            </a:r>
-            <a:r>
-              <a:rPr lang="en-US" dirty="0" smtClean="0"/>
-              <a:t>point of low frequency</a:t>
+              <a:t>:	starting point of low frequency</a:t>
             </a:r>
           </a:p>
           <a:p>
@@ -5487,15 +5432,7 @@
             </a:r>
             <a:r>
               <a:rPr lang="en-US" dirty="0" smtClean="0"/>
-              <a:t>: </a:t>
-            </a:r>
-            <a:r>
-              <a:rPr lang="en-US" dirty="0" smtClean="0"/>
-              <a:t>	volume </a:t>
-            </a:r>
-            <a:r>
-              <a:rPr lang="en-US" dirty="0" smtClean="0"/>
-              <a:t>filter for low frequency</a:t>
+              <a:t>: 	volume filter for low frequency</a:t>
             </a:r>
           </a:p>
           <a:p>
@@ -5580,15 +5517,7 @@
             <a:pPr algn="ctr"/>
             <a:r>
               <a:rPr lang="en-US" dirty="0" smtClean="0"/>
-              <a:t>Divide </a:t>
-            </a:r>
-            <a:r>
-              <a:rPr lang="en-US" dirty="0" smtClean="0"/>
-              <a:t>Frequency </a:t>
-            </a:r>
-            <a:r>
-              <a:rPr lang="en-US" dirty="0" smtClean="0"/>
-              <a:t>into Low, Mid, High</a:t>
+              <a:t>Divide Frequency into Low, Mid, High</a:t>
             </a:r>
             <a:endParaRPr lang="en-US" dirty="0"/>
           </a:p>
@@ -5655,19 +5584,7 @@
             </a:r>
             <a:r>
               <a:rPr lang="en-US" dirty="0" smtClean="0"/>
-              <a:t> </a:t>
-            </a:r>
-            <a:r>
-              <a:rPr lang="en-US" dirty="0" smtClean="0"/>
-              <a:t>n = </a:t>
-            </a:r>
-            <a:r>
-              <a:rPr lang="en-US" dirty="0" smtClean="0"/>
-              <a:t>number </a:t>
-            </a:r>
-            <a:r>
-              <a:rPr lang="en-US" dirty="0" smtClean="0"/>
-              <a:t>of block</a:t>
+              <a:t> n = number of block</a:t>
             </a:r>
           </a:p>
           <a:p>
@@ -5676,7 +5593,11 @@
           <a:p>
             <a:r>
               <a:rPr lang="en-US" dirty="0" smtClean="0"/>
-              <a:t>if Start &lt;= n &lt;= End</a:t>
+              <a:t>If: </a:t>
+            </a:r>
+            <a:r>
+              <a:rPr lang="en-US" dirty="0" smtClean="0"/>
+              <a:t>Start &lt;= n &lt;= End</a:t>
             </a:r>
           </a:p>
           <a:p>
@@ -5688,7 +5609,15 @@
           <a:p>
             <a:r>
               <a:rPr lang="en-US" dirty="0" smtClean="0"/>
-              <a:t>    if frequency </a:t>
+              <a:t>    </a:t>
+            </a:r>
+            <a:r>
+              <a:rPr lang="en-US" dirty="0" smtClean="0"/>
+              <a:t>if: </a:t>
+            </a:r>
+            <a:r>
+              <a:rPr lang="en-US" dirty="0" smtClean="0"/>
+              <a:t>frequency </a:t>
             </a:r>
             <a:r>
               <a:rPr lang="en-US" dirty="0"/>
@@ -5696,11 +5625,7 @@
             </a:r>
             <a:r>
               <a:rPr lang="en-US" dirty="0" smtClean="0"/>
-              <a:t>olume </a:t>
-            </a:r>
-            <a:r>
-              <a:rPr lang="en-US" dirty="0" smtClean="0"/>
-              <a:t>&gt; vol</a:t>
+              <a:t>olume &gt; vol</a:t>
             </a:r>
           </a:p>
           <a:p>

--- a/5x5x5 LED Cube.pptx
+++ b/5x5x5 LED Cube.pptx
@@ -477,6 +477,18 @@
   <p:clrMapOvr>
     <a:masterClrMapping/>
   </p:clrMapOvr>
+  <mc:AlternateContent xmlns:mc="http://schemas.openxmlformats.org/markup-compatibility/2006">
+    <mc:Choice xmlns:p14="http://schemas.microsoft.com/office/powerpoint/2010/main" Requires="p14">
+      <p:transition spd="slow" p14:dur="2000">
+        <p14:vortex dir="r"/>
+      </p:transition>
+    </mc:Choice>
+    <mc:Fallback>
+      <p:transition spd="slow">
+        <p:fade/>
+      </p:transition>
+    </mc:Fallback>
+  </mc:AlternateContent>
 </p:sldLayout>
 </file>
 
@@ -690,6 +702,18 @@
   <p:clrMapOvr>
     <a:masterClrMapping/>
   </p:clrMapOvr>
+  <mc:AlternateContent xmlns:mc="http://schemas.openxmlformats.org/markup-compatibility/2006">
+    <mc:Choice xmlns:p14="http://schemas.microsoft.com/office/powerpoint/2010/main" Requires="p14">
+      <p:transition spd="slow" p14:dur="2000">
+        <p14:vortex dir="r"/>
+      </p:transition>
+    </mc:Choice>
+    <mc:Fallback>
+      <p:transition spd="slow">
+        <p:fade/>
+      </p:transition>
+    </mc:Fallback>
+  </mc:AlternateContent>
 </p:sldLayout>
 </file>
 
@@ -913,6 +937,18 @@
   <p:clrMapOvr>
     <a:masterClrMapping/>
   </p:clrMapOvr>
+  <mc:AlternateContent xmlns:mc="http://schemas.openxmlformats.org/markup-compatibility/2006">
+    <mc:Choice xmlns:p14="http://schemas.microsoft.com/office/powerpoint/2010/main" Requires="p14">
+      <p:transition spd="slow" p14:dur="2000">
+        <p14:vortex dir="r"/>
+      </p:transition>
+    </mc:Choice>
+    <mc:Fallback>
+      <p:transition spd="slow">
+        <p:fade/>
+      </p:transition>
+    </mc:Fallback>
+  </mc:AlternateContent>
 </p:sldLayout>
 </file>
 
@@ -1131,6 +1167,18 @@
   <p:clrMapOvr>
     <a:masterClrMapping/>
   </p:clrMapOvr>
+  <mc:AlternateContent xmlns:mc="http://schemas.openxmlformats.org/markup-compatibility/2006">
+    <mc:Choice xmlns:p14="http://schemas.microsoft.com/office/powerpoint/2010/main" Requires="p14">
+      <p:transition spd="slow" p14:dur="2000">
+        <p14:vortex dir="r"/>
+      </p:transition>
+    </mc:Choice>
+    <mc:Fallback>
+      <p:transition spd="slow">
+        <p:fade/>
+      </p:transition>
+    </mc:Fallback>
+  </mc:AlternateContent>
 </p:sldLayout>
 </file>
 
@@ -1550,6 +1598,18 @@
   <p:clrMapOvr>
     <a:masterClrMapping/>
   </p:clrMapOvr>
+  <mc:AlternateContent xmlns:mc="http://schemas.openxmlformats.org/markup-compatibility/2006">
+    <mc:Choice xmlns:p14="http://schemas.microsoft.com/office/powerpoint/2010/main" Requires="p14">
+      <p:transition spd="slow" p14:dur="2000">
+        <p14:vortex dir="r"/>
+      </p:transition>
+    </mc:Choice>
+    <mc:Fallback>
+      <p:transition spd="slow">
+        <p:fade/>
+      </p:transition>
+    </mc:Fallback>
+  </mc:AlternateContent>
 </p:sldLayout>
 </file>
 
@@ -1861,6 +1921,18 @@
   <p:clrMapOvr>
     <a:masterClrMapping/>
   </p:clrMapOvr>
+  <mc:AlternateContent xmlns:mc="http://schemas.openxmlformats.org/markup-compatibility/2006">
+    <mc:Choice xmlns:p14="http://schemas.microsoft.com/office/powerpoint/2010/main" Requires="p14">
+      <p:transition spd="slow" p14:dur="2000">
+        <p14:vortex dir="r"/>
+      </p:transition>
+    </mc:Choice>
+    <mc:Fallback>
+      <p:transition spd="slow">
+        <p:fade/>
+      </p:transition>
+    </mc:Fallback>
+  </mc:AlternateContent>
 </p:sldLayout>
 </file>
 
@@ -2316,6 +2388,18 @@
   <p:clrMapOvr>
     <a:masterClrMapping/>
   </p:clrMapOvr>
+  <mc:AlternateContent xmlns:mc="http://schemas.openxmlformats.org/markup-compatibility/2006">
+    <mc:Choice xmlns:p14="http://schemas.microsoft.com/office/powerpoint/2010/main" Requires="p14">
+      <p:transition spd="slow" p14:dur="2000">
+        <p14:vortex dir="r"/>
+      </p:transition>
+    </mc:Choice>
+    <mc:Fallback>
+      <p:transition spd="slow">
+        <p:fade/>
+      </p:transition>
+    </mc:Fallback>
+  </mc:AlternateContent>
 </p:sldLayout>
 </file>
 
@@ -2477,6 +2561,18 @@
   <p:clrMapOvr>
     <a:masterClrMapping/>
   </p:clrMapOvr>
+  <mc:AlternateContent xmlns:mc="http://schemas.openxmlformats.org/markup-compatibility/2006">
+    <mc:Choice xmlns:p14="http://schemas.microsoft.com/office/powerpoint/2010/main" Requires="p14">
+      <p:transition spd="slow" p14:dur="2000">
+        <p14:vortex dir="r"/>
+      </p:transition>
+    </mc:Choice>
+    <mc:Fallback>
+      <p:transition spd="slow">
+        <p:fade/>
+      </p:transition>
+    </mc:Fallback>
+  </mc:AlternateContent>
 </p:sldLayout>
 </file>
 
@@ -2615,6 +2711,18 @@
   <p:clrMapOvr>
     <a:masterClrMapping/>
   </p:clrMapOvr>
+  <mc:AlternateContent xmlns:mc="http://schemas.openxmlformats.org/markup-compatibility/2006">
+    <mc:Choice xmlns:p14="http://schemas.microsoft.com/office/powerpoint/2010/main" Requires="p14">
+      <p:transition spd="slow" p14:dur="2000">
+        <p14:vortex dir="r"/>
+      </p:transition>
+    </mc:Choice>
+    <mc:Fallback>
+      <p:transition spd="slow">
+        <p:fade/>
+      </p:transition>
+    </mc:Fallback>
+  </mc:AlternateContent>
 </p:sldLayout>
 </file>
 
@@ -3009,6 +3117,18 @@
   <p:clrMapOvr>
     <a:masterClrMapping/>
   </p:clrMapOvr>
+  <mc:AlternateContent xmlns:mc="http://schemas.openxmlformats.org/markup-compatibility/2006">
+    <mc:Choice xmlns:p14="http://schemas.microsoft.com/office/powerpoint/2010/main" Requires="p14">
+      <p:transition spd="slow" p14:dur="2000">
+        <p14:vortex dir="r"/>
+      </p:transition>
+    </mc:Choice>
+    <mc:Fallback>
+      <p:transition spd="slow">
+        <p:fade/>
+      </p:transition>
+    </mc:Fallback>
+  </mc:AlternateContent>
 </p:sldLayout>
 </file>
 
@@ -3409,6 +3529,18 @@
   <p:clrMapOvr>
     <a:masterClrMapping/>
   </p:clrMapOvr>
+  <mc:AlternateContent xmlns:mc="http://schemas.openxmlformats.org/markup-compatibility/2006">
+    <mc:Choice xmlns:p14="http://schemas.microsoft.com/office/powerpoint/2010/main" Requires="p14">
+      <p:transition spd="slow" p14:dur="2000">
+        <p14:vortex dir="r"/>
+      </p:transition>
+    </mc:Choice>
+    <mc:Fallback>
+      <p:transition spd="slow">
+        <p:fade/>
+      </p:transition>
+    </mc:Fallback>
+  </mc:AlternateContent>
 </p:sldLayout>
 </file>
 
@@ -3670,6 +3802,18 @@
     <p:sldLayoutId id="2147483670" r:id="rId10"/>
     <p:sldLayoutId id="2147483671" r:id="rId11"/>
   </p:sldLayoutIdLst>
+  <mc:AlternateContent xmlns:mc="http://schemas.openxmlformats.org/markup-compatibility/2006">
+    <mc:Choice xmlns:p14="http://schemas.microsoft.com/office/powerpoint/2010/main" Requires="p14">
+      <p:transition spd="slow" p14:dur="2000">
+        <p14:vortex dir="r"/>
+      </p:transition>
+    </mc:Choice>
+    <mc:Fallback>
+      <p:transition spd="slow">
+        <p:fade/>
+      </p:transition>
+    </mc:Fallback>
+  </mc:AlternateContent>
   <p:txStyles>
     <p:titleStyle>
       <a:lvl1pPr algn="l" defTabSz="914400" rtl="0" eaLnBrk="1" latinLnBrk="0" hangingPunct="1">
@@ -3994,17 +4138,8 @@
           <a:p>
             <a:r>
               <a:rPr lang="en-US" dirty="0" smtClean="0"/>
-              <a:t>			Project </a:t>
-            </a:r>
-            <a:r>
-              <a:rPr lang="en-US" dirty="0" smtClean="0"/>
-              <a:t>By</a:t>
-            </a:r>
-            <a:r>
-              <a:rPr lang="en-US" dirty="0" smtClean="0"/>
-              <a:t>: </a:t>
-            </a:r>
-            <a:endParaRPr lang="en-US" dirty="0" smtClean="0"/>
+              <a:t>			Project By: </a:t>
+            </a:r>
           </a:p>
           <a:p>
             <a:pPr algn="r"/>
@@ -4079,6 +4214,18 @@
   <p:clrMapOvr>
     <a:masterClrMapping/>
   </p:clrMapOvr>
+  <mc:AlternateContent xmlns:mc="http://schemas.openxmlformats.org/markup-compatibility/2006">
+    <mc:Choice xmlns:p14="http://schemas.microsoft.com/office/powerpoint/2010/main" Requires="p14">
+      <p:transition spd="slow" p14:dur="2000">
+        <p14:vortex dir="r"/>
+      </p:transition>
+    </mc:Choice>
+    <mc:Fallback>
+      <p:transition spd="slow">
+        <p:fade/>
+      </p:transition>
+    </mc:Fallback>
+  </mc:AlternateContent>
   <p:timing>
     <p:tnLst>
       <p:par>
@@ -4248,6 +4395,18 @@
   <p:clrMapOvr>
     <a:masterClrMapping/>
   </p:clrMapOvr>
+  <mc:AlternateContent xmlns:mc="http://schemas.openxmlformats.org/markup-compatibility/2006">
+    <mc:Choice xmlns:p14="http://schemas.microsoft.com/office/powerpoint/2010/main" Requires="p14">
+      <p:transition spd="slow" p14:dur="2000">
+        <p14:vortex dir="r"/>
+      </p:transition>
+    </mc:Choice>
+    <mc:Fallback>
+      <p:transition spd="slow">
+        <p:fade/>
+      </p:transition>
+    </mc:Fallback>
+  </mc:AlternateContent>
   <p:timing>
     <p:tnLst>
       <p:par>
@@ -4423,6 +4582,25 @@
   <p:clrMapOvr>
     <a:masterClrMapping/>
   </p:clrMapOvr>
+  <mc:AlternateContent xmlns:mc="http://schemas.openxmlformats.org/markup-compatibility/2006">
+    <mc:Choice xmlns:p14="http://schemas.microsoft.com/office/powerpoint/2010/main" Requires="p14">
+      <p:transition spd="slow" p14:dur="2000">
+        <p14:vortex dir="r"/>
+      </p:transition>
+    </mc:Choice>
+    <mc:Fallback>
+      <p:transition spd="slow">
+        <p:fade/>
+      </p:transition>
+    </mc:Fallback>
+  </mc:AlternateContent>
+  <p:timing>
+    <p:tnLst>
+      <p:par>
+        <p:cTn id="1" dur="indefinite" restart="never" nodeType="tmRoot"/>
+      </p:par>
+    </p:tnLst>
+  </p:timing>
 </p:sld>
 </file>
 
@@ -4511,6 +4689,25 @@
   <p:clrMapOvr>
     <a:masterClrMapping/>
   </p:clrMapOvr>
+  <mc:AlternateContent xmlns:mc="http://schemas.openxmlformats.org/markup-compatibility/2006">
+    <mc:Choice xmlns:p14="http://schemas.microsoft.com/office/powerpoint/2010/main" Requires="p14">
+      <p:transition spd="slow" p14:dur="2000">
+        <p14:vortex dir="r"/>
+      </p:transition>
+    </mc:Choice>
+    <mc:Fallback>
+      <p:transition spd="slow">
+        <p:fade/>
+      </p:transition>
+    </mc:Fallback>
+  </mc:AlternateContent>
+  <p:timing>
+    <p:tnLst>
+      <p:par>
+        <p:cTn id="1" dur="indefinite" restart="never" nodeType="tmRoot"/>
+      </p:par>
+    </p:tnLst>
+  </p:timing>
 </p:sld>
 </file>
 
@@ -4595,6 +4792,25 @@
   <p:clrMapOvr>
     <a:masterClrMapping/>
   </p:clrMapOvr>
+  <mc:AlternateContent xmlns:mc="http://schemas.openxmlformats.org/markup-compatibility/2006">
+    <mc:Choice xmlns:p14="http://schemas.microsoft.com/office/powerpoint/2010/main" Requires="p14">
+      <p:transition spd="slow" p14:dur="2000">
+        <p14:vortex dir="r"/>
+      </p:transition>
+    </mc:Choice>
+    <mc:Fallback>
+      <p:transition spd="slow">
+        <p:fade/>
+      </p:transition>
+    </mc:Fallback>
+  </mc:AlternateContent>
+  <p:timing>
+    <p:tnLst>
+      <p:par>
+        <p:cTn id="1" dur="indefinite" restart="never" nodeType="tmRoot"/>
+      </p:par>
+    </p:tnLst>
+  </p:timing>
 </p:sld>
 </file>
 
@@ -4730,6 +4946,25 @@
   <p:clrMapOvr>
     <a:masterClrMapping/>
   </p:clrMapOvr>
+  <mc:AlternateContent xmlns:mc="http://schemas.openxmlformats.org/markup-compatibility/2006">
+    <mc:Choice xmlns:p14="http://schemas.microsoft.com/office/powerpoint/2010/main" Requires="p14">
+      <p:transition spd="slow" p14:dur="2000">
+        <p14:vortex dir="r"/>
+      </p:transition>
+    </mc:Choice>
+    <mc:Fallback>
+      <p:transition spd="slow">
+        <p:fade/>
+      </p:transition>
+    </mc:Fallback>
+  </mc:AlternateContent>
+  <p:timing>
+    <p:tnLst>
+      <p:par>
+        <p:cTn id="1" dur="indefinite" restart="never" nodeType="tmRoot"/>
+      </p:par>
+    </p:tnLst>
+  </p:timing>
 </p:sld>
 </file>
 
@@ -4841,6 +5076,25 @@
   <p:clrMapOvr>
     <a:masterClrMapping/>
   </p:clrMapOvr>
+  <mc:AlternateContent xmlns:mc="http://schemas.openxmlformats.org/markup-compatibility/2006">
+    <mc:Choice xmlns:p14="http://schemas.microsoft.com/office/powerpoint/2010/main" Requires="p14">
+      <p:transition spd="slow" p14:dur="2000">
+        <p14:vortex dir="r"/>
+      </p:transition>
+    </mc:Choice>
+    <mc:Fallback>
+      <p:transition spd="slow">
+        <p:fade/>
+      </p:transition>
+    </mc:Fallback>
+  </mc:AlternateContent>
+  <p:timing>
+    <p:tnLst>
+      <p:par>
+        <p:cTn id="1" dur="indefinite" restart="never" nodeType="tmRoot"/>
+      </p:par>
+    </p:tnLst>
+  </p:timing>
 </p:sld>
 </file>
 
@@ -4962,6 +5216,25 @@
   <p:clrMapOvr>
     <a:masterClrMapping/>
   </p:clrMapOvr>
+  <mc:AlternateContent xmlns:mc="http://schemas.openxmlformats.org/markup-compatibility/2006">
+    <mc:Choice xmlns:p14="http://schemas.microsoft.com/office/powerpoint/2010/main" Requires="p14">
+      <p:transition spd="slow" p14:dur="2000">
+        <p14:vortex dir="r"/>
+      </p:transition>
+    </mc:Choice>
+    <mc:Fallback>
+      <p:transition spd="slow">
+        <p:fade/>
+      </p:transition>
+    </mc:Fallback>
+  </mc:AlternateContent>
+  <p:timing>
+    <p:tnLst>
+      <p:par>
+        <p:cTn id="1" dur="indefinite" restart="never" nodeType="tmRoot"/>
+      </p:par>
+    </p:tnLst>
+  </p:timing>
 </p:sld>
 </file>
 
@@ -5039,6 +5312,25 @@
   <p:clrMapOvr>
     <a:masterClrMapping/>
   </p:clrMapOvr>
+  <mc:AlternateContent xmlns:mc="http://schemas.openxmlformats.org/markup-compatibility/2006">
+    <mc:Choice xmlns:p14="http://schemas.microsoft.com/office/powerpoint/2010/main" Requires="p14">
+      <p:transition spd="slow" p14:dur="2000">
+        <p14:vortex dir="r"/>
+      </p:transition>
+    </mc:Choice>
+    <mc:Fallback>
+      <p:transition spd="slow">
+        <p:fade/>
+      </p:transition>
+    </mc:Fallback>
+  </mc:AlternateContent>
+  <p:timing>
+    <p:tnLst>
+      <p:par>
+        <p:cTn id="1" dur="indefinite" restart="never" nodeType="tmRoot"/>
+      </p:par>
+    </p:tnLst>
+  </p:timing>
 </p:sld>
 </file>
 
@@ -5219,6 +5511,18 @@
   <p:clrMapOvr>
     <a:masterClrMapping/>
   </p:clrMapOvr>
+  <mc:AlternateContent xmlns:mc="http://schemas.openxmlformats.org/markup-compatibility/2006">
+    <mc:Choice xmlns:p14="http://schemas.microsoft.com/office/powerpoint/2010/main" Requires="p14">
+      <p:transition spd="slow" p14:dur="2000">
+        <p14:vortex dir="r"/>
+      </p:transition>
+    </mc:Choice>
+    <mc:Fallback>
+      <p:transition spd="slow">
+        <p:fade/>
+      </p:transition>
+    </mc:Fallback>
+  </mc:AlternateContent>
   <p:timing>
     <p:tnLst>
       <p:par>
@@ -5401,6 +5705,18 @@
   <p:clrMapOvr>
     <a:masterClrMapping/>
   </p:clrMapOvr>
+  <mc:AlternateContent xmlns:mc="http://schemas.openxmlformats.org/markup-compatibility/2006">
+    <mc:Choice xmlns:p14="http://schemas.microsoft.com/office/powerpoint/2010/main" Requires="p14">
+      <p:transition spd="slow" p14:dur="2000">
+        <p14:vortex dir="r"/>
+      </p:transition>
+    </mc:Choice>
+    <mc:Fallback>
+      <p:transition spd="slow">
+        <p:fade/>
+      </p:transition>
+    </mc:Fallback>
+  </mc:AlternateContent>
   <p:timing>
     <p:tnLst>
       <p:par>
@@ -5518,6 +5834,18 @@
   <p:clrMapOvr>
     <a:masterClrMapping/>
   </p:clrMapOvr>
+  <mc:AlternateContent xmlns:mc="http://schemas.openxmlformats.org/markup-compatibility/2006">
+    <mc:Choice xmlns:p14="http://schemas.microsoft.com/office/powerpoint/2010/main" Requires="p14">
+      <p:transition spd="slow" p14:dur="2000">
+        <p14:vortex dir="r"/>
+      </p:transition>
+    </mc:Choice>
+    <mc:Fallback>
+      <p:transition spd="slow">
+        <p:fade/>
+      </p:transition>
+    </mc:Fallback>
+  </mc:AlternateContent>
   <p:timing>
     <p:tnLst>
       <p:par>
@@ -5608,6 +5936,18 @@
   <p:clrMapOvr>
     <a:masterClrMapping/>
   </p:clrMapOvr>
+  <mc:AlternateContent xmlns:mc="http://schemas.openxmlformats.org/markup-compatibility/2006">
+    <mc:Choice xmlns:p14="http://schemas.microsoft.com/office/powerpoint/2010/main" Requires="p14">
+      <p:transition spd="slow" p14:dur="2000">
+        <p14:vortex dir="r"/>
+      </p:transition>
+    </mc:Choice>
+    <mc:Fallback>
+      <p:transition spd="slow">
+        <p:fade/>
+      </p:transition>
+    </mc:Fallback>
+  </mc:AlternateContent>
   <p:timing>
     <p:tnLst>
       <p:par>
@@ -5698,6 +6038,18 @@
   <p:clrMapOvr>
     <a:masterClrMapping/>
   </p:clrMapOvr>
+  <mc:AlternateContent xmlns:mc="http://schemas.openxmlformats.org/markup-compatibility/2006">
+    <mc:Choice xmlns:p14="http://schemas.microsoft.com/office/powerpoint/2010/main" Requires="p14">
+      <p:transition spd="slow" p14:dur="2000">
+        <p14:vortex dir="r"/>
+      </p:transition>
+    </mc:Choice>
+    <mc:Fallback>
+      <p:transition spd="slow">
+        <p:fade/>
+      </p:transition>
+    </mc:Fallback>
+  </mc:AlternateContent>
   <p:timing>
     <p:tnLst>
       <p:par>
@@ -5788,6 +6140,18 @@
   <p:clrMapOvr>
     <a:masterClrMapping/>
   </p:clrMapOvr>
+  <mc:AlternateContent xmlns:mc="http://schemas.openxmlformats.org/markup-compatibility/2006">
+    <mc:Choice xmlns:p14="http://schemas.microsoft.com/office/powerpoint/2010/main" Requires="p14">
+      <p:transition spd="slow" p14:dur="2000">
+        <p14:vortex dir="r"/>
+      </p:transition>
+    </mc:Choice>
+    <mc:Fallback>
+      <p:transition spd="slow">
+        <p:fade/>
+      </p:transition>
+    </mc:Fallback>
+  </mc:AlternateContent>
   <p:timing>
     <p:tnLst>
       <p:par>
@@ -6080,6 +6444,25 @@
   <p:clrMapOvr>
     <a:masterClrMapping/>
   </p:clrMapOvr>
+  <mc:AlternateContent xmlns:mc="http://schemas.openxmlformats.org/markup-compatibility/2006">
+    <mc:Choice xmlns:p14="http://schemas.microsoft.com/office/powerpoint/2010/main" Requires="p14">
+      <p:transition spd="slow" p14:dur="2000">
+        <p14:vortex dir="r"/>
+      </p:transition>
+    </mc:Choice>
+    <mc:Fallback>
+      <p:transition spd="slow">
+        <p:fade/>
+      </p:transition>
+    </mc:Fallback>
+  </mc:AlternateContent>
+  <p:timing>
+    <p:tnLst>
+      <p:par>
+        <p:cTn id="1" dur="indefinite" restart="never" nodeType="tmRoot"/>
+      </p:par>
+    </p:tnLst>
+  </p:timing>
 </p:sld>
 </file>
 
@@ -6251,6 +6634,18 @@
   <p:clrMapOvr>
     <a:masterClrMapping/>
   </p:clrMapOvr>
+  <mc:AlternateContent xmlns:mc="http://schemas.openxmlformats.org/markup-compatibility/2006">
+    <mc:Choice xmlns:p14="http://schemas.microsoft.com/office/powerpoint/2010/main" Requires="p14">
+      <p:transition spd="slow" p14:dur="2000">
+        <p14:vortex dir="r"/>
+      </p:transition>
+    </mc:Choice>
+    <mc:Fallback>
+      <p:transition spd="slow">
+        <p:fade/>
+      </p:transition>
+    </mc:Fallback>
+  </mc:AlternateContent>
   <p:timing>
     <p:tnLst>
       <p:par>

--- a/5x5x5 LED Cube.pptx
+++ b/5x5x5 LED Cube.pptx
@@ -2,26 +2,29 @@
 <file path=ppt/presentation.xml><?xml version="1.0" encoding="utf-8"?>
 <p:presentation xmlns:a="http://schemas.openxmlformats.org/drawingml/2006/main" xmlns:r="http://schemas.openxmlformats.org/officeDocument/2006/relationships" xmlns:p="http://schemas.openxmlformats.org/presentationml/2006/main" saveSubsetFonts="1">
   <p:sldMasterIdLst>
-    <p:sldMasterId id="2147483660" r:id="rId1"/>
+    <p:sldMasterId id="2147483708" r:id="rId1"/>
   </p:sldMasterIdLst>
   <p:sldIdLst>
     <p:sldId id="256" r:id="rId2"/>
     <p:sldId id="264" r:id="rId3"/>
     <p:sldId id="257" r:id="rId4"/>
-    <p:sldId id="258" r:id="rId5"/>
-    <p:sldId id="259" r:id="rId6"/>
-    <p:sldId id="260" r:id="rId7"/>
-    <p:sldId id="261" r:id="rId8"/>
-    <p:sldId id="265" r:id="rId9"/>
-    <p:sldId id="262" r:id="rId10"/>
-    <p:sldId id="263" r:id="rId11"/>
-    <p:sldId id="266" r:id="rId12"/>
-    <p:sldId id="268" r:id="rId13"/>
-    <p:sldId id="269" r:id="rId14"/>
-    <p:sldId id="270" r:id="rId15"/>
-    <p:sldId id="271" r:id="rId16"/>
-    <p:sldId id="272" r:id="rId17"/>
-    <p:sldId id="267" r:id="rId18"/>
+    <p:sldId id="275" r:id="rId5"/>
+    <p:sldId id="258" r:id="rId6"/>
+    <p:sldId id="259" r:id="rId7"/>
+    <p:sldId id="260" r:id="rId8"/>
+    <p:sldId id="261" r:id="rId9"/>
+    <p:sldId id="265" r:id="rId10"/>
+    <p:sldId id="262" r:id="rId11"/>
+    <p:sldId id="263" r:id="rId12"/>
+    <p:sldId id="266" r:id="rId13"/>
+    <p:sldId id="268" r:id="rId14"/>
+    <p:sldId id="269" r:id="rId15"/>
+    <p:sldId id="273" r:id="rId16"/>
+    <p:sldId id="270" r:id="rId17"/>
+    <p:sldId id="274" r:id="rId18"/>
+    <p:sldId id="271" r:id="rId19"/>
+    <p:sldId id="272" r:id="rId20"/>
+    <p:sldId id="267" r:id="rId21"/>
   </p:sldIdLst>
   <p:sldSz cx="9144000" cy="6858000" type="screen4x3"/>
   <p:notesSz cx="6858000" cy="9144000"/>
@@ -303,7 +306,7 @@
           <a:lstStyle/>
           <a:p>
             <a:pPr algn="ctr"/>
-            <a:endParaRPr lang="en-US" dirty="0"/>
+            <a:endParaRPr lang="en-US"/>
           </a:p>
         </p:txBody>
       </p:sp>
@@ -359,7 +362,7 @@
           <a:p>
             <a:fld id="{C2F171F7-5F01-40C0-B288-7327CEDFD958}" type="datetimeFigureOut">
               <a:rPr lang="en-US" smtClean="0"/>
-              <a:t>12/19/2012</a:t>
+              <a:t>12/20/2012</a:t>
             </a:fld>
             <a:endParaRPr lang="en-US" dirty="0"/>
           </a:p>
@@ -479,7 +482,7 @@
   </p:clrMapOvr>
   <mc:AlternateContent xmlns:mc="http://schemas.openxmlformats.org/markup-compatibility/2006">
     <mc:Choice xmlns:p14="http://schemas.microsoft.com/office/powerpoint/2010/main" Requires="p14">
-      <p:transition spd="slow" p14:dur="2000">
+      <p:transition spd="slow" p14:dur="2500">
         <p14:vortex dir="r"/>
       </p:transition>
     </mc:Choice>
@@ -489,6 +492,13 @@
       </p:transition>
     </mc:Fallback>
   </mc:AlternateContent>
+  <p:timing>
+    <p:tnLst>
+      <p:par>
+        <p:cTn id="1" dur="indefinite" restart="never" nodeType="tmRoot"/>
+      </p:par>
+    </p:tnLst>
+  </p:timing>
 </p:sldLayout>
 </file>
 
@@ -553,7 +563,7 @@
           <a:lstStyle/>
           <a:p>
             <a:pPr algn="ctr"/>
-            <a:endParaRPr lang="en-US" dirty="0"/>
+            <a:endParaRPr lang="en-US"/>
           </a:p>
         </p:txBody>
       </p:sp>
@@ -649,7 +659,7 @@
           <a:p>
             <a:fld id="{C2F171F7-5F01-40C0-B288-7327CEDFD958}" type="datetimeFigureOut">
               <a:rPr lang="en-US" smtClean="0"/>
-              <a:t>12/19/2012</a:t>
+              <a:t>12/20/2012</a:t>
             </a:fld>
             <a:endParaRPr lang="en-US" dirty="0"/>
           </a:p>
@@ -704,7 +714,7 @@
   </p:clrMapOvr>
   <mc:AlternateContent xmlns:mc="http://schemas.openxmlformats.org/markup-compatibility/2006">
     <mc:Choice xmlns:p14="http://schemas.microsoft.com/office/powerpoint/2010/main" Requires="p14">
-      <p:transition spd="slow" p14:dur="2000">
+      <p:transition spd="slow" p14:dur="2500">
         <p14:vortex dir="r"/>
       </p:transition>
     </mc:Choice>
@@ -714,6 +724,13 @@
       </p:transition>
     </mc:Fallback>
   </mc:AlternateContent>
+  <p:timing>
+    <p:tnLst>
+      <p:par>
+        <p:cTn id="1" dur="indefinite" restart="never" nodeType="tmRoot"/>
+      </p:par>
+    </p:tnLst>
+  </p:timing>
 </p:sldLayout>
 </file>
 
@@ -778,7 +795,7 @@
           <a:lstStyle/>
           <a:p>
             <a:pPr algn="ctr"/>
-            <a:endParaRPr lang="en-US" dirty="0"/>
+            <a:endParaRPr lang="en-US"/>
           </a:p>
         </p:txBody>
       </p:sp>
@@ -884,7 +901,7 @@
           <a:p>
             <a:fld id="{C2F171F7-5F01-40C0-B288-7327CEDFD958}" type="datetimeFigureOut">
               <a:rPr lang="en-US" smtClean="0"/>
-              <a:t>12/19/2012</a:t>
+              <a:t>12/20/2012</a:t>
             </a:fld>
             <a:endParaRPr lang="en-US" dirty="0"/>
           </a:p>
@@ -939,7 +956,7 @@
   </p:clrMapOvr>
   <mc:AlternateContent xmlns:mc="http://schemas.openxmlformats.org/markup-compatibility/2006">
     <mc:Choice xmlns:p14="http://schemas.microsoft.com/office/powerpoint/2010/main" Requires="p14">
-      <p:transition spd="slow" p14:dur="2000">
+      <p:transition spd="slow" p14:dur="2500">
         <p14:vortex dir="r"/>
       </p:transition>
     </mc:Choice>
@@ -949,6 +966,13 @@
       </p:transition>
     </mc:Fallback>
   </mc:AlternateContent>
+  <p:timing>
+    <p:tnLst>
+      <p:par>
+        <p:cTn id="1" dur="indefinite" restart="never" nodeType="tmRoot"/>
+      </p:par>
+    </p:tnLst>
+  </p:timing>
 </p:sldLayout>
 </file>
 
@@ -1013,7 +1037,7 @@
           <a:lstStyle/>
           <a:p>
             <a:pPr algn="ctr"/>
-            <a:endParaRPr lang="en-US" dirty="0"/>
+            <a:endParaRPr lang="en-US"/>
           </a:p>
         </p:txBody>
       </p:sp>
@@ -1091,7 +1115,7 @@
           <a:p>
             <a:fld id="{C2F171F7-5F01-40C0-B288-7327CEDFD958}" type="datetimeFigureOut">
               <a:rPr lang="en-US" smtClean="0"/>
-              <a:t>12/19/2012</a:t>
+              <a:t>12/20/2012</a:t>
             </a:fld>
             <a:endParaRPr lang="en-US" dirty="0"/>
           </a:p>
@@ -1169,7 +1193,7 @@
   </p:clrMapOvr>
   <mc:AlternateContent xmlns:mc="http://schemas.openxmlformats.org/markup-compatibility/2006">
     <mc:Choice xmlns:p14="http://schemas.microsoft.com/office/powerpoint/2010/main" Requires="p14">
-      <p:transition spd="slow" p14:dur="2000">
+      <p:transition spd="slow" p14:dur="2500">
         <p14:vortex dir="r"/>
       </p:transition>
     </mc:Choice>
@@ -1179,6 +1203,13 @@
       </p:transition>
     </mc:Fallback>
   </mc:AlternateContent>
+  <p:timing>
+    <p:tnLst>
+      <p:par>
+        <p:cTn id="1" dur="indefinite" restart="never" nodeType="tmRoot"/>
+      </p:par>
+    </p:tnLst>
+  </p:timing>
 </p:sldLayout>
 </file>
 
@@ -1243,7 +1274,7 @@
           <a:lstStyle/>
           <a:p>
             <a:pPr algn="ctr"/>
-            <a:endParaRPr lang="en-US" dirty="0"/>
+            <a:endParaRPr lang="en-US"/>
           </a:p>
         </p:txBody>
       </p:sp>
@@ -1383,7 +1414,7 @@
           <a:p>
             <a:fld id="{C2F171F7-5F01-40C0-B288-7327CEDFD958}" type="datetimeFigureOut">
               <a:rPr lang="en-US" smtClean="0"/>
-              <a:t>12/19/2012</a:t>
+              <a:t>12/20/2012</a:t>
             </a:fld>
             <a:endParaRPr lang="en-US" dirty="0"/>
           </a:p>
@@ -1475,7 +1506,7 @@
           <a:lstStyle/>
           <a:p>
             <a:pPr algn="ctr"/>
-            <a:endParaRPr lang="en-US" dirty="0"/>
+            <a:endParaRPr lang="en-US"/>
           </a:p>
         </p:txBody>
       </p:sp>
@@ -1600,7 +1631,7 @@
   </p:clrMapOvr>
   <mc:AlternateContent xmlns:mc="http://schemas.openxmlformats.org/markup-compatibility/2006">
     <mc:Choice xmlns:p14="http://schemas.microsoft.com/office/powerpoint/2010/main" Requires="p14">
-      <p:transition spd="slow" p14:dur="2000">
+      <p:transition spd="slow" p14:dur="2500">
         <p14:vortex dir="r"/>
       </p:transition>
     </mc:Choice>
@@ -1610,6 +1641,13 @@
       </p:transition>
     </mc:Fallback>
   </mc:AlternateContent>
+  <p:timing>
+    <p:tnLst>
+      <p:par>
+        <p:cTn id="1" dur="indefinite" restart="never" nodeType="tmRoot"/>
+      </p:par>
+    </p:tnLst>
+  </p:timing>
 </p:sldLayout>
 </file>
 
@@ -1674,7 +1712,7 @@
           <a:lstStyle/>
           <a:p>
             <a:pPr algn="ctr"/>
-            <a:endParaRPr lang="en-US" dirty="0"/>
+            <a:endParaRPr lang="en-US"/>
           </a:p>
         </p:txBody>
       </p:sp>
@@ -1868,7 +1906,7 @@
           <a:p>
             <a:fld id="{C2F171F7-5F01-40C0-B288-7327CEDFD958}" type="datetimeFigureOut">
               <a:rPr lang="en-US" smtClean="0"/>
-              <a:t>12/19/2012</a:t>
+              <a:t>12/20/2012</a:t>
             </a:fld>
             <a:endParaRPr lang="en-US" dirty="0"/>
           </a:p>
@@ -1923,7 +1961,7 @@
   </p:clrMapOvr>
   <mc:AlternateContent xmlns:mc="http://schemas.openxmlformats.org/markup-compatibility/2006">
     <mc:Choice xmlns:p14="http://schemas.microsoft.com/office/powerpoint/2010/main" Requires="p14">
-      <p:transition spd="slow" p14:dur="2000">
+      <p:transition spd="slow" p14:dur="2500">
         <p14:vortex dir="r"/>
       </p:transition>
     </mc:Choice>
@@ -1933,6 +1971,13 @@
       </p:transition>
     </mc:Fallback>
   </mc:AlternateContent>
+  <p:timing>
+    <p:tnLst>
+      <p:par>
+        <p:cTn id="1" dur="indefinite" restart="never" nodeType="tmRoot"/>
+      </p:par>
+    </p:tnLst>
+  </p:timing>
 </p:sldLayout>
 </file>
 
@@ -1997,7 +2042,7 @@
           <a:lstStyle/>
           <a:p>
             <a:pPr algn="ctr"/>
-            <a:endParaRPr lang="en-US" dirty="0"/>
+            <a:endParaRPr lang="en-US"/>
           </a:p>
         </p:txBody>
       </p:sp>
@@ -2335,7 +2380,7 @@
           <a:p>
             <a:fld id="{C2F171F7-5F01-40C0-B288-7327CEDFD958}" type="datetimeFigureOut">
               <a:rPr lang="en-US" smtClean="0"/>
-              <a:t>12/19/2012</a:t>
+              <a:t>12/20/2012</a:t>
             </a:fld>
             <a:endParaRPr lang="en-US" dirty="0"/>
           </a:p>
@@ -2390,7 +2435,7 @@
   </p:clrMapOvr>
   <mc:AlternateContent xmlns:mc="http://schemas.openxmlformats.org/markup-compatibility/2006">
     <mc:Choice xmlns:p14="http://schemas.microsoft.com/office/powerpoint/2010/main" Requires="p14">
-      <p:transition spd="slow" p14:dur="2000">
+      <p:transition spd="slow" p14:dur="2500">
         <p14:vortex dir="r"/>
       </p:transition>
     </mc:Choice>
@@ -2400,6 +2445,13 @@
       </p:transition>
     </mc:Fallback>
   </mc:AlternateContent>
+  <p:timing>
+    <p:tnLst>
+      <p:par>
+        <p:cTn id="1" dur="indefinite" restart="never" nodeType="tmRoot"/>
+      </p:par>
+    </p:tnLst>
+  </p:timing>
 </p:sldLayout>
 </file>
 
@@ -2464,7 +2516,7 @@
           <a:lstStyle/>
           <a:p>
             <a:pPr algn="ctr"/>
-            <a:endParaRPr lang="en-US" dirty="0"/>
+            <a:endParaRPr lang="en-US"/>
           </a:p>
         </p:txBody>
       </p:sp>
@@ -2485,7 +2537,7 @@
           <a:p>
             <a:fld id="{C2F171F7-5F01-40C0-B288-7327CEDFD958}" type="datetimeFigureOut">
               <a:rPr lang="en-US" smtClean="0"/>
-              <a:t>12/19/2012</a:t>
+              <a:t>12/20/2012</a:t>
             </a:fld>
             <a:endParaRPr lang="en-US" dirty="0"/>
           </a:p>
@@ -2563,7 +2615,7 @@
   </p:clrMapOvr>
   <mc:AlternateContent xmlns:mc="http://schemas.openxmlformats.org/markup-compatibility/2006">
     <mc:Choice xmlns:p14="http://schemas.microsoft.com/office/powerpoint/2010/main" Requires="p14">
-      <p:transition spd="slow" p14:dur="2000">
+      <p:transition spd="slow" p14:dur="2500">
         <p14:vortex dir="r"/>
       </p:transition>
     </mc:Choice>
@@ -2573,6 +2625,13 @@
       </p:transition>
     </mc:Fallback>
   </mc:AlternateContent>
+  <p:timing>
+    <p:tnLst>
+      <p:par>
+        <p:cTn id="1" dur="indefinite" restart="never" nodeType="tmRoot"/>
+      </p:par>
+    </p:tnLst>
+  </p:timing>
 </p:sldLayout>
 </file>
 
@@ -2637,7 +2696,7 @@
           <a:lstStyle/>
           <a:p>
             <a:pPr algn="ctr"/>
-            <a:endParaRPr lang="en-US" dirty="0"/>
+            <a:endParaRPr lang="en-US"/>
           </a:p>
         </p:txBody>
       </p:sp>
@@ -2658,7 +2717,7 @@
           <a:p>
             <a:fld id="{C2F171F7-5F01-40C0-B288-7327CEDFD958}" type="datetimeFigureOut">
               <a:rPr lang="en-US" smtClean="0"/>
-              <a:t>12/19/2012</a:t>
+              <a:t>12/20/2012</a:t>
             </a:fld>
             <a:endParaRPr lang="en-US" dirty="0"/>
           </a:p>
@@ -2713,7 +2772,7 @@
   </p:clrMapOvr>
   <mc:AlternateContent xmlns:mc="http://schemas.openxmlformats.org/markup-compatibility/2006">
     <mc:Choice xmlns:p14="http://schemas.microsoft.com/office/powerpoint/2010/main" Requires="p14">
-      <p:transition spd="slow" p14:dur="2000">
+      <p:transition spd="slow" p14:dur="2500">
         <p14:vortex dir="r"/>
       </p:transition>
     </mc:Choice>
@@ -2723,6 +2782,13 @@
       </p:transition>
     </mc:Fallback>
   </mc:AlternateContent>
+  <p:timing>
+    <p:tnLst>
+      <p:par>
+        <p:cTn id="1" dur="indefinite" restart="never" nodeType="tmRoot"/>
+      </p:par>
+    </p:tnLst>
+  </p:timing>
 </p:sldLayout>
 </file>
 
@@ -2787,7 +2853,7 @@
           <a:lstStyle/>
           <a:p>
             <a:pPr algn="ctr"/>
-            <a:endParaRPr lang="en-US" dirty="0"/>
+            <a:endParaRPr lang="en-US"/>
           </a:p>
         </p:txBody>
       </p:sp>
@@ -2835,7 +2901,7 @@
           <a:lstStyle/>
           <a:p>
             <a:pPr algn="ctr"/>
-            <a:endParaRPr lang="en-US" dirty="0"/>
+            <a:endParaRPr lang="en-US"/>
           </a:p>
         </p:txBody>
       </p:sp>
@@ -3064,7 +3130,7 @@
           <a:p>
             <a:fld id="{C2F171F7-5F01-40C0-B288-7327CEDFD958}" type="datetimeFigureOut">
               <a:rPr lang="en-US" smtClean="0"/>
-              <a:t>12/19/2012</a:t>
+              <a:t>12/20/2012</a:t>
             </a:fld>
             <a:endParaRPr lang="en-US" dirty="0"/>
           </a:p>
@@ -3119,7 +3185,7 @@
   </p:clrMapOvr>
   <mc:AlternateContent xmlns:mc="http://schemas.openxmlformats.org/markup-compatibility/2006">
     <mc:Choice xmlns:p14="http://schemas.microsoft.com/office/powerpoint/2010/main" Requires="p14">
-      <p:transition spd="slow" p14:dur="2000">
+      <p:transition spd="slow" p14:dur="2500">
         <p14:vortex dir="r"/>
       </p:transition>
     </mc:Choice>
@@ -3129,6 +3195,13 @@
       </p:transition>
     </mc:Fallback>
   </mc:AlternateContent>
+  <p:timing>
+    <p:tnLst>
+      <p:par>
+        <p:cTn id="1" dur="indefinite" restart="never" nodeType="tmRoot"/>
+      </p:par>
+    </p:tnLst>
+  </p:timing>
 </p:sldLayout>
 </file>
 
@@ -3193,7 +3266,7 @@
           <a:lstStyle/>
           <a:p>
             <a:pPr algn="ctr"/>
-            <a:endParaRPr lang="en-US" dirty="0"/>
+            <a:endParaRPr lang="en-US"/>
           </a:p>
         </p:txBody>
       </p:sp>
@@ -3259,7 +3332,7 @@
           </a:lstStyle>
           <a:p>
             <a:r>
-              <a:rPr lang="en-US" dirty="0" smtClean="0"/>
+              <a:rPr lang="en-US" smtClean="0"/>
               <a:t>Click icon to add picture</a:t>
             </a:r>
             <a:endParaRPr lang="en-US" dirty="0"/>
@@ -3387,7 +3460,7 @@
           <a:lstStyle/>
           <a:p>
             <a:pPr algn="ctr"/>
-            <a:endParaRPr lang="en-US" dirty="0"/>
+            <a:endParaRPr lang="en-US"/>
           </a:p>
         </p:txBody>
       </p:sp>
@@ -3476,7 +3549,7 @@
           <a:p>
             <a:fld id="{C2F171F7-5F01-40C0-B288-7327CEDFD958}" type="datetimeFigureOut">
               <a:rPr lang="en-US" smtClean="0"/>
-              <a:t>12/19/2012</a:t>
+              <a:t>12/20/2012</a:t>
             </a:fld>
             <a:endParaRPr lang="en-US" dirty="0"/>
           </a:p>
@@ -3531,7 +3604,7 @@
   </p:clrMapOvr>
   <mc:AlternateContent xmlns:mc="http://schemas.openxmlformats.org/markup-compatibility/2006">
     <mc:Choice xmlns:p14="http://schemas.microsoft.com/office/powerpoint/2010/main" Requires="p14">
-      <p:transition spd="slow" p14:dur="2000">
+      <p:transition spd="slow" p14:dur="2500">
         <p14:vortex dir="r"/>
       </p:transition>
     </mc:Choice>
@@ -3541,6 +3614,13 @@
       </p:transition>
     </mc:Fallback>
   </mc:AlternateContent>
+  <p:timing>
+    <p:tnLst>
+      <p:par>
+        <p:cTn id="1" dur="indefinite" restart="never" nodeType="tmRoot"/>
+      </p:par>
+    </p:tnLst>
+  </p:timing>
 </p:sldLayout>
 </file>
 
@@ -3698,7 +3778,7 @@
           <a:p>
             <a:fld id="{C2F171F7-5F01-40C0-B288-7327CEDFD958}" type="datetimeFigureOut">
               <a:rPr lang="en-US" smtClean="0"/>
-              <a:t>12/19/2012</a:t>
+              <a:t>12/20/2012</a:t>
             </a:fld>
             <a:endParaRPr lang="en-US" dirty="0"/>
           </a:p>
@@ -3790,21 +3870,21 @@
   </p:cSld>
   <p:clrMap bg1="dk1" tx1="lt1" bg2="dk2" tx2="lt2" accent1="accent1" accent2="accent2" accent3="accent3" accent4="accent4" accent5="accent5" accent6="accent6" hlink="hlink" folHlink="folHlink"/>
   <p:sldLayoutIdLst>
-    <p:sldLayoutId id="2147483661" r:id="rId1"/>
-    <p:sldLayoutId id="2147483662" r:id="rId2"/>
-    <p:sldLayoutId id="2147483663" r:id="rId3"/>
-    <p:sldLayoutId id="2147483664" r:id="rId4"/>
-    <p:sldLayoutId id="2147483665" r:id="rId5"/>
-    <p:sldLayoutId id="2147483666" r:id="rId6"/>
-    <p:sldLayoutId id="2147483667" r:id="rId7"/>
-    <p:sldLayoutId id="2147483668" r:id="rId8"/>
-    <p:sldLayoutId id="2147483669" r:id="rId9"/>
-    <p:sldLayoutId id="2147483670" r:id="rId10"/>
-    <p:sldLayoutId id="2147483671" r:id="rId11"/>
+    <p:sldLayoutId id="2147483709" r:id="rId1"/>
+    <p:sldLayoutId id="2147483710" r:id="rId2"/>
+    <p:sldLayoutId id="2147483711" r:id="rId3"/>
+    <p:sldLayoutId id="2147483712" r:id="rId4"/>
+    <p:sldLayoutId id="2147483713" r:id="rId5"/>
+    <p:sldLayoutId id="2147483714" r:id="rId6"/>
+    <p:sldLayoutId id="2147483715" r:id="rId7"/>
+    <p:sldLayoutId id="2147483716" r:id="rId8"/>
+    <p:sldLayoutId id="2147483717" r:id="rId9"/>
+    <p:sldLayoutId id="2147483718" r:id="rId10"/>
+    <p:sldLayoutId id="2147483719" r:id="rId11"/>
   </p:sldLayoutIdLst>
   <mc:AlternateContent xmlns:mc="http://schemas.openxmlformats.org/markup-compatibility/2006">
     <mc:Choice xmlns:p14="http://schemas.microsoft.com/office/powerpoint/2010/main" Requires="p14">
-      <p:transition spd="slow" p14:dur="2000">
+      <p:transition spd="slow" p14:dur="2500">
         <p14:vortex dir="r"/>
       </p:transition>
     </mc:Choice>
@@ -3814,6 +3894,13 @@
       </p:transition>
     </mc:Fallback>
   </mc:AlternateContent>
+  <p:timing>
+    <p:tnLst>
+      <p:par>
+        <p:cTn id="1" dur="indefinite" restart="never" nodeType="tmRoot"/>
+      </p:par>
+    </p:tnLst>
+  </p:timing>
   <p:txStyles>
     <p:titleStyle>
       <a:lvl1pPr algn="l" defTabSz="914400" rtl="0" eaLnBrk="1" latinLnBrk="0" hangingPunct="1">
@@ -4126,8 +4213,8 @@
         </p:nvSpPr>
         <p:spPr>
           <a:xfrm>
-            <a:off x="4267200" y="5029200"/>
-            <a:ext cx="4572000" cy="1368798"/>
+            <a:off x="6858000" y="5257800"/>
+            <a:ext cx="2286000" cy="1368798"/>
           </a:xfrm>
         </p:spPr>
         <p:txBody>
@@ -4138,11 +4225,10 @@
           <a:p>
             <a:r>
               <a:rPr lang="en-US" dirty="0" smtClean="0"/>
-              <a:t>			Project By: </a:t>
-            </a:r>
-          </a:p>
-          <a:p>
-            <a:pPr algn="r"/>
+              <a:t>Project By:</a:t>
+            </a:r>
+          </a:p>
+          <a:p>
             <a:r>
               <a:rPr lang="en-US" dirty="0"/>
               <a:t>	</a:t>
@@ -4153,7 +4239,6 @@
             </a:r>
           </a:p>
           <a:p>
-            <a:pPr algn="r"/>
             <a:r>
               <a:rPr lang="en-US" dirty="0"/>
               <a:t>	</a:t>
@@ -4164,18 +4249,13 @@
             </a:r>
           </a:p>
           <a:p>
-            <a:pPr algn="r"/>
             <a:r>
               <a:rPr lang="en-US" dirty="0"/>
               <a:t>	</a:t>
             </a:r>
             <a:r>
               <a:rPr lang="en-US" dirty="0" smtClean="0"/>
-              <a:t>Siva </a:t>
-            </a:r>
-            <a:r>
-              <a:rPr lang="en-US" dirty="0" err="1" smtClean="0"/>
-              <a:t>Moole</a:t>
+              <a:t>Siva Moole</a:t>
             </a:r>
             <a:endParaRPr lang="en-US" dirty="0"/>
           </a:p>
@@ -4216,7 +4296,7 @@
   </p:clrMapOvr>
   <mc:AlternateContent xmlns:mc="http://schemas.openxmlformats.org/markup-compatibility/2006">
     <mc:Choice xmlns:p14="http://schemas.microsoft.com/office/powerpoint/2010/main" Requires="p14">
-      <p:transition spd="slow" p14:dur="2000">
+      <p:transition spd="slow" p14:dur="2500">
         <p14:vortex dir="r"/>
       </p:transition>
     </mc:Choice>
@@ -4265,7 +4345,9 @@
         </p:nvSpPr>
         <p:spPr/>
         <p:txBody>
-          <a:bodyPr/>
+          <a:bodyPr>
+            <a:normAutofit/>
+          </a:bodyPr>
           <a:lstStyle/>
           <a:p>
             <a:pPr marL="285750" indent="-285750">
@@ -4274,90 +4356,99 @@
             </a:pPr>
             <a:r>
               <a:rPr lang="en-US" dirty="0" smtClean="0"/>
-              <a:t>Configuration </a:t>
+              <a:t>Must use the truth table from the LS238 chip</a:t>
+            </a:r>
+          </a:p>
+          <a:p>
+            <a:pPr marL="285750" indent="-285750">
+              <a:buFont typeface="Arial" pitchFamily="34" charset="0"/>
+              <a:buChar char="•"/>
+            </a:pPr>
+            <a:r>
+              <a:rPr lang="en-US" dirty="0" smtClean="0"/>
+              <a:t>First LS238 chip’s output is determined by Pins 12, and 13 from the Arduino</a:t>
+            </a:r>
+          </a:p>
+          <a:p>
+            <a:pPr marL="285750" indent="-285750">
+              <a:buFont typeface="Arial" pitchFamily="34" charset="0"/>
+              <a:buChar char="•"/>
+            </a:pPr>
+            <a:r>
+              <a:rPr lang="en-US" dirty="0" smtClean="0"/>
+              <a:t>Not using Pin Yo output to enable others, Using Pin for clear() method.</a:t>
+            </a:r>
+          </a:p>
+          <a:p>
+            <a:pPr marL="285750" indent="-285750">
+              <a:buFont typeface="Arial" pitchFamily="34" charset="0"/>
+              <a:buChar char="•"/>
+            </a:pPr>
+            <a:r>
+              <a:rPr lang="en-US" dirty="0" smtClean="0"/>
+              <a:t>The LedOn(int led) method </a:t>
             </a:r>
           </a:p>
           <a:p>
             <a:pPr marL="457200" lvl="1" indent="-285750"/>
             <a:r>
-              <a:rPr lang="en-US" dirty="0" smtClean="0"/>
-              <a:t>Using  16 bit addressing for use of MYID for Xbee</a:t>
+              <a:rPr lang="en-US" dirty="0"/>
+              <a:t>T</a:t>
+            </a:r>
+            <a:r>
+              <a:rPr lang="en-US" dirty="0" smtClean="0"/>
+              <a:t>urns the Led on for 1ms.</a:t>
+            </a:r>
+          </a:p>
+          <a:p>
+            <a:pPr marL="457200" lvl="1" indent="-285750"/>
+            <a:r>
+              <a:rPr lang="en-US" dirty="0" smtClean="0"/>
+              <a:t>Method of calculating corresponding column number for LED</a:t>
             </a:r>
           </a:p>
           <a:p>
             <a:pPr marL="630238" lvl="2" indent="-285750"/>
             <a:r>
               <a:rPr lang="en-US" dirty="0" smtClean="0"/>
-              <a:t>Meaning we can ignore the 64 bit addressing of Serial High, Serial Low</a:t>
-            </a:r>
+              <a:t>If the LED number is less than or equal to 25 just return the LED number</a:t>
+            </a:r>
+          </a:p>
+          <a:p>
+            <a:pPr marL="630238" lvl="2" indent="-285750"/>
+            <a:r>
+              <a:rPr lang="en-US" dirty="0" smtClean="0"/>
+              <a:t>If LED number is greater than 25</a:t>
+            </a:r>
+          </a:p>
+          <a:p>
+            <a:pPr marL="803275" lvl="3" indent="-285750"/>
+            <a:r>
+              <a:rPr lang="en-US" dirty="0" smtClean="0"/>
+              <a:t>Minus one from LED number and take the mod 25</a:t>
+            </a:r>
+            <a:endParaRPr lang="en-US" dirty="0"/>
           </a:p>
           <a:p>
             <a:pPr marL="457200" lvl="1" indent="-285750"/>
             <a:r>
               <a:rPr lang="en-US" dirty="0" smtClean="0"/>
-              <a:t>Using MAC MODE 0</a:t>
+              <a:t>Method of calculating the corresponding row</a:t>
             </a:r>
           </a:p>
           <a:p>
             <a:pPr marL="630238" lvl="2" indent="-285750"/>
             <a:r>
               <a:rPr lang="en-US" dirty="0" smtClean="0"/>
-              <a:t>MAC mode for 802.15.4 MAXSTREAM Header with acks</a:t>
+              <a:t>If LED number is less than or equal to 25 return layer zero</a:t>
             </a:r>
           </a:p>
           <a:p>
             <a:pPr marL="630238" lvl="2" indent="-285750"/>
             <a:r>
               <a:rPr lang="en-US" dirty="0" smtClean="0"/>
-              <a:t>Attempted use of no ACKS showed visible dropped packets</a:t>
-            </a:r>
-          </a:p>
-          <a:p>
-            <a:pPr marL="457200" lvl="1" indent="-285750"/>
-            <a:r>
-              <a:rPr lang="en-US" dirty="0" smtClean="0"/>
-              <a:t>Using PAN ID of 8888 </a:t>
-            </a:r>
-          </a:p>
-          <a:p>
-            <a:pPr marL="457200" lvl="1" indent="-285750"/>
-            <a:r>
-              <a:rPr lang="en-US" dirty="0" smtClean="0"/>
-              <a:t>Using API Mode with PPP</a:t>
-            </a:r>
-          </a:p>
-          <a:p>
-            <a:pPr marL="630238" lvl="2" indent="-285750"/>
-            <a:r>
-              <a:rPr lang="en-US" dirty="0" smtClean="0"/>
-              <a:t>Provides three types of protocols</a:t>
-            </a:r>
-          </a:p>
-          <a:p>
-            <a:pPr marL="803275" lvl="3" indent="-285750"/>
-            <a:r>
-              <a:rPr lang="en-US" dirty="0" smtClean="0"/>
-              <a:t>Link Connection</a:t>
-            </a:r>
-          </a:p>
-          <a:p>
-            <a:pPr marL="803275" lvl="3" indent="-285750"/>
-            <a:r>
-              <a:rPr lang="en-US" dirty="0" smtClean="0"/>
-              <a:t>Authentication </a:t>
-            </a:r>
-          </a:p>
-          <a:p>
-            <a:pPr marL="803275" lvl="3" indent="-285750"/>
-            <a:r>
-              <a:rPr lang="en-US" dirty="0" smtClean="0"/>
-              <a:t>Network</a:t>
-            </a:r>
-            <a:endParaRPr lang="en-US" dirty="0"/>
-          </a:p>
-          <a:p>
-            <a:pPr marL="803275" lvl="3" indent="-285750"/>
-            <a:endParaRPr lang="en-US" dirty="0" smtClean="0"/>
+              <a:t>If LED number is greater than 25, return LED number divided by 25.</a:t>
+            </a:r>
           </a:p>
         </p:txBody>
       </p:sp>
@@ -4379,7 +4470,7 @@
             <a:pPr algn="ctr"/>
             <a:r>
               <a:rPr lang="en-US" dirty="0" smtClean="0"/>
-              <a:t>Xbee Configuration</a:t>
+              <a:t>The Code</a:t>
             </a:r>
             <a:endParaRPr lang="en-US" dirty="0"/>
           </a:p>
@@ -4388,7 +4479,7 @@
     </p:spTree>
     <p:extLst>
       <p:ext uri="{BB962C8B-B14F-4D97-AF65-F5344CB8AC3E}">
-        <p14:creationId xmlns:p14="http://schemas.microsoft.com/office/powerpoint/2010/main" val="920200088"/>
+        <p14:creationId xmlns:p14="http://schemas.microsoft.com/office/powerpoint/2010/main" val="1510969903"/>
       </p:ext>
     </p:extLst>
   </p:cSld>
@@ -4397,7 +4488,7 @@
   </p:clrMapOvr>
   <mc:AlternateContent xmlns:mc="http://schemas.openxmlformats.org/markup-compatibility/2006">
     <mc:Choice xmlns:p14="http://schemas.microsoft.com/office/powerpoint/2010/main" Requires="p14">
-      <p:transition spd="slow" p14:dur="2000">
+      <p:transition spd="slow" p14:dur="2500">
         <p14:vortex dir="r"/>
       </p:transition>
     </mc:Choice>
@@ -4446,7 +4537,9 @@
         </p:nvSpPr>
         <p:spPr/>
         <p:txBody>
-          <a:bodyPr/>
+          <a:bodyPr>
+            <a:normAutofit/>
+          </a:bodyPr>
           <a:lstStyle/>
           <a:p>
             <a:pPr marL="285750" indent="-285750">
@@ -4455,97 +4548,103 @@
             </a:pPr>
             <a:r>
               <a:rPr lang="en-US" dirty="0" smtClean="0"/>
-              <a:t>Xbee Sender</a:t>
+              <a:t>Configuration </a:t>
             </a:r>
           </a:p>
           <a:p>
             <a:pPr marL="457200" lvl="1" indent="-285750"/>
             <a:r>
               <a:rPr lang="en-US" dirty="0" smtClean="0"/>
-              <a:t>Set the 16 bit MYID to 1</a:t>
+              <a:t>Using  16 bit addressing for use of MYID for Xbee</a:t>
+            </a:r>
+          </a:p>
+          <a:p>
+            <a:pPr marL="630238" lvl="2" indent="-285750"/>
+            <a:r>
+              <a:rPr lang="en-US" dirty="0" smtClean="0"/>
+              <a:t>Meaning we can ignore the 64 bit addressing of Serial High, Serial Low</a:t>
             </a:r>
           </a:p>
           <a:p>
             <a:pPr marL="457200" lvl="1" indent="-285750"/>
             <a:r>
               <a:rPr lang="en-US" dirty="0" smtClean="0"/>
-              <a:t>Sending one LED number at a time </a:t>
-            </a:r>
-            <a:r>
-              <a:rPr lang="en-US" dirty="0"/>
-              <a:t>creates indiscernible </a:t>
-            </a:r>
-            <a:r>
-              <a:rPr lang="en-US" dirty="0" smtClean="0"/>
-              <a:t>patterns in lighting</a:t>
+              <a:t>Using MAC MODE 0</a:t>
+            </a:r>
+          </a:p>
+          <a:p>
+            <a:pPr marL="630238" lvl="2" indent="-285750"/>
+            <a:r>
+              <a:rPr lang="en-US" dirty="0" smtClean="0"/>
+              <a:t>MAC mode for 802.15.4 MAXSTREAM Header with </a:t>
+            </a:r>
+            <a:r>
+              <a:rPr lang="en-US" dirty="0" smtClean="0"/>
+              <a:t>ACK's</a:t>
+            </a:r>
+          </a:p>
+          <a:p>
+            <a:pPr marL="803275" lvl="3" indent="-285750"/>
+            <a:r>
+              <a:rPr lang="en-US" dirty="0" smtClean="0"/>
+              <a:t>MAXSTREAM is for modem capability </a:t>
+            </a:r>
+            <a:endParaRPr lang="en-US" dirty="0" smtClean="0"/>
+          </a:p>
+          <a:p>
+            <a:pPr marL="630238" lvl="2" indent="-285750"/>
+            <a:r>
+              <a:rPr lang="en-US" dirty="0" smtClean="0"/>
+              <a:t>Attempted use of no ACKS showed visible dropped packets</a:t>
             </a:r>
           </a:p>
           <a:p>
             <a:pPr marL="457200" lvl="1" indent="-285750"/>
             <a:r>
               <a:rPr lang="en-US" dirty="0" smtClean="0"/>
-              <a:t>The sender must fill the 100 bytes of available memory space inside packet</a:t>
+              <a:t>Using PAN ID of 8888 </a:t>
             </a:r>
           </a:p>
           <a:p>
             <a:pPr marL="457200" lvl="1" indent="-285750"/>
             <a:r>
               <a:rPr lang="en-US" dirty="0" smtClean="0"/>
-              <a:t>The 100 bytes of payload holds 50 integers or LED numbers</a:t>
-            </a:r>
-          </a:p>
-          <a:p>
-            <a:pPr marL="457200" lvl="1" indent="-285750"/>
-            <a:r>
-              <a:rPr lang="en-US" dirty="0" smtClean="0"/>
-              <a:t>The packet is sent even if all 5o slots of the LED array is not full if cycle ends</a:t>
+              <a:t>Using API Mode with PPP</a:t>
             </a:r>
           </a:p>
           <a:p>
             <a:pPr marL="630238" lvl="2" indent="-285750"/>
             <a:r>
               <a:rPr lang="en-US" dirty="0" smtClean="0"/>
-              <a:t>A cycle is the processing of one sample of music. (Kohei will </a:t>
-            </a:r>
-            <a:r>
-              <a:rPr lang="en-US" smtClean="0"/>
-              <a:t>explain further)</a:t>
-            </a:r>
+              <a:t>Provides three types of protocols</a:t>
+            </a:r>
+          </a:p>
+          <a:p>
+            <a:pPr marL="803275" lvl="3" indent="-285750"/>
+            <a:r>
+              <a:rPr lang="en-US" dirty="0" smtClean="0"/>
+              <a:t>Link Connection</a:t>
+            </a:r>
+          </a:p>
+          <a:p>
+            <a:pPr marL="803275" lvl="3" indent="-285750"/>
+            <a:r>
+              <a:rPr lang="en-US" dirty="0" smtClean="0"/>
+              <a:t>Authentication </a:t>
+            </a:r>
+          </a:p>
+          <a:p>
+            <a:pPr marL="803275" lvl="3" indent="-285750"/>
+            <a:r>
+              <a:rPr lang="en-US" dirty="0" smtClean="0"/>
+              <a:t>Network</a:t>
+            </a:r>
+            <a:endParaRPr lang="en-US" dirty="0"/>
+          </a:p>
+          <a:p>
+            <a:pPr marL="803275" lvl="3" indent="-285750"/>
             <a:endParaRPr lang="en-US" dirty="0" smtClean="0"/>
           </a:p>
-          <a:p>
-            <a:pPr marL="285750" indent="-285750">
-              <a:buFont typeface="Arial" pitchFamily="34" charset="0"/>
-              <a:buChar char="•"/>
-            </a:pPr>
-            <a:r>
-              <a:rPr lang="en-US" dirty="0" smtClean="0"/>
-              <a:t>Xbee Reciever</a:t>
-            </a:r>
-          </a:p>
-          <a:p>
-            <a:pPr marL="457200" lvl="1" indent="-285750"/>
-            <a:r>
-              <a:rPr lang="en-US" dirty="0" smtClean="0"/>
-              <a:t>MYID set to 2</a:t>
-            </a:r>
-          </a:p>
-          <a:p>
-            <a:pPr marL="457200" lvl="1" indent="-285750"/>
-            <a:r>
-              <a:rPr lang="en-US" dirty="0" smtClean="0"/>
-              <a:t>The Xbee receiver iterates through the payload array and calls the function of</a:t>
-            </a:r>
-          </a:p>
-          <a:p>
-            <a:pPr lvl="1" indent="0">
-              <a:buNone/>
-            </a:pPr>
-            <a:r>
-              <a:rPr lang="en-US" dirty="0" smtClean="0"/>
-              <a:t>        LedOn(int LED) and loops forever. (or at least till there is no power).</a:t>
-            </a:r>
-          </a:p>
         </p:txBody>
       </p:sp>
       <p:sp>
@@ -4566,7 +4665,7 @@
             <a:pPr algn="ctr"/>
             <a:r>
               <a:rPr lang="en-US" dirty="0" smtClean="0"/>
-              <a:t>Xbee Sending/Receiving</a:t>
+              <a:t>Xbee Configuration</a:t>
             </a:r>
             <a:endParaRPr lang="en-US" dirty="0"/>
           </a:p>
@@ -4575,7 +4674,7 @@
     </p:spTree>
     <p:extLst>
       <p:ext uri="{BB962C8B-B14F-4D97-AF65-F5344CB8AC3E}">
-        <p14:creationId xmlns:p14="http://schemas.microsoft.com/office/powerpoint/2010/main" val="590886665"/>
+        <p14:creationId xmlns:p14="http://schemas.microsoft.com/office/powerpoint/2010/main" val="920200088"/>
       </p:ext>
     </p:extLst>
   </p:cSld>
@@ -4584,7 +4683,7 @@
   </p:clrMapOvr>
   <mc:AlternateContent xmlns:mc="http://schemas.openxmlformats.org/markup-compatibility/2006">
     <mc:Choice xmlns:p14="http://schemas.microsoft.com/office/powerpoint/2010/main" Requires="p14">
-      <p:transition spd="slow" p14:dur="2000">
+      <p:transition spd="slow" p14:dur="2500">
         <p14:vortex dir="r"/>
       </p:transition>
     </mc:Choice>
@@ -4633,47 +4732,124 @@
         </p:nvSpPr>
         <p:spPr/>
         <p:txBody>
+          <a:bodyPr>
+            <a:normAutofit/>
+          </a:bodyPr>
+          <a:lstStyle/>
+          <a:p>
+            <a:pPr marL="285750" indent="-285750">
+              <a:buFont typeface="Arial" pitchFamily="34" charset="0"/>
+              <a:buChar char="•"/>
+            </a:pPr>
+            <a:r>
+              <a:rPr lang="en-US" dirty="0" smtClean="0"/>
+              <a:t>Xbee Sender</a:t>
+            </a:r>
+          </a:p>
+          <a:p>
+            <a:pPr marL="457200" lvl="1" indent="-285750"/>
+            <a:r>
+              <a:rPr lang="en-US" dirty="0" smtClean="0"/>
+              <a:t>Set the 16 bit MYID to 1</a:t>
+            </a:r>
+          </a:p>
+          <a:p>
+            <a:pPr marL="457200" lvl="1" indent="-285750"/>
+            <a:r>
+              <a:rPr lang="en-US" dirty="0" smtClean="0"/>
+              <a:t>Sending one LED number at a time </a:t>
+            </a:r>
+            <a:r>
+              <a:rPr lang="en-US" dirty="0"/>
+              <a:t>creates indiscernible </a:t>
+            </a:r>
+            <a:r>
+              <a:rPr lang="en-US" dirty="0" smtClean="0"/>
+              <a:t>patterns in lighting</a:t>
+            </a:r>
+          </a:p>
+          <a:p>
+            <a:pPr marL="457200" lvl="1" indent="-285750"/>
+            <a:r>
+              <a:rPr lang="en-US" dirty="0" smtClean="0"/>
+              <a:t>The sender must fill the 100 bytes of available memory space inside packet</a:t>
+            </a:r>
+          </a:p>
+          <a:p>
+            <a:pPr marL="457200" lvl="1" indent="-285750"/>
+            <a:r>
+              <a:rPr lang="en-US" dirty="0" smtClean="0"/>
+              <a:t>The 100 bytes of payload holds 50 integers or LED numbers</a:t>
+            </a:r>
+          </a:p>
+          <a:p>
+            <a:pPr marL="457200" lvl="1" indent="-285750"/>
+            <a:r>
+              <a:rPr lang="en-US" dirty="0" smtClean="0"/>
+              <a:t>The packet is sent even if all 5o slots of the LED array is not full if cycle ends</a:t>
+            </a:r>
+          </a:p>
+          <a:p>
+            <a:pPr marL="630238" lvl="2" indent="-285750"/>
+            <a:r>
+              <a:rPr lang="en-US" dirty="0" smtClean="0"/>
+              <a:t>A cycle is the processing of one sample of music. (Kohei will explain further)</a:t>
+            </a:r>
+          </a:p>
+          <a:p>
+            <a:pPr marL="285750" indent="-285750">
+              <a:buFont typeface="Arial" pitchFamily="34" charset="0"/>
+              <a:buChar char="•"/>
+            </a:pPr>
+            <a:r>
+              <a:rPr lang="en-US" dirty="0" smtClean="0"/>
+              <a:t>Xbee Reciever</a:t>
+            </a:r>
+          </a:p>
+          <a:p>
+            <a:pPr marL="457200" lvl="1" indent="-285750"/>
+            <a:r>
+              <a:rPr lang="en-US" dirty="0" smtClean="0"/>
+              <a:t>MYID set to 2</a:t>
+            </a:r>
+          </a:p>
+          <a:p>
+            <a:pPr marL="457200" lvl="1" indent="-285750"/>
+            <a:r>
+              <a:rPr lang="en-US" dirty="0" smtClean="0"/>
+              <a:t>The Xbee receiver iterates through the payload array and calls the function of</a:t>
+            </a:r>
+          </a:p>
+          <a:p>
+            <a:pPr lvl="1" indent="0">
+              <a:buNone/>
+            </a:pPr>
+            <a:r>
+              <a:rPr lang="en-US" dirty="0" smtClean="0"/>
+              <a:t>        LedOn(int LED) and loops forever. (or at least till there is no power).</a:t>
+            </a:r>
+          </a:p>
+        </p:txBody>
+      </p:sp>
+      <p:sp>
+        <p:nvSpPr>
+          <p:cNvPr id="3" name="Title 2"/>
+          <p:cNvSpPr>
+            <a:spLocks noGrp="1"/>
+          </p:cNvSpPr>
+          <p:nvPr>
+            <p:ph type="title"/>
+          </p:nvPr>
+        </p:nvSpPr>
+        <p:spPr/>
+        <p:txBody>
           <a:bodyPr/>
           <a:lstStyle/>
           <a:p>
-            <a:r>
-              <a:rPr lang="en-US" dirty="0" smtClean="0"/>
-              <a:t>The principle of the sound is the “vibration” and we recognize sound by recognizing the vibration.</a:t>
-            </a:r>
-          </a:p>
-          <a:p>
-            <a:r>
-              <a:rPr lang="en-US" dirty="0" smtClean="0"/>
-              <a:t>The “vibration” can be represented as the wave.</a:t>
-            </a:r>
-          </a:p>
-          <a:p>
-            <a:r>
-              <a:rPr lang="en-US" dirty="0" smtClean="0"/>
-              <a:t>All sound have the volume, pitch, and frequency.</a:t>
-            </a:r>
-          </a:p>
-        </p:txBody>
-      </p:sp>
-      <p:sp>
-        <p:nvSpPr>
-          <p:cNvPr id="3" name="Title 2"/>
-          <p:cNvSpPr>
-            <a:spLocks noGrp="1"/>
-          </p:cNvSpPr>
-          <p:nvPr>
-            <p:ph type="title"/>
-          </p:nvPr>
-        </p:nvSpPr>
-        <p:spPr/>
-        <p:txBody>
-          <a:bodyPr/>
-          <a:lstStyle/>
-          <a:p>
             <a:pPr algn="ctr"/>
             <a:r>
               <a:rPr lang="en-US" dirty="0" smtClean="0"/>
-              <a:t>Principle of the Sound</a:t>
+              <a:t>Xbee Sending/Receiving</a:t>
             </a:r>
             <a:endParaRPr lang="en-US" dirty="0"/>
           </a:p>
@@ -4682,7 +4858,7 @@
     </p:spTree>
     <p:extLst>
       <p:ext uri="{BB962C8B-B14F-4D97-AF65-F5344CB8AC3E}">
-        <p14:creationId xmlns:p14="http://schemas.microsoft.com/office/powerpoint/2010/main" val="993259389"/>
+        <p14:creationId xmlns:p14="http://schemas.microsoft.com/office/powerpoint/2010/main" val="590886665"/>
       </p:ext>
     </p:extLst>
   </p:cSld>
@@ -4691,7 +4867,7 @@
   </p:clrMapOvr>
   <mc:AlternateContent xmlns:mc="http://schemas.openxmlformats.org/markup-compatibility/2006">
     <mc:Choice xmlns:p14="http://schemas.microsoft.com/office/powerpoint/2010/main" Requires="p14">
-      <p:transition spd="slow" p14:dur="2000">
+      <p:transition spd="slow" p14:dur="2500">
         <p14:vortex dir="r"/>
       </p:transition>
     </mc:Choice>
@@ -4743,19 +4919,34 @@
           <a:bodyPr/>
           <a:lstStyle/>
           <a:p>
-            <a:r>
-              <a:rPr lang="en-US" dirty="0" smtClean="0"/>
-              <a:t>FFT algorithm (Faster Fourier Transform) is the way to analyze the frequency.</a:t>
-            </a:r>
-          </a:p>
-          <a:p>
-            <a:r>
-              <a:rPr lang="en-US" dirty="0" smtClean="0"/>
-              <a:t>In this algorithm it is impossible to calculate individual frequencies but calculate the frequencies of certain range.</a:t>
-            </a:r>
-          </a:p>
-          <a:p>
-            <a:endParaRPr lang="en-US" dirty="0" smtClean="0"/>
+            <a:pPr marL="285750" indent="-285750">
+              <a:buFont typeface="Arial" pitchFamily="34" charset="0"/>
+              <a:buChar char="•"/>
+            </a:pPr>
+            <a:r>
+              <a:rPr lang="en-US" dirty="0" smtClean="0"/>
+              <a:t>The principle of the sound is the “vibration” and we recognize sound by recognizing the vibration.</a:t>
+            </a:r>
+          </a:p>
+          <a:p>
+            <a:pPr marL="285750" indent="-285750">
+              <a:buFont typeface="Arial" pitchFamily="34" charset="0"/>
+              <a:buChar char="•"/>
+            </a:pPr>
+            <a:r>
+              <a:rPr lang="en-US" dirty="0" smtClean="0"/>
+              <a:t>The “vibration” can be represented as the wave.</a:t>
+            </a:r>
+          </a:p>
+          <a:p>
+            <a:pPr marL="285750" indent="-285750">
+              <a:buFont typeface="Arial" pitchFamily="34" charset="0"/>
+              <a:buChar char="•"/>
+            </a:pPr>
+            <a:r>
+              <a:rPr lang="en-US" dirty="0" smtClean="0"/>
+              <a:t>All sound have the volume, pitch, and frequency.</a:t>
+            </a:r>
           </a:p>
         </p:txBody>
       </p:sp>
@@ -4774,9 +4965,122 @@
           <a:bodyPr/>
           <a:lstStyle/>
           <a:p>
-            <a:r>
-              <a:rPr lang="en-US" dirty="0" smtClean="0"/>
-              <a:t>FFT Algorithm</a:t>
+            <a:pPr algn="ctr"/>
+            <a:r>
+              <a:rPr lang="en-US" dirty="0" smtClean="0"/>
+              <a:t>Principle of the Sound</a:t>
+            </a:r>
+            <a:endParaRPr lang="en-US" dirty="0"/>
+          </a:p>
+        </p:txBody>
+      </p:sp>
+      <p:pic>
+        <p:nvPicPr>
+          <p:cNvPr id="1026" name="Picture 2" descr="C:\Users\KOHET\Desktop\Freq1000Hz.PNG"/>
+          <p:cNvPicPr>
+            <a:picLocks noChangeAspect="1" noChangeArrowheads="1"/>
+          </p:cNvPicPr>
+          <p:nvPr/>
+        </p:nvPicPr>
+        <p:blipFill>
+          <a:blip r:embed="rId2">
+            <a:extLst>
+              <a:ext uri="{28A0092B-C50C-407E-A947-70E740481C1C}">
+                <a14:useLocalDpi xmlns:a14="http://schemas.microsoft.com/office/drawing/2010/main" val="0"/>
+              </a:ext>
+            </a:extLst>
+          </a:blip>
+          <a:srcRect/>
+          <a:stretch>
+            <a:fillRect/>
+          </a:stretch>
+        </p:blipFill>
+        <p:spPr bwMode="auto">
+          <a:xfrm>
+            <a:off x="4876800" y="4077792"/>
+            <a:ext cx="3342503" cy="2225869"/>
+          </a:xfrm>
+          <a:prstGeom prst="rect">
+            <a:avLst/>
+          </a:prstGeom>
+          <a:noFill/>
+          <a:extLst>
+            <a:ext uri="{909E8E84-426E-40DD-AFC4-6F175D3DCCD1}">
+              <a14:hiddenFill xmlns:a14="http://schemas.microsoft.com/office/drawing/2010/main">
+                <a:solidFill>
+                  <a:srgbClr val="FFFFFF"/>
+                </a:solidFill>
+              </a14:hiddenFill>
+            </a:ext>
+          </a:extLst>
+        </p:spPr>
+      </p:pic>
+      <p:pic>
+        <p:nvPicPr>
+          <p:cNvPr id="1027" name="Picture 3" descr="C:\Users\KOHET\Desktop\Freq80Hz.PNG"/>
+          <p:cNvPicPr>
+            <a:picLocks noChangeAspect="1" noChangeArrowheads="1"/>
+          </p:cNvPicPr>
+          <p:nvPr/>
+        </p:nvPicPr>
+        <p:blipFill>
+          <a:blip r:embed="rId3">
+            <a:extLst>
+              <a:ext uri="{28A0092B-C50C-407E-A947-70E740481C1C}">
+                <a14:useLocalDpi xmlns:a14="http://schemas.microsoft.com/office/drawing/2010/main" val="0"/>
+              </a:ext>
+            </a:extLst>
+          </a:blip>
+          <a:srcRect/>
+          <a:stretch>
+            <a:fillRect/>
+          </a:stretch>
+        </p:blipFill>
+        <p:spPr bwMode="auto">
+          <a:xfrm>
+            <a:off x="914400" y="4086418"/>
+            <a:ext cx="3345949" cy="2254250"/>
+          </a:xfrm>
+          <a:prstGeom prst="rect">
+            <a:avLst/>
+          </a:prstGeom>
+          <a:noFill/>
+          <a:extLst>
+            <a:ext uri="{909E8E84-426E-40DD-AFC4-6F175D3DCCD1}">
+              <a14:hiddenFill xmlns:a14="http://schemas.microsoft.com/office/drawing/2010/main">
+                <a:solidFill>
+                  <a:srgbClr val="FFFFFF"/>
+                </a:solidFill>
+              </a14:hiddenFill>
+            </a:ext>
+          </a:extLst>
+        </p:spPr>
+      </p:pic>
+      <p:sp>
+        <p:nvSpPr>
+          <p:cNvPr id="4" name="テキスト ボックス 3"/>
+          <p:cNvSpPr txBox="1"/>
+          <p:nvPr/>
+        </p:nvSpPr>
+        <p:spPr>
+          <a:xfrm>
+            <a:off x="872706" y="3657600"/>
+            <a:ext cx="5756694" cy="369332"/>
+          </a:xfrm>
+          <a:prstGeom prst="rect">
+            <a:avLst/>
+          </a:prstGeom>
+          <a:noFill/>
+        </p:spPr>
+        <p:txBody>
+          <a:bodyPr wrap="square" rtlCol="0">
+            <a:spAutoFit/>
+          </a:bodyPr>
+          <a:lstStyle/>
+          <a:p>
+            <a:r>
+              <a:rPr lang="en-US" dirty="0" smtClean="0"/>
+              <a:t>80Hz			 	      1000Hz</a:t>
             </a:r>
             <a:endParaRPr lang="en-US" dirty="0"/>
           </a:p>
@@ -4785,7 +5089,7 @@
     </p:spTree>
     <p:extLst>
       <p:ext uri="{BB962C8B-B14F-4D97-AF65-F5344CB8AC3E}">
-        <p14:creationId xmlns:p14="http://schemas.microsoft.com/office/powerpoint/2010/main" val="129266509"/>
+        <p14:creationId xmlns:p14="http://schemas.microsoft.com/office/powerpoint/2010/main" val="993259389"/>
       </p:ext>
     </p:extLst>
   </p:cSld>
@@ -4794,7 +5098,7 @@
   </p:clrMapOvr>
   <mc:AlternateContent xmlns:mc="http://schemas.openxmlformats.org/markup-compatibility/2006">
     <mc:Choice xmlns:p14="http://schemas.microsoft.com/office/powerpoint/2010/main" Requires="p14">
-      <p:transition spd="slow" p14:dur="2000">
+      <p:transition spd="slow" p14:dur="2500">
         <p14:vortex dir="r"/>
       </p:transition>
     </mc:Choice>
@@ -4843,71 +5147,36 @@
         </p:nvSpPr>
         <p:spPr/>
         <p:txBody>
-          <a:bodyPr>
-            <a:normAutofit lnSpcReduction="10000"/>
-          </a:bodyPr>
-          <a:lstStyle/>
-          <a:p>
-            <a:r>
-              <a:rPr lang="en-US" dirty="0" smtClean="0"/>
-              <a:t>Minim library is the Sound API for processing dealing with mp3, wav or other various file formats.</a:t>
-            </a:r>
-          </a:p>
-          <a:p>
-            <a:endParaRPr lang="en-US" dirty="0" smtClean="0"/>
-          </a:p>
-          <a:p>
-            <a:r>
-              <a:rPr lang="en-US" dirty="0" smtClean="0"/>
-              <a:t>Basic Function (ddf.minim.*)</a:t>
-            </a:r>
-          </a:p>
-          <a:p>
-            <a:r>
-              <a:rPr lang="en-US" dirty="0" smtClean="0"/>
-              <a:t>	- AudioFile loadFile(String filename, int bufferSize)</a:t>
-            </a:r>
-          </a:p>
-          <a:p>
-            <a:r>
-              <a:rPr lang="en-US" dirty="0" smtClean="0"/>
-              <a:t>	- void play()</a:t>
-            </a:r>
-          </a:p>
-          <a:p>
-            <a:r>
-              <a:rPr lang="en-US" dirty="0" smtClean="0"/>
-              <a:t>	-  void close() , void stop()</a:t>
-            </a:r>
-          </a:p>
-          <a:p>
-            <a:r>
-              <a:rPr lang="en-US" dirty="0" smtClean="0"/>
-              <a:t>FFT Function (ddf.minim.analyze.*)</a:t>
-            </a:r>
-          </a:p>
-          <a:p>
-            <a:r>
-              <a:rPr lang="en-US" dirty="0" smtClean="0"/>
-              <a:t>	-  abstract void forward(AudioBuffer buffer)</a:t>
-            </a:r>
-          </a:p>
-          <a:p>
-            <a:r>
-              <a:rPr lang="en-US" dirty="0" smtClean="0"/>
-              <a:t>	- int specSize()</a:t>
-            </a:r>
-          </a:p>
-          <a:p>
-            <a:r>
-              <a:rPr lang="en-US" dirty="0" smtClean="0"/>
-              <a:t>	- float getBandWidth(int i)</a:t>
-            </a:r>
-          </a:p>
-          <a:p>
-            <a:r>
-              <a:rPr lang="en-US" dirty="0" smtClean="0"/>
-              <a:t>	- float getBand(int i)</a:t>
+          <a:bodyPr/>
+          <a:lstStyle/>
+          <a:p>
+            <a:pPr marL="285750" indent="-285750">
+              <a:buFont typeface="Arial" pitchFamily="34" charset="0"/>
+              <a:buChar char="•"/>
+            </a:pPr>
+            <a:r>
+              <a:rPr lang="en-US" dirty="0" smtClean="0"/>
+              <a:t>FFT algorithm (Faster Fourier Transform) is the way to analyze the frequency.</a:t>
+            </a:r>
+          </a:p>
+          <a:p>
+            <a:pPr marL="285750" indent="-285750">
+              <a:buFont typeface="Arial" pitchFamily="34" charset="0"/>
+              <a:buChar char="•"/>
+            </a:pPr>
+            <a:r>
+              <a:rPr lang="en-US" dirty="0" smtClean="0"/>
+              <a:t>It transforms signal in time domain (Sample Rate) into a signal in frequency domain.</a:t>
+            </a:r>
+          </a:p>
+          <a:p>
+            <a:pPr marL="285750" indent="-285750">
+              <a:buFont typeface="Arial" pitchFamily="34" charset="0"/>
+              <a:buChar char="•"/>
+            </a:pPr>
+            <a:r>
+              <a:rPr lang="en-US" dirty="0" smtClean="0"/>
+              <a:t>In this algorithm it is impossible to calculate individual frequencies but calculate the frequencies of certain range.</a:t>
             </a:r>
           </a:p>
         </p:txBody>
@@ -4930,16 +5199,57 @@
             <a:pPr algn="ctr"/>
             <a:r>
               <a:rPr lang="en-US" dirty="0" smtClean="0"/>
-              <a:t>Sound API</a:t>
-            </a:r>
-            <a:endParaRPr lang="en-US" dirty="0"/>
-          </a:p>
-        </p:txBody>
-      </p:sp>
+              <a:t>FFT Algorithm</a:t>
+            </a:r>
+            <a:endParaRPr lang="en-US" dirty="0"/>
+          </a:p>
+        </p:txBody>
+      </p:sp>
+      <p:pic>
+        <p:nvPicPr>
+          <p:cNvPr id="2050" name="Picture 2" descr="C:\Users\KOHET\Desktop\FFT Equation.PNG"/>
+          <p:cNvPicPr>
+            <a:picLocks noChangeAspect="1" noChangeArrowheads="1"/>
+          </p:cNvPicPr>
+          <p:nvPr/>
+        </p:nvPicPr>
+        <p:blipFill>
+          <a:blip r:embed="rId2">
+            <a:extLst>
+              <a:ext uri="{28A0092B-C50C-407E-A947-70E740481C1C}">
+                <a14:useLocalDpi xmlns:a14="http://schemas.microsoft.com/office/drawing/2010/main" val="0"/>
+              </a:ext>
+            </a:extLst>
+          </a:blip>
+          <a:srcRect/>
+          <a:stretch>
+            <a:fillRect/>
+          </a:stretch>
+        </p:blipFill>
+        <p:spPr bwMode="auto">
+          <a:xfrm>
+            <a:off x="838200" y="4191000"/>
+            <a:ext cx="5184321" cy="762000"/>
+          </a:xfrm>
+          <a:prstGeom prst="rect">
+            <a:avLst/>
+          </a:prstGeom>
+          <a:noFill/>
+          <a:extLst>
+            <a:ext uri="{909E8E84-426E-40DD-AFC4-6F175D3DCCD1}">
+              <a14:hiddenFill xmlns:a14="http://schemas.microsoft.com/office/drawing/2010/main">
+                <a:solidFill>
+                  <a:srgbClr val="FFFFFF"/>
+                </a:solidFill>
+              </a14:hiddenFill>
+            </a:ext>
+          </a:extLst>
+        </p:spPr>
+      </p:pic>
     </p:spTree>
     <p:extLst>
       <p:ext uri="{BB962C8B-B14F-4D97-AF65-F5344CB8AC3E}">
-        <p14:creationId xmlns:p14="http://schemas.microsoft.com/office/powerpoint/2010/main" val="2925572708"/>
+        <p14:creationId xmlns:p14="http://schemas.microsoft.com/office/powerpoint/2010/main" val="129266509"/>
       </p:ext>
     </p:extLst>
   </p:cSld>
@@ -4948,7 +5258,7 @@
   </p:clrMapOvr>
   <mc:AlternateContent xmlns:mc="http://schemas.openxmlformats.org/markup-compatibility/2006">
     <mc:Choice xmlns:p14="http://schemas.microsoft.com/office/powerpoint/2010/main" Requires="p14">
-      <p:transition spd="slow" p14:dur="2000">
+      <p:transition spd="slow" p14:dur="2500">
         <p14:vortex dir="r"/>
       </p:transition>
     </mc:Choice>
@@ -4987,80 +5297,127 @@
       </p:grpSpPr>
       <p:sp>
         <p:nvSpPr>
-          <p:cNvPr id="2" name="Content Placeholder 1"/>
-          <p:cNvSpPr>
-            <a:spLocks noGrp="1"/>
-          </p:cNvSpPr>
+          <p:cNvPr id="4" name="テキスト プレースホルダー 3"/>
+          <p:cNvSpPr>
+            <a:spLocks noGrp="1"/>
+          </p:cNvSpPr>
+          <p:nvPr>
+            <p:ph type="body" sz="half" idx="2"/>
+          </p:nvPr>
+        </p:nvSpPr>
+        <p:spPr/>
+        <p:txBody>
+          <a:bodyPr/>
+          <a:lstStyle/>
+          <a:p>
+            <a:r>
+              <a:rPr lang="en-US" dirty="0" smtClean="0"/>
+              <a:t>Frequency at 1000Hz</a:t>
+            </a:r>
+            <a:endParaRPr lang="en-US" dirty="0"/>
+          </a:p>
+        </p:txBody>
+      </p:sp>
+      <p:sp>
+        <p:nvSpPr>
+          <p:cNvPr id="7" name="テキスト プレースホルダー 6"/>
+          <p:cNvSpPr>
+            <a:spLocks noGrp="1"/>
+          </p:cNvSpPr>
+          <p:nvPr>
+            <p:ph type="body" sz="half" idx="15"/>
+          </p:nvPr>
+        </p:nvSpPr>
+        <p:spPr/>
+        <p:txBody>
+          <a:bodyPr/>
+          <a:lstStyle/>
+          <a:p>
+            <a:r>
+              <a:rPr lang="en-US" dirty="0" smtClean="0"/>
+              <a:t>Songs</a:t>
+            </a:r>
+            <a:endParaRPr lang="en-US" dirty="0"/>
+          </a:p>
+        </p:txBody>
+      </p:sp>
+      <p:pic>
+        <p:nvPicPr>
+          <p:cNvPr id="8" name="コンテンツ プレースホルダー 7"/>
+          <p:cNvPicPr>
+            <a:picLocks noGrp="1" noChangeAspect="1"/>
+          </p:cNvPicPr>
+          <p:nvPr>
+            <p:ph sz="quarter" idx="14"/>
+          </p:nvPr>
+        </p:nvPicPr>
+        <p:blipFill>
+          <a:blip r:embed="rId2">
+            <a:extLst>
+              <a:ext uri="{28A0092B-C50C-407E-A947-70E740481C1C}">
+                <a14:useLocalDpi xmlns:a14="http://schemas.microsoft.com/office/drawing/2010/main" val="0"/>
+              </a:ext>
+            </a:extLst>
+          </a:blip>
+          <a:stretch>
+            <a:fillRect/>
+          </a:stretch>
+        </p:blipFill>
+        <p:spPr>
+          <a:xfrm>
+            <a:off x="4724400" y="2575843"/>
+            <a:ext cx="4062413" cy="2726270"/>
+          </a:xfrm>
+        </p:spPr>
+      </p:pic>
+      <p:pic>
+        <p:nvPicPr>
+          <p:cNvPr id="9" name="コンテンツ プレースホルダー 8"/>
+          <p:cNvPicPr>
+            <a:picLocks noGrp="1" noChangeAspect="1"/>
+          </p:cNvPicPr>
           <p:nvPr>
             <p:ph sz="quarter" idx="13"/>
           </p:nvPr>
+        </p:nvPicPr>
+        <p:blipFill>
+          <a:blip r:embed="rId3">
+            <a:extLst>
+              <a:ext uri="{28A0092B-C50C-407E-A947-70E740481C1C}">
+                <a14:useLocalDpi xmlns:a14="http://schemas.microsoft.com/office/drawing/2010/main" val="0"/>
+              </a:ext>
+            </a:extLst>
+          </a:blip>
+          <a:stretch>
+            <a:fillRect/>
+          </a:stretch>
+        </p:blipFill>
+        <p:spPr>
+          <a:xfrm>
+            <a:off x="352425" y="2584450"/>
+            <a:ext cx="3886200" cy="2590800"/>
+          </a:xfrm>
+        </p:spPr>
+      </p:pic>
+      <p:sp>
+        <p:nvSpPr>
+          <p:cNvPr id="3" name="タイトル 2"/>
+          <p:cNvSpPr>
+            <a:spLocks noGrp="1"/>
+          </p:cNvSpPr>
+          <p:nvPr>
+            <p:ph type="title"/>
+          </p:nvPr>
         </p:nvSpPr>
         <p:spPr/>
         <p:txBody>
           <a:bodyPr/>
           <a:lstStyle/>
           <a:p>
-            <a:r>
-              <a:rPr lang="en-US" dirty="0" smtClean="0"/>
-              <a:t>Each frequency range have 4 setting variable.</a:t>
-            </a:r>
-          </a:p>
-          <a:p>
-            <a:r>
-              <a:rPr lang="en-US" dirty="0" smtClean="0"/>
-              <a:t>LOW:	lowStart: starting point of low frequency</a:t>
-            </a:r>
-          </a:p>
-          <a:p>
-            <a:r>
-              <a:rPr lang="en-US" dirty="0" smtClean="0"/>
-              <a:t>	lowEnd:	ending point of low frequency</a:t>
-            </a:r>
-          </a:p>
-          <a:p>
-            <a:r>
-              <a:rPr lang="en-US" dirty="0" smtClean="0"/>
-              <a:t>	lowVol: volume filter for low frequency</a:t>
-            </a:r>
-          </a:p>
-          <a:p>
-            <a:r>
-              <a:rPr lang="en-US" dirty="0" smtClean="0"/>
-              <a:t>	bplLow:	blocks/LED for low frequency</a:t>
-            </a:r>
-          </a:p>
-          <a:p>
-            <a:endParaRPr lang="en-US" dirty="0" smtClean="0"/>
-          </a:p>
-          <a:p>
-            <a:r>
-              <a:rPr lang="en-US" dirty="0" smtClean="0"/>
-              <a:t>MID &amp; High </a:t>
-            </a:r>
-          </a:p>
-        </p:txBody>
-      </p:sp>
-      <p:sp>
-        <p:nvSpPr>
-          <p:cNvPr id="3" name="Title 2"/>
-          <p:cNvSpPr>
-            <a:spLocks noGrp="1"/>
-          </p:cNvSpPr>
-          <p:nvPr>
-            <p:ph type="title"/>
-          </p:nvPr>
-        </p:nvSpPr>
-        <p:spPr/>
-        <p:txBody>
-          <a:bodyPr>
-            <a:normAutofit fontScale="90000"/>
-          </a:bodyPr>
-          <a:lstStyle/>
-          <a:p>
             <a:pPr algn="ctr"/>
             <a:r>
               <a:rPr lang="en-US" dirty="0" smtClean="0"/>
-              <a:t>Divide frequency into Low, Mid, High</a:t>
+              <a:t>FFT Algorithm</a:t>
             </a:r>
             <a:endParaRPr lang="en-US" dirty="0"/>
           </a:p>
@@ -5069,7 +5426,7 @@
     </p:spTree>
     <p:extLst>
       <p:ext uri="{BB962C8B-B14F-4D97-AF65-F5344CB8AC3E}">
-        <p14:creationId xmlns:p14="http://schemas.microsoft.com/office/powerpoint/2010/main" val="518480761"/>
+        <p14:creationId xmlns:p14="http://schemas.microsoft.com/office/powerpoint/2010/main" val="2575468521"/>
       </p:ext>
     </p:extLst>
   </p:cSld>
@@ -5078,7 +5435,7 @@
   </p:clrMapOvr>
   <mc:AlternateContent xmlns:mc="http://schemas.openxmlformats.org/markup-compatibility/2006">
     <mc:Choice xmlns:p14="http://schemas.microsoft.com/office/powerpoint/2010/main" Requires="p14">
-      <p:transition spd="slow" p14:dur="2000">
+      <p:transition spd="slow" p14:dur="2500">
         <p14:vortex dir="r"/>
       </p:transition>
     </mc:Choice>
@@ -5127,80 +5484,109 @@
         </p:nvSpPr>
         <p:spPr/>
         <p:txBody>
+          <a:bodyPr>
+            <a:normAutofit/>
+          </a:bodyPr>
+          <a:lstStyle/>
+          <a:p>
+            <a:r>
+              <a:rPr lang="en-US" dirty="0" smtClean="0"/>
+              <a:t>Minim library is the Sound API for processing dealing with mp3, wav or other various file formats.</a:t>
+            </a:r>
+          </a:p>
+          <a:p>
+            <a:endParaRPr lang="en-US" dirty="0" smtClean="0"/>
+          </a:p>
+          <a:p>
+            <a:pPr marL="285750" indent="-285750">
+              <a:buFont typeface="Arial" pitchFamily="34" charset="0"/>
+              <a:buChar char="•"/>
+            </a:pPr>
+            <a:r>
+              <a:rPr lang="en-US" dirty="0" smtClean="0"/>
+              <a:t>Basic Function (ddf.minim.*)</a:t>
+            </a:r>
+          </a:p>
+          <a:p>
+            <a:pPr marL="457200" lvl="1" indent="-285750"/>
+            <a:r>
+              <a:rPr lang="en-US" dirty="0" smtClean="0"/>
+              <a:t>AudioFile loadFile(String filename, int bufferSize)</a:t>
+            </a:r>
+          </a:p>
+          <a:p>
+            <a:pPr marL="457200" lvl="1" indent="-285750"/>
+            <a:r>
+              <a:rPr lang="en-US" dirty="0" smtClean="0"/>
+              <a:t> void play()</a:t>
+            </a:r>
+          </a:p>
+          <a:p>
+            <a:pPr marL="457200" lvl="1" indent="-285750"/>
+            <a:r>
+              <a:rPr lang="en-US" dirty="0" smtClean="0"/>
+              <a:t>  void close() , void stop()</a:t>
+            </a:r>
+          </a:p>
+          <a:p>
+            <a:pPr marL="285750" indent="-285750">
+              <a:buFont typeface="Arial" pitchFamily="34" charset="0"/>
+              <a:buChar char="•"/>
+            </a:pPr>
+            <a:r>
+              <a:rPr lang="en-US" dirty="0" smtClean="0"/>
+              <a:t>FFT Function (ddf.minim.analyze.*)</a:t>
+            </a:r>
+          </a:p>
+          <a:p>
+            <a:pPr marL="457200" lvl="1" indent="-285750"/>
+            <a:r>
+              <a:rPr lang="en-US" dirty="0" smtClean="0"/>
+              <a:t>  abstract void forward(AudioBuffer buffer)</a:t>
+            </a:r>
+          </a:p>
+          <a:p>
+            <a:pPr marL="457200" lvl="1" indent="-285750"/>
+            <a:r>
+              <a:rPr lang="en-US" dirty="0" smtClean="0"/>
+              <a:t> int specSize()</a:t>
+            </a:r>
+          </a:p>
+          <a:p>
+            <a:pPr marL="457200" lvl="1" indent="-285750"/>
+            <a:r>
+              <a:rPr lang="en-US" dirty="0" smtClean="0"/>
+              <a:t> float getBandWidth(int i)</a:t>
+            </a:r>
+          </a:p>
+          <a:p>
+            <a:pPr marL="457200" lvl="1" indent="-285750"/>
+            <a:r>
+              <a:rPr lang="en-US" dirty="0" smtClean="0"/>
+              <a:t> float getBand(int i)</a:t>
+            </a:r>
+          </a:p>
+        </p:txBody>
+      </p:sp>
+      <p:sp>
+        <p:nvSpPr>
+          <p:cNvPr id="3" name="Title 2"/>
+          <p:cNvSpPr>
+            <a:spLocks noGrp="1"/>
+          </p:cNvSpPr>
+          <p:nvPr>
+            <p:ph type="title"/>
+          </p:nvPr>
+        </p:nvSpPr>
+        <p:spPr/>
+        <p:txBody>
           <a:bodyPr/>
           <a:lstStyle/>
           <a:p>
-            <a:r>
-              <a:rPr lang="en-US" dirty="0" smtClean="0"/>
-              <a:t>int n = place of block</a:t>
-            </a:r>
-          </a:p>
-          <a:p>
-            <a:endParaRPr lang="en-US" dirty="0" smtClean="0"/>
-          </a:p>
-          <a:p>
-            <a:r>
-              <a:rPr lang="en-US" dirty="0" smtClean="0"/>
-              <a:t>if Start &lt;= n &lt;= End</a:t>
-            </a:r>
-          </a:p>
-          <a:p>
-            <a:r>
-              <a:rPr lang="en-US" dirty="0" smtClean="0"/>
-              <a:t>  for: int i; i &gt;= bpl; i++</a:t>
-            </a:r>
-          </a:p>
-          <a:p>
-            <a:r>
-              <a:rPr lang="en-US" dirty="0" smtClean="0"/>
-              <a:t>    if frequency </a:t>
-            </a:r>
-          </a:p>
-          <a:p>
-            <a:r>
-              <a:rPr lang="en-US" dirty="0" smtClean="0"/>
-              <a:t>Volume &gt; vol</a:t>
-            </a:r>
-          </a:p>
-          <a:p>
-            <a:r>
-              <a:rPr lang="en-US" dirty="0" smtClean="0"/>
-              <a:t>        return true</a:t>
-            </a:r>
-          </a:p>
-          <a:p>
-            <a:r>
-              <a:rPr lang="en-US" dirty="0" smtClean="0"/>
-              <a:t>    else</a:t>
-            </a:r>
-          </a:p>
-          <a:p>
-            <a:r>
-              <a:rPr lang="en-US" dirty="0" smtClean="0"/>
-              <a:t>        return false</a:t>
-            </a:r>
-          </a:p>
-        </p:txBody>
-      </p:sp>
-      <p:sp>
-        <p:nvSpPr>
-          <p:cNvPr id="3" name="Title 2"/>
-          <p:cNvSpPr>
-            <a:spLocks noGrp="1"/>
-          </p:cNvSpPr>
-          <p:nvPr>
-            <p:ph type="title"/>
-          </p:nvPr>
-        </p:nvSpPr>
-        <p:spPr/>
-        <p:txBody>
-          <a:bodyPr/>
-          <a:lstStyle/>
-          <a:p>
             <a:pPr algn="ctr"/>
             <a:r>
               <a:rPr lang="en-US" dirty="0" smtClean="0"/>
-              <a:t>Programming</a:t>
+              <a:t>Sound API</a:t>
             </a:r>
             <a:endParaRPr lang="en-US" dirty="0"/>
           </a:p>
@@ -5209,7 +5595,7 @@
     </p:spTree>
     <p:extLst>
       <p:ext uri="{BB962C8B-B14F-4D97-AF65-F5344CB8AC3E}">
-        <p14:creationId xmlns:p14="http://schemas.microsoft.com/office/powerpoint/2010/main" val="4148252209"/>
+        <p14:creationId xmlns:p14="http://schemas.microsoft.com/office/powerpoint/2010/main" val="2925572708"/>
       </p:ext>
     </p:extLst>
   </p:cSld>
@@ -5218,7 +5604,7 @@
   </p:clrMapOvr>
   <mc:AlternateContent xmlns:mc="http://schemas.openxmlformats.org/markup-compatibility/2006">
     <mc:Choice xmlns:p14="http://schemas.microsoft.com/office/powerpoint/2010/main" Requires="p14">
-      <p:transition spd="slow" p14:dur="2000">
+      <p:transition spd="slow" p14:dur="2500">
         <p14:vortex dir="r"/>
       </p:transition>
     </mc:Choice>
@@ -5267,36 +5653,151 @@
         </p:nvSpPr>
         <p:spPr/>
         <p:txBody>
+          <a:bodyPr>
+            <a:normAutofit/>
+          </a:bodyPr>
+          <a:lstStyle/>
+          <a:p>
+            <a:pPr marL="285750" indent="-285750">
+              <a:buFont typeface="Arial" pitchFamily="34" charset="0"/>
+              <a:buChar char="•"/>
+            </a:pPr>
+            <a:r>
+              <a:rPr lang="en-US" dirty="0" smtClean="0"/>
+              <a:t>Sampling Rate -&gt; 44100Hz</a:t>
+            </a:r>
+          </a:p>
+          <a:p>
+            <a:pPr marL="457200" lvl="1" indent="-285750"/>
+            <a:r>
+              <a:rPr lang="en-US" dirty="0" smtClean="0"/>
+              <a:t>Default value of mp3</a:t>
+            </a:r>
+          </a:p>
+          <a:p>
+            <a:pPr marL="285750" indent="-285750">
+              <a:buFont typeface="Arial" pitchFamily="34" charset="0"/>
+              <a:buChar char="•"/>
+            </a:pPr>
+            <a:r>
+              <a:rPr lang="en-US" dirty="0" smtClean="0"/>
+              <a:t>BufferSize -&gt; 1024</a:t>
+            </a:r>
+          </a:p>
+          <a:p>
+            <a:pPr marL="457200" lvl="1" indent="-285750"/>
+            <a:r>
+              <a:rPr lang="en-US" dirty="0" smtClean="0"/>
+              <a:t>Default value for mp3</a:t>
+            </a:r>
+          </a:p>
+          <a:p>
+            <a:pPr marL="285750" indent="-285750">
+              <a:buFont typeface="Arial" pitchFamily="34" charset="0"/>
+              <a:buChar char="•"/>
+            </a:pPr>
+            <a:r>
+              <a:rPr lang="en-US" dirty="0" smtClean="0"/>
+              <a:t>SpecSize -&gt; BufferSize / 2 = 512</a:t>
+            </a:r>
+          </a:p>
+          <a:p>
+            <a:pPr marL="457200" lvl="1" indent="-285750"/>
+            <a:r>
+              <a:rPr lang="en-US" dirty="0" smtClean="0"/>
+              <a:t>Size will be half of buffer size due to FFT algorithm</a:t>
+            </a:r>
+          </a:p>
+          <a:p>
+            <a:pPr marL="285750" indent="-285750">
+              <a:buFont typeface="Arial" pitchFamily="34" charset="0"/>
+              <a:buChar char="•"/>
+            </a:pPr>
+            <a:r>
+              <a:rPr lang="en-US" dirty="0" smtClean="0"/>
+              <a:t>BandWidth -&gt; Sampling Rate/ BufferSize = 43.066406Hz</a:t>
+            </a:r>
+          </a:p>
+          <a:p>
+            <a:pPr marL="457200" lvl="1" indent="-285750"/>
+            <a:r>
+              <a:rPr lang="en-US" dirty="0" smtClean="0"/>
+              <a:t>Each block have the range of about 43Hz</a:t>
+            </a:r>
+          </a:p>
+          <a:p>
+            <a:pPr lvl="1" indent="0">
+              <a:buNone/>
+            </a:pPr>
+            <a:r>
+              <a:rPr lang="en-US" dirty="0" smtClean="0"/>
+              <a:t>              ex)</a:t>
+            </a:r>
+          </a:p>
+          <a:p>
+            <a:pPr lvl="1" indent="0">
+              <a:buNone/>
+            </a:pPr>
+            <a:r>
+              <a:rPr lang="en-US" dirty="0" smtClean="0"/>
+              <a:t>	Block 0: 	0.0Hz </a:t>
+            </a:r>
+            <a:r>
+              <a:rPr lang="en-US" dirty="0"/>
+              <a:t>~ 43.066406Hz</a:t>
+            </a:r>
+          </a:p>
+          <a:p>
+            <a:pPr lvl="1" indent="0">
+              <a:buNone/>
+            </a:pPr>
+            <a:r>
+              <a:rPr lang="en-US" dirty="0" smtClean="0"/>
+              <a:t>	Block 1: 	43.066406Hz </a:t>
+            </a:r>
+            <a:r>
+              <a:rPr lang="en-US" dirty="0"/>
+              <a:t>~ 86.13281Hz</a:t>
+            </a:r>
+          </a:p>
+          <a:p>
+            <a:pPr lvl="1" indent="0">
+              <a:buNone/>
+            </a:pPr>
+            <a:r>
+              <a:rPr lang="en-US" dirty="0" smtClean="0"/>
+              <a:t>	Block 2:	86.13281Hz </a:t>
+            </a:r>
+            <a:r>
+              <a:rPr lang="en-US" dirty="0"/>
+              <a:t>~ 129.19922Hz</a:t>
+            </a:r>
+          </a:p>
+          <a:p>
+            <a:pPr marL="457200" lvl="1" indent="-285750"/>
+            <a:endParaRPr lang="en-US" dirty="0" smtClean="0"/>
+          </a:p>
+        </p:txBody>
+      </p:sp>
+      <p:sp>
+        <p:nvSpPr>
+          <p:cNvPr id="3" name="Title 2"/>
+          <p:cNvSpPr>
+            <a:spLocks noGrp="1"/>
+          </p:cNvSpPr>
+          <p:nvPr>
+            <p:ph type="title"/>
+          </p:nvPr>
+        </p:nvSpPr>
+        <p:spPr/>
+        <p:txBody>
           <a:bodyPr/>
           <a:lstStyle/>
           <a:p>
-            <a:r>
-              <a:rPr lang="en-US" dirty="0" smtClean="0"/>
-              <a:t>AND HERE IS THE CUBE BEING DRIVEN BY MUSIC.</a:t>
-            </a:r>
-            <a:endParaRPr lang="en-US" dirty="0"/>
-          </a:p>
-        </p:txBody>
-      </p:sp>
-      <p:sp>
-        <p:nvSpPr>
-          <p:cNvPr id="3" name="Title 2"/>
-          <p:cNvSpPr>
-            <a:spLocks noGrp="1"/>
-          </p:cNvSpPr>
-          <p:nvPr>
-            <p:ph type="title"/>
-          </p:nvPr>
-        </p:nvSpPr>
-        <p:spPr/>
-        <p:txBody>
-          <a:bodyPr/>
-          <a:lstStyle/>
-          <a:p>
             <a:pPr algn="ctr"/>
             <a:r>
               <a:rPr lang="en-US" dirty="0" smtClean="0"/>
-              <a:t>Example</a:t>
+              <a:t>Variables for FFT</a:t>
             </a:r>
             <a:endParaRPr lang="en-US" dirty="0"/>
           </a:p>
@@ -5305,7 +5806,7 @@
     </p:spTree>
     <p:extLst>
       <p:ext uri="{BB962C8B-B14F-4D97-AF65-F5344CB8AC3E}">
-        <p14:creationId xmlns:p14="http://schemas.microsoft.com/office/powerpoint/2010/main" val="918149379"/>
+        <p14:creationId xmlns:p14="http://schemas.microsoft.com/office/powerpoint/2010/main" val="3607638477"/>
       </p:ext>
     </p:extLst>
   </p:cSld>
@@ -5314,7 +5815,409 @@
   </p:clrMapOvr>
   <mc:AlternateContent xmlns:mc="http://schemas.openxmlformats.org/markup-compatibility/2006">
     <mc:Choice xmlns:p14="http://schemas.microsoft.com/office/powerpoint/2010/main" Requires="p14">
-      <p:transition spd="slow" p14:dur="2000">
+      <p:transition spd="slow" p14:dur="2500">
+        <p14:vortex dir="r"/>
+      </p:transition>
+    </mc:Choice>
+    <mc:Fallback>
+      <p:transition spd="slow">
+        <p:fade/>
+      </p:transition>
+    </mc:Fallback>
+  </mc:AlternateContent>
+  <p:timing>
+    <p:tnLst>
+      <p:par>
+        <p:cTn id="1" dur="indefinite" restart="never" nodeType="tmRoot"/>
+      </p:par>
+    </p:tnLst>
+  </p:timing>
+</p:sld>
+</file>
+
+<file path=ppt/slides/slide18.xml><?xml version="1.0" encoding="utf-8"?>
+<p:sld xmlns:a="http://schemas.openxmlformats.org/drawingml/2006/main" xmlns:r="http://schemas.openxmlformats.org/officeDocument/2006/relationships" xmlns:p="http://schemas.openxmlformats.org/presentationml/2006/main">
+  <p:cSld>
+    <p:spTree>
+      <p:nvGrpSpPr>
+        <p:cNvPr id="1" name=""/>
+        <p:cNvGrpSpPr/>
+        <p:nvPr/>
+      </p:nvGrpSpPr>
+      <p:grpSpPr>
+        <a:xfrm>
+          <a:off x="0" y="0"/>
+          <a:ext cx="0" cy="0"/>
+          <a:chOff x="0" y="0"/>
+          <a:chExt cx="0" cy="0"/>
+        </a:xfrm>
+      </p:grpSpPr>
+      <p:sp>
+        <p:nvSpPr>
+          <p:cNvPr id="2" name="Content Placeholder 1"/>
+          <p:cNvSpPr>
+            <a:spLocks noGrp="1"/>
+          </p:cNvSpPr>
+          <p:nvPr>
+            <p:ph sz="quarter" idx="13"/>
+          </p:nvPr>
+        </p:nvSpPr>
+        <p:spPr/>
+        <p:txBody>
+          <a:bodyPr/>
+          <a:lstStyle/>
+          <a:p>
+            <a:pPr marL="285750" indent="-285750">
+              <a:buFont typeface="Arial" pitchFamily="34" charset="0"/>
+              <a:buChar char="•"/>
+            </a:pPr>
+            <a:r>
+              <a:rPr lang="en-US" dirty="0" smtClean="0"/>
+              <a:t>Each frequency range have 4 setting variable.</a:t>
+            </a:r>
+            <a:endParaRPr lang="en-US" dirty="0"/>
+          </a:p>
+          <a:p>
+            <a:pPr marL="285750" indent="-285750">
+              <a:buFont typeface="Arial" pitchFamily="34" charset="0"/>
+              <a:buChar char="•"/>
+            </a:pPr>
+            <a:r>
+              <a:rPr lang="en-US" dirty="0" smtClean="0"/>
+              <a:t>Low Frequency</a:t>
+            </a:r>
+          </a:p>
+          <a:p>
+            <a:pPr marL="457200" lvl="1" indent="-285750"/>
+            <a:r>
+              <a:rPr lang="en-US" dirty="0" smtClean="0"/>
+              <a:t>lowStart:	starting point of low frequency</a:t>
+            </a:r>
+          </a:p>
+          <a:p>
+            <a:pPr marL="457200" lvl="1" indent="-285750"/>
+            <a:r>
+              <a:rPr lang="en-US" dirty="0" smtClean="0"/>
+              <a:t>lowEnd:	ending point of low frequency</a:t>
+            </a:r>
+          </a:p>
+          <a:p>
+            <a:pPr marL="457200" lvl="1" indent="-285750"/>
+            <a:r>
+              <a:rPr lang="en-US" dirty="0" smtClean="0"/>
+              <a:t>lowVol: 	volume filter for low frequency</a:t>
+            </a:r>
+          </a:p>
+          <a:p>
+            <a:pPr marL="457200" lvl="1" indent="-285750"/>
+            <a:r>
+              <a:rPr lang="en-US" dirty="0" smtClean="0"/>
+              <a:t>bplLow:	blocks/LED for low frequency</a:t>
+            </a:r>
+          </a:p>
+          <a:p>
+            <a:pPr marL="285750" indent="-285750">
+              <a:buFont typeface="Arial" pitchFamily="34" charset="0"/>
+              <a:buChar char="•"/>
+            </a:pPr>
+            <a:endParaRPr lang="en-US" dirty="0" smtClean="0"/>
+          </a:p>
+          <a:p>
+            <a:pPr marL="285750" indent="-285750">
+              <a:buFont typeface="Arial" pitchFamily="34" charset="0"/>
+              <a:buChar char="•"/>
+            </a:pPr>
+            <a:r>
+              <a:rPr lang="en-US" dirty="0" smtClean="0"/>
+              <a:t>Same variables for MID and HIGH</a:t>
+            </a:r>
+          </a:p>
+          <a:p>
+            <a:pPr marL="457200" lvl="1" indent="-285750"/>
+            <a:r>
+              <a:rPr lang="en-US" dirty="0"/>
+              <a:t>e</a:t>
+            </a:r>
+            <a:r>
+              <a:rPr lang="en-US" dirty="0" smtClean="0"/>
+              <a:t>x) </a:t>
+            </a:r>
+            <a:r>
+              <a:rPr lang="en-US" dirty="0"/>
+              <a:t>m</a:t>
+            </a:r>
+            <a:r>
+              <a:rPr lang="en-US" dirty="0" smtClean="0"/>
+              <a:t>idStart, </a:t>
+            </a:r>
+            <a:r>
+              <a:rPr lang="en-US" dirty="0"/>
+              <a:t>h</a:t>
+            </a:r>
+            <a:r>
+              <a:rPr lang="en-US" dirty="0" smtClean="0"/>
+              <a:t>ighStart</a:t>
+            </a:r>
+          </a:p>
+        </p:txBody>
+      </p:sp>
+      <p:sp>
+        <p:nvSpPr>
+          <p:cNvPr id="3" name="Title 2"/>
+          <p:cNvSpPr>
+            <a:spLocks noGrp="1"/>
+          </p:cNvSpPr>
+          <p:nvPr>
+            <p:ph type="title"/>
+          </p:nvPr>
+        </p:nvSpPr>
+        <p:spPr/>
+        <p:txBody>
+          <a:bodyPr>
+            <a:normAutofit fontScale="90000"/>
+          </a:bodyPr>
+          <a:lstStyle/>
+          <a:p>
+            <a:pPr algn="ctr"/>
+            <a:r>
+              <a:rPr lang="en-US" dirty="0" smtClean="0"/>
+              <a:t>Divide Frequency into Low, Mid, High</a:t>
+            </a:r>
+            <a:endParaRPr lang="en-US" dirty="0"/>
+          </a:p>
+        </p:txBody>
+      </p:sp>
+    </p:spTree>
+    <p:extLst>
+      <p:ext uri="{BB962C8B-B14F-4D97-AF65-F5344CB8AC3E}">
+        <p14:creationId xmlns:p14="http://schemas.microsoft.com/office/powerpoint/2010/main" val="518480761"/>
+      </p:ext>
+    </p:extLst>
+  </p:cSld>
+  <p:clrMapOvr>
+    <a:masterClrMapping/>
+  </p:clrMapOvr>
+  <mc:AlternateContent xmlns:mc="http://schemas.openxmlformats.org/markup-compatibility/2006">
+    <mc:Choice xmlns:p14="http://schemas.microsoft.com/office/powerpoint/2010/main" Requires="p14">
+      <p:transition spd="slow" p14:dur="2500">
+        <p14:vortex dir="r"/>
+      </p:transition>
+    </mc:Choice>
+    <mc:Fallback>
+      <p:transition spd="slow">
+        <p:fade/>
+      </p:transition>
+    </mc:Fallback>
+  </mc:AlternateContent>
+  <p:timing>
+    <p:tnLst>
+      <p:par>
+        <p:cTn id="1" dur="indefinite" restart="never" nodeType="tmRoot"/>
+      </p:par>
+    </p:tnLst>
+  </p:timing>
+</p:sld>
+</file>
+
+<file path=ppt/slides/slide19.xml><?xml version="1.0" encoding="utf-8"?>
+<p:sld xmlns:a="http://schemas.openxmlformats.org/drawingml/2006/main" xmlns:r="http://schemas.openxmlformats.org/officeDocument/2006/relationships" xmlns:p="http://schemas.openxmlformats.org/presentationml/2006/main">
+  <p:cSld>
+    <p:spTree>
+      <p:nvGrpSpPr>
+        <p:cNvPr id="1" name=""/>
+        <p:cNvGrpSpPr/>
+        <p:nvPr/>
+      </p:nvGrpSpPr>
+      <p:grpSpPr>
+        <a:xfrm>
+          <a:off x="0" y="0"/>
+          <a:ext cx="0" cy="0"/>
+          <a:chOff x="0" y="0"/>
+          <a:chExt cx="0" cy="0"/>
+        </a:xfrm>
+      </p:grpSpPr>
+      <p:sp>
+        <p:nvSpPr>
+          <p:cNvPr id="2" name="Content Placeholder 1"/>
+          <p:cNvSpPr>
+            <a:spLocks noGrp="1"/>
+          </p:cNvSpPr>
+          <p:nvPr>
+            <p:ph sz="quarter" idx="13"/>
+          </p:nvPr>
+        </p:nvSpPr>
+        <p:spPr/>
+        <p:txBody>
+          <a:bodyPr>
+            <a:normAutofit/>
+          </a:bodyPr>
+          <a:lstStyle/>
+          <a:p>
+            <a:endParaRPr lang="en-US" dirty="0" smtClean="0"/>
+          </a:p>
+          <a:p>
+            <a:r>
+              <a:rPr lang="en-US" dirty="0" smtClean="0"/>
+              <a:t>int n = number of block</a:t>
+            </a:r>
+          </a:p>
+          <a:p>
+            <a:endParaRPr lang="en-US" dirty="0" smtClean="0"/>
+          </a:p>
+          <a:p>
+            <a:r>
+              <a:rPr lang="en-US" dirty="0" smtClean="0"/>
+              <a:t>If: Start &lt;= n &lt;= End</a:t>
+            </a:r>
+          </a:p>
+          <a:p>
+            <a:r>
+              <a:rPr lang="en-US" dirty="0" smtClean="0"/>
+              <a:t>  for: int i; i &gt;= bpl; i++</a:t>
+            </a:r>
+          </a:p>
+          <a:p>
+            <a:r>
+              <a:rPr lang="en-US" dirty="0" smtClean="0"/>
+              <a:t>    if: frequency </a:t>
+            </a:r>
+            <a:r>
+              <a:rPr lang="en-US" dirty="0"/>
+              <a:t>v</a:t>
+            </a:r>
+            <a:r>
+              <a:rPr lang="en-US" dirty="0" smtClean="0"/>
+              <a:t>olume &gt; vol</a:t>
+            </a:r>
+          </a:p>
+          <a:p>
+            <a:r>
+              <a:rPr lang="en-US" dirty="0" smtClean="0"/>
+              <a:t>        return true</a:t>
+            </a:r>
+          </a:p>
+          <a:p>
+            <a:r>
+              <a:rPr lang="en-US" dirty="0" smtClean="0"/>
+              <a:t>    else</a:t>
+            </a:r>
+          </a:p>
+          <a:p>
+            <a:r>
+              <a:rPr lang="en-US" dirty="0" smtClean="0"/>
+              <a:t>        return false</a:t>
+            </a:r>
+          </a:p>
+        </p:txBody>
+      </p:sp>
+      <p:sp>
+        <p:nvSpPr>
+          <p:cNvPr id="3" name="Title 2"/>
+          <p:cNvSpPr>
+            <a:spLocks noGrp="1"/>
+          </p:cNvSpPr>
+          <p:nvPr>
+            <p:ph type="title"/>
+          </p:nvPr>
+        </p:nvSpPr>
+        <p:spPr/>
+        <p:txBody>
+          <a:bodyPr/>
+          <a:lstStyle/>
+          <a:p>
+            <a:pPr algn="ctr"/>
+            <a:r>
+              <a:rPr lang="en-US" dirty="0" smtClean="0"/>
+              <a:t>Programming</a:t>
+            </a:r>
+            <a:endParaRPr lang="en-US" dirty="0"/>
+          </a:p>
+        </p:txBody>
+      </p:sp>
+      <p:pic>
+        <p:nvPicPr>
+          <p:cNvPr id="4100" name="Picture 4" descr="C:\Users\KOHET\Desktop\ferqa.PNG"/>
+          <p:cNvPicPr>
+            <a:picLocks noChangeAspect="1" noChangeArrowheads="1"/>
+          </p:cNvPicPr>
+          <p:nvPr/>
+        </p:nvPicPr>
+        <p:blipFill>
+          <a:blip r:embed="rId2">
+            <a:extLst>
+              <a:ext uri="{28A0092B-C50C-407E-A947-70E740481C1C}">
+                <a14:useLocalDpi xmlns:a14="http://schemas.microsoft.com/office/drawing/2010/main" val="0"/>
+              </a:ext>
+            </a:extLst>
+          </a:blip>
+          <a:srcRect/>
+          <a:stretch>
+            <a:fillRect/>
+          </a:stretch>
+        </p:blipFill>
+        <p:spPr bwMode="auto">
+          <a:xfrm>
+            <a:off x="4191000" y="1844673"/>
+            <a:ext cx="4113291" cy="4327525"/>
+          </a:xfrm>
+          <a:prstGeom prst="rect">
+            <a:avLst/>
+          </a:prstGeom>
+          <a:noFill/>
+          <a:extLst>
+            <a:ext uri="{909E8E84-426E-40DD-AFC4-6F175D3DCCD1}">
+              <a14:hiddenFill xmlns:a14="http://schemas.microsoft.com/office/drawing/2010/main">
+                <a:solidFill>
+                  <a:srgbClr val="FFFFFF"/>
+                </a:solidFill>
+              </a14:hiddenFill>
+            </a:ext>
+          </a:extLst>
+        </p:spPr>
+      </p:pic>
+      <p:sp>
+        <p:nvSpPr>
+          <p:cNvPr id="4" name="テキスト ボックス 3"/>
+          <p:cNvSpPr txBox="1"/>
+          <p:nvPr/>
+        </p:nvSpPr>
+        <p:spPr>
+          <a:xfrm>
+            <a:off x="4191000" y="6201489"/>
+            <a:ext cx="3048000" cy="246221"/>
+          </a:xfrm>
+          <a:prstGeom prst="rect">
+            <a:avLst/>
+          </a:prstGeom>
+          <a:noFill/>
+        </p:spPr>
+        <p:txBody>
+          <a:bodyPr wrap="square" rtlCol="0">
+            <a:spAutoFit/>
+          </a:bodyPr>
+          <a:lstStyle/>
+          <a:p>
+            <a:r>
+              <a:rPr lang="en-US" sz="1000" dirty="0" smtClean="0"/>
+              <a:t>Each line represent each band(block: 43.066406Hz)</a:t>
+            </a:r>
+            <a:endParaRPr lang="en-US" sz="1000" dirty="0"/>
+          </a:p>
+        </p:txBody>
+      </p:sp>
+    </p:spTree>
+    <p:extLst>
+      <p:ext uri="{BB962C8B-B14F-4D97-AF65-F5344CB8AC3E}">
+        <p14:creationId xmlns:p14="http://schemas.microsoft.com/office/powerpoint/2010/main" val="4148252209"/>
+      </p:ext>
+    </p:extLst>
+  </p:cSld>
+  <p:clrMapOvr>
+    <a:masterClrMapping/>
+  </p:clrMapOvr>
+  <mc:AlternateContent xmlns:mc="http://schemas.openxmlformats.org/markup-compatibility/2006">
+    <mc:Choice xmlns:p14="http://schemas.microsoft.com/office/powerpoint/2010/main" Requires="p14">
+      <p:transition spd="slow" p14:dur="2500">
         <p14:vortex dir="r"/>
       </p:transition>
     </mc:Choice>
@@ -5513,7 +6416,103 @@
   </p:clrMapOvr>
   <mc:AlternateContent xmlns:mc="http://schemas.openxmlformats.org/markup-compatibility/2006">
     <mc:Choice xmlns:p14="http://schemas.microsoft.com/office/powerpoint/2010/main" Requires="p14">
-      <p:transition spd="slow" p14:dur="2000">
+      <p:transition spd="slow" p14:dur="2500">
+        <p14:vortex dir="r"/>
+      </p:transition>
+    </mc:Choice>
+    <mc:Fallback>
+      <p:transition spd="slow">
+        <p:fade/>
+      </p:transition>
+    </mc:Fallback>
+  </mc:AlternateContent>
+  <p:timing>
+    <p:tnLst>
+      <p:par>
+        <p:cTn id="1" dur="indefinite" restart="never" nodeType="tmRoot"/>
+      </p:par>
+    </p:tnLst>
+  </p:timing>
+</p:sld>
+</file>
+
+<file path=ppt/slides/slide20.xml><?xml version="1.0" encoding="utf-8"?>
+<p:sld xmlns:a="http://schemas.openxmlformats.org/drawingml/2006/main" xmlns:r="http://schemas.openxmlformats.org/officeDocument/2006/relationships" xmlns:p="http://schemas.openxmlformats.org/presentationml/2006/main">
+  <p:cSld>
+    <p:spTree>
+      <p:nvGrpSpPr>
+        <p:cNvPr id="1" name=""/>
+        <p:cNvGrpSpPr/>
+        <p:nvPr/>
+      </p:nvGrpSpPr>
+      <p:grpSpPr>
+        <a:xfrm>
+          <a:off x="0" y="0"/>
+          <a:ext cx="0" cy="0"/>
+          <a:chOff x="0" y="0"/>
+          <a:chExt cx="0" cy="0"/>
+        </a:xfrm>
+      </p:grpSpPr>
+      <p:sp>
+        <p:nvSpPr>
+          <p:cNvPr id="2" name="Content Placeholder 1"/>
+          <p:cNvSpPr>
+            <a:spLocks noGrp="1"/>
+          </p:cNvSpPr>
+          <p:nvPr>
+            <p:ph sz="quarter" idx="13"/>
+          </p:nvPr>
+        </p:nvSpPr>
+        <p:spPr/>
+        <p:txBody>
+          <a:bodyPr/>
+          <a:lstStyle/>
+          <a:p>
+            <a:r>
+              <a:rPr lang="en-US" dirty="0" smtClean="0"/>
+              <a:t>AND HERE IS THE CUBE BEING DRIVEN BY MUSIC.</a:t>
+            </a:r>
+            <a:endParaRPr lang="en-US" dirty="0"/>
+          </a:p>
+        </p:txBody>
+      </p:sp>
+      <p:sp>
+        <p:nvSpPr>
+          <p:cNvPr id="3" name="Title 2"/>
+          <p:cNvSpPr>
+            <a:spLocks noGrp="1"/>
+          </p:cNvSpPr>
+          <p:nvPr>
+            <p:ph type="title"/>
+          </p:nvPr>
+        </p:nvSpPr>
+        <p:spPr/>
+        <p:txBody>
+          <a:bodyPr/>
+          <a:lstStyle/>
+          <a:p>
+            <a:pPr algn="ctr"/>
+            <a:r>
+              <a:rPr lang="en-US" dirty="0" smtClean="0"/>
+              <a:t>Example</a:t>
+            </a:r>
+            <a:endParaRPr lang="en-US" dirty="0"/>
+          </a:p>
+        </p:txBody>
+      </p:sp>
+    </p:spTree>
+    <p:extLst>
+      <p:ext uri="{BB962C8B-B14F-4D97-AF65-F5344CB8AC3E}">
+        <p14:creationId xmlns:p14="http://schemas.microsoft.com/office/powerpoint/2010/main" val="918149379"/>
+      </p:ext>
+    </p:extLst>
+  </p:cSld>
+  <p:clrMapOvr>
+    <a:masterClrMapping/>
+  </p:clrMapOvr>
+  <mc:AlternateContent xmlns:mc="http://schemas.openxmlformats.org/markup-compatibility/2006">
+    <mc:Choice xmlns:p14="http://schemas.microsoft.com/office/powerpoint/2010/main" Requires="p14">
+      <p:transition spd="slow" p14:dur="2500">
         <p14:vortex dir="r"/>
       </p:transition>
     </mc:Choice>
@@ -5707,7 +6706,7 @@
   </p:clrMapOvr>
   <mc:AlternateContent xmlns:mc="http://schemas.openxmlformats.org/markup-compatibility/2006">
     <mc:Choice xmlns:p14="http://schemas.microsoft.com/office/powerpoint/2010/main" Requires="p14">
-      <p:transition spd="slow" p14:dur="2000">
+      <p:transition spd="slow" p14:dur="2500">
         <p14:vortex dir="r"/>
       </p:transition>
     </mc:Choice>
@@ -5756,7 +6755,9 @@
         </p:nvSpPr>
         <p:spPr/>
         <p:txBody>
-          <a:bodyPr/>
+          <a:bodyPr>
+            <a:normAutofit/>
+          </a:bodyPr>
           <a:lstStyle/>
           <a:p>
             <a:pPr marL="285750" indent="-285750">
@@ -5765,8 +6766,9 @@
             </a:pPr>
             <a:r>
               <a:rPr lang="en-US" dirty="0" smtClean="0"/>
-              <a:t>4 pieces of 10” x 6” x 1” wood cut at 45° angle</a:t>
-            </a:r>
+              <a:t>Test LED’s making sure all are working</a:t>
+            </a:r>
+            <a:endParaRPr lang="en-US" dirty="0"/>
           </a:p>
           <a:p>
             <a:pPr marL="285750" indent="-285750">
@@ -5775,7 +6777,21 @@
             </a:pPr>
             <a:r>
               <a:rPr lang="en-US" dirty="0" smtClean="0"/>
-              <a:t>1 piece of 7 ¾” x 7 ¾” x ¼” wood </a:t>
+              <a:t>The LED’s are connected with horizontal anodes and vertical cathodes.</a:t>
+            </a:r>
+          </a:p>
+          <a:p>
+            <a:pPr marL="457200" lvl="1" indent="-285750"/>
+            <a:r>
+              <a:rPr lang="en-US" dirty="0" smtClean="0"/>
+              <a:t>Each horizontal layer share a common anode</a:t>
+            </a:r>
+          </a:p>
+          <a:p>
+            <a:pPr marL="457200" lvl="1" indent="-285750"/>
+            <a:r>
+              <a:rPr lang="en-US" dirty="0" smtClean="0"/>
+              <a:t>Each vertical column (5 LED’s) share a common cathode.</a:t>
             </a:r>
           </a:p>
           <a:p>
@@ -5785,7 +6801,7 @@
             </a:pPr>
             <a:r>
               <a:rPr lang="en-US" dirty="0" smtClean="0"/>
-              <a:t>1 piece of 8”x8” x ¾” wood</a:t>
+              <a:t>Within the LED Cube added 22 gauge wire to help stabilize the structure</a:t>
             </a:r>
           </a:p>
           <a:p>
@@ -5795,7 +6811,37 @@
             </a:pPr>
             <a:r>
               <a:rPr lang="en-US" dirty="0" smtClean="0"/>
-              <a:t>1 Can of rubberized spray paint</a:t>
+              <a:t>Setup components on bread board for testing.</a:t>
+            </a:r>
+          </a:p>
+          <a:p>
+            <a:pPr marL="285750" indent="-285750">
+              <a:buFont typeface="Arial" pitchFamily="34" charset="0"/>
+              <a:buChar char="•"/>
+            </a:pPr>
+            <a:r>
+              <a:rPr lang="en-US" dirty="0" smtClean="0"/>
+              <a:t>Solder the components to the PC board but not the wires from the cube.</a:t>
+            </a:r>
+          </a:p>
+          <a:p>
+            <a:pPr marL="285750" indent="-285750">
+              <a:buFont typeface="Arial" pitchFamily="34" charset="0"/>
+              <a:buChar char="•"/>
+            </a:pPr>
+            <a:r>
+              <a:rPr lang="en-US" dirty="0" smtClean="0"/>
+              <a:t>Once top of the base is constructed thread the wires through</a:t>
+            </a:r>
+          </a:p>
+          <a:p>
+            <a:pPr marL="285750" indent="-285750">
+              <a:buFont typeface="Arial" pitchFamily="34" charset="0"/>
+              <a:buChar char="•"/>
+            </a:pPr>
+            <a:r>
+              <a:rPr lang="en-US" dirty="0" smtClean="0"/>
+              <a:t>Solder the wires to the PC board then finish constructing base.</a:t>
             </a:r>
           </a:p>
         </p:txBody>
@@ -5818,7 +6864,7 @@
             <a:pPr algn="ctr"/>
             <a:r>
               <a:rPr lang="en-US" dirty="0" smtClean="0"/>
-              <a:t>Base Construction</a:t>
+              <a:t>Construction of Cube</a:t>
             </a:r>
             <a:endParaRPr lang="en-US" dirty="0"/>
           </a:p>
@@ -5827,7 +6873,7 @@
     </p:spTree>
     <p:extLst>
       <p:ext uri="{BB962C8B-B14F-4D97-AF65-F5344CB8AC3E}">
-        <p14:creationId xmlns:p14="http://schemas.microsoft.com/office/powerpoint/2010/main" val="2207746350"/>
+        <p14:creationId xmlns:p14="http://schemas.microsoft.com/office/powerpoint/2010/main" val="2991841562"/>
       </p:ext>
     </p:extLst>
   </p:cSld>
@@ -5836,7 +6882,7 @@
   </p:clrMapOvr>
   <mc:AlternateContent xmlns:mc="http://schemas.openxmlformats.org/markup-compatibility/2006">
     <mc:Choice xmlns:p14="http://schemas.microsoft.com/office/powerpoint/2010/main" Requires="p14">
-      <p:transition spd="slow" p14:dur="2000">
+      <p:transition spd="slow" p14:dur="2500">
         <p14:vortex dir="r"/>
       </p:transition>
     </mc:Choice>
@@ -5873,35 +6919,62 @@
           <a:chExt cx="0" cy="0"/>
         </a:xfrm>
       </p:grpSpPr>
-      <p:pic>
-        <p:nvPicPr>
-          <p:cNvPr id="4" name="Content Placeholder 3"/>
-          <p:cNvPicPr>
-            <a:picLocks noGrp="1" noChangeAspect="1"/>
-          </p:cNvPicPr>
+      <p:sp>
+        <p:nvSpPr>
+          <p:cNvPr id="2" name="Content Placeholder 1"/>
+          <p:cNvSpPr>
+            <a:spLocks noGrp="1"/>
+          </p:cNvSpPr>
           <p:nvPr>
             <p:ph sz="quarter" idx="13"/>
           </p:nvPr>
-        </p:nvPicPr>
-        <p:blipFill>
-          <a:blip r:embed="rId2">
-            <a:extLst>
-              <a:ext uri="{28A0092B-C50C-407E-A947-70E740481C1C}">
-                <a14:useLocalDpi xmlns:a14="http://schemas.microsoft.com/office/drawing/2010/main" val="0"/>
-              </a:ext>
-            </a:extLst>
-          </a:blip>
-          <a:stretch>
-            <a:fillRect/>
-          </a:stretch>
-        </p:blipFill>
-        <p:spPr>
-          <a:xfrm>
-            <a:off x="152401" y="1219200"/>
-            <a:ext cx="8839200" cy="5410199"/>
-          </a:xfrm>
-        </p:spPr>
-      </p:pic>
+        </p:nvSpPr>
+        <p:spPr/>
+        <p:txBody>
+          <a:bodyPr/>
+          <a:lstStyle/>
+          <a:p>
+            <a:pPr marL="285750" indent="-285750">
+              <a:buFont typeface="Arial" pitchFamily="34" charset="0"/>
+              <a:buChar char="•"/>
+            </a:pPr>
+            <a:r>
+              <a:rPr lang="en-US" dirty="0" smtClean="0"/>
+              <a:t>4 pieces of 10” x 6” x 1” wood cut at 45° angle</a:t>
+            </a:r>
+          </a:p>
+          <a:p>
+            <a:pPr marL="285750" indent="-285750">
+              <a:buFont typeface="Arial" pitchFamily="34" charset="0"/>
+              <a:buChar char="•"/>
+            </a:pPr>
+            <a:r>
+              <a:rPr lang="en-US" dirty="0" smtClean="0"/>
+              <a:t>1 piece of 7 ¾” x 7 ¾” x ¼” wood </a:t>
+            </a:r>
+          </a:p>
+          <a:p>
+            <a:pPr marL="285750" indent="-285750">
+              <a:buFont typeface="Arial" pitchFamily="34" charset="0"/>
+              <a:buChar char="•"/>
+            </a:pPr>
+            <a:r>
+              <a:rPr lang="en-US" dirty="0" smtClean="0"/>
+              <a:t>1 piece of 8”x8” x ¾” wood</a:t>
+            </a:r>
+          </a:p>
+          <a:p>
+            <a:pPr marL="285750" indent="-285750">
+              <a:buFont typeface="Arial" pitchFamily="34" charset="0"/>
+              <a:buChar char="•"/>
+            </a:pPr>
+            <a:r>
+              <a:rPr lang="en-US" dirty="0" smtClean="0"/>
+              <a:t>1 Can of rubberized spray paint</a:t>
+            </a:r>
+          </a:p>
+        </p:txBody>
+      </p:sp>
       <p:sp>
         <p:nvSpPr>
           <p:cNvPr id="3" name="Title 2"/>
@@ -5920,7 +6993,7 @@
             <a:pPr algn="ctr"/>
             <a:r>
               <a:rPr lang="en-US" dirty="0" smtClean="0"/>
-              <a:t>PC Board Schematic</a:t>
+              <a:t>Base Construction</a:t>
             </a:r>
             <a:endParaRPr lang="en-US" dirty="0"/>
           </a:p>
@@ -5929,7 +7002,7 @@
     </p:spTree>
     <p:extLst>
       <p:ext uri="{BB962C8B-B14F-4D97-AF65-F5344CB8AC3E}">
-        <p14:creationId xmlns:p14="http://schemas.microsoft.com/office/powerpoint/2010/main" val="4183367016"/>
+        <p14:creationId xmlns:p14="http://schemas.microsoft.com/office/powerpoint/2010/main" val="2207746350"/>
       </p:ext>
     </p:extLst>
   </p:cSld>
@@ -5938,7 +7011,7 @@
   </p:clrMapOvr>
   <mc:AlternateContent xmlns:mc="http://schemas.openxmlformats.org/markup-compatibility/2006">
     <mc:Choice xmlns:p14="http://schemas.microsoft.com/office/powerpoint/2010/main" Requires="p14">
-      <p:transition spd="slow" p14:dur="2000">
+      <p:transition spd="slow" p14:dur="2500">
         <p14:vortex dir="r"/>
       </p:transition>
     </mc:Choice>
@@ -5999,8 +7072,8 @@
         </p:blipFill>
         <p:spPr>
           <a:xfrm>
-            <a:off x="38848" y="1371600"/>
-            <a:ext cx="9028952" cy="5410200"/>
+            <a:off x="1506693" y="1463675"/>
+            <a:ext cx="5371789" cy="4724400"/>
           </a:xfrm>
         </p:spPr>
       </p:pic>
@@ -6022,7 +7095,7 @@
             <a:pPr algn="ctr"/>
             <a:r>
               <a:rPr lang="en-US" dirty="0" smtClean="0"/>
-              <a:t>LS238 Logic</a:t>
+              <a:t>PC Board Schematic</a:t>
             </a:r>
             <a:endParaRPr lang="en-US" dirty="0"/>
           </a:p>
@@ -6031,7 +7104,7 @@
     </p:spTree>
     <p:extLst>
       <p:ext uri="{BB962C8B-B14F-4D97-AF65-F5344CB8AC3E}">
-        <p14:creationId xmlns:p14="http://schemas.microsoft.com/office/powerpoint/2010/main" val="2253814152"/>
+        <p14:creationId xmlns:p14="http://schemas.microsoft.com/office/powerpoint/2010/main" val="4183367016"/>
       </p:ext>
     </p:extLst>
   </p:cSld>
@@ -6040,7 +7113,7 @@
   </p:clrMapOvr>
   <mc:AlternateContent xmlns:mc="http://schemas.openxmlformats.org/markup-compatibility/2006">
     <mc:Choice xmlns:p14="http://schemas.microsoft.com/office/powerpoint/2010/main" Requires="p14">
-      <p:transition spd="slow" p14:dur="2000">
+      <p:transition spd="slow" p14:dur="2500">
         <p14:vortex dir="r"/>
       </p:transition>
     </mc:Choice>
@@ -6101,8 +7174,8 @@
         </p:blipFill>
         <p:spPr>
           <a:xfrm>
-            <a:off x="1143000" y="1676400"/>
-            <a:ext cx="6781800" cy="4876800"/>
+            <a:off x="958398" y="2330241"/>
+            <a:ext cx="6468378" cy="2991268"/>
           </a:xfrm>
         </p:spPr>
       </p:pic>
@@ -6124,7 +7197,7 @@
             <a:pPr algn="ctr"/>
             <a:r>
               <a:rPr lang="en-US" dirty="0" smtClean="0"/>
-              <a:t>Transistor Logic</a:t>
+              <a:t>LS238 Logic</a:t>
             </a:r>
             <a:endParaRPr lang="en-US" dirty="0"/>
           </a:p>
@@ -6133,7 +7206,7 @@
     </p:spTree>
     <p:extLst>
       <p:ext uri="{BB962C8B-B14F-4D97-AF65-F5344CB8AC3E}">
-        <p14:creationId xmlns:p14="http://schemas.microsoft.com/office/powerpoint/2010/main" val="2105554478"/>
+        <p14:creationId xmlns:p14="http://schemas.microsoft.com/office/powerpoint/2010/main" val="2253814152"/>
       </p:ext>
     </p:extLst>
   </p:cSld>
@@ -6142,7 +7215,7 @@
   </p:clrMapOvr>
   <mc:AlternateContent xmlns:mc="http://schemas.openxmlformats.org/markup-compatibility/2006">
     <mc:Choice xmlns:p14="http://schemas.microsoft.com/office/powerpoint/2010/main" Requires="p14">
-      <p:transition spd="slow" p14:dur="2000">
+      <p:transition spd="slow" p14:dur="2500">
         <p14:vortex dir="r"/>
       </p:transition>
     </mc:Choice>
@@ -6163,6 +7236,108 @@
 </file>
 
 <file path=ppt/slides/slide8.xml><?xml version="1.0" encoding="utf-8"?>
+<p:sld xmlns:a="http://schemas.openxmlformats.org/drawingml/2006/main" xmlns:r="http://schemas.openxmlformats.org/officeDocument/2006/relationships" xmlns:p="http://schemas.openxmlformats.org/presentationml/2006/main">
+  <p:cSld>
+    <p:spTree>
+      <p:nvGrpSpPr>
+        <p:cNvPr id="1" name=""/>
+        <p:cNvGrpSpPr/>
+        <p:nvPr/>
+      </p:nvGrpSpPr>
+      <p:grpSpPr>
+        <a:xfrm>
+          <a:off x="0" y="0"/>
+          <a:ext cx="0" cy="0"/>
+          <a:chOff x="0" y="0"/>
+          <a:chExt cx="0" cy="0"/>
+        </a:xfrm>
+      </p:grpSpPr>
+      <p:pic>
+        <p:nvPicPr>
+          <p:cNvPr id="4" name="Content Placeholder 3"/>
+          <p:cNvPicPr>
+            <a:picLocks noGrp="1" noChangeAspect="1"/>
+          </p:cNvPicPr>
+          <p:nvPr>
+            <p:ph sz="quarter" idx="13"/>
+          </p:nvPr>
+        </p:nvPicPr>
+        <p:blipFill>
+          <a:blip r:embed="rId2">
+            <a:extLst>
+              <a:ext uri="{28A0092B-C50C-407E-A947-70E740481C1C}">
+                <a14:useLocalDpi xmlns:a14="http://schemas.microsoft.com/office/drawing/2010/main" val="0"/>
+              </a:ext>
+            </a:extLst>
+          </a:blip>
+          <a:stretch>
+            <a:fillRect/>
+          </a:stretch>
+        </p:blipFill>
+        <p:spPr>
+          <a:xfrm>
+            <a:off x="2749550" y="2640012"/>
+            <a:ext cx="2886075" cy="2371725"/>
+          </a:xfrm>
+        </p:spPr>
+      </p:pic>
+      <p:sp>
+        <p:nvSpPr>
+          <p:cNvPr id="3" name="Title 2"/>
+          <p:cNvSpPr>
+            <a:spLocks noGrp="1"/>
+          </p:cNvSpPr>
+          <p:nvPr>
+            <p:ph type="title"/>
+          </p:nvPr>
+        </p:nvSpPr>
+        <p:spPr/>
+        <p:txBody>
+          <a:bodyPr/>
+          <a:lstStyle/>
+          <a:p>
+            <a:pPr algn="ctr"/>
+            <a:r>
+              <a:rPr lang="en-US" dirty="0" smtClean="0"/>
+              <a:t>Transistor Logic</a:t>
+            </a:r>
+            <a:endParaRPr lang="en-US" dirty="0"/>
+          </a:p>
+        </p:txBody>
+      </p:sp>
+    </p:spTree>
+    <p:extLst>
+      <p:ext uri="{BB962C8B-B14F-4D97-AF65-F5344CB8AC3E}">
+        <p14:creationId xmlns:p14="http://schemas.microsoft.com/office/powerpoint/2010/main" val="2105554478"/>
+      </p:ext>
+    </p:extLst>
+  </p:cSld>
+  <p:clrMapOvr>
+    <a:masterClrMapping/>
+  </p:clrMapOvr>
+  <mc:AlternateContent xmlns:mc="http://schemas.openxmlformats.org/markup-compatibility/2006">
+    <mc:Choice xmlns:p14="http://schemas.microsoft.com/office/powerpoint/2010/main" Requires="p14">
+      <p:transition spd="slow" p14:dur="2500">
+        <p14:vortex dir="r"/>
+      </p:transition>
+    </mc:Choice>
+    <mc:Fallback>
+      <p:transition spd="slow">
+        <p:fade/>
+      </p:transition>
+    </mc:Fallback>
+  </mc:AlternateContent>
+  <p:timing>
+    <p:tnLst>
+      <p:par>
+        <p:cTn id="1" dur="indefinite" restart="never" nodeType="tmRoot"/>
+      </p:par>
+    </p:tnLst>
+  </p:timing>
+</p:sld>
+</file>
+
+<file path=ppt/slides/slide9.xml><?xml version="1.0" encoding="utf-8"?>
 <p:sld xmlns:a="http://schemas.openxmlformats.org/drawingml/2006/main" xmlns:r="http://schemas.openxmlformats.org/officeDocument/2006/relationships" xmlns:p="http://schemas.openxmlformats.org/presentationml/2006/main">
   <p:cSld>
     <p:spTree>
@@ -6446,197 +7621,7 @@
   </p:clrMapOvr>
   <mc:AlternateContent xmlns:mc="http://schemas.openxmlformats.org/markup-compatibility/2006">
     <mc:Choice xmlns:p14="http://schemas.microsoft.com/office/powerpoint/2010/main" Requires="p14">
-      <p:transition spd="slow" p14:dur="2000">
-        <p14:vortex dir="r"/>
-      </p:transition>
-    </mc:Choice>
-    <mc:Fallback>
-      <p:transition spd="slow">
-        <p:fade/>
-      </p:transition>
-    </mc:Fallback>
-  </mc:AlternateContent>
-  <p:timing>
-    <p:tnLst>
-      <p:par>
-        <p:cTn id="1" dur="indefinite" restart="never" nodeType="tmRoot"/>
-      </p:par>
-    </p:tnLst>
-  </p:timing>
-</p:sld>
-</file>
-
-<file path=ppt/slides/slide9.xml><?xml version="1.0" encoding="utf-8"?>
-<p:sld xmlns:a="http://schemas.openxmlformats.org/drawingml/2006/main" xmlns:r="http://schemas.openxmlformats.org/officeDocument/2006/relationships" xmlns:p="http://schemas.openxmlformats.org/presentationml/2006/main">
-  <p:cSld>
-    <p:spTree>
-      <p:nvGrpSpPr>
-        <p:cNvPr id="1" name=""/>
-        <p:cNvGrpSpPr/>
-        <p:nvPr/>
-      </p:nvGrpSpPr>
-      <p:grpSpPr>
-        <a:xfrm>
-          <a:off x="0" y="0"/>
-          <a:ext cx="0" cy="0"/>
-          <a:chOff x="0" y="0"/>
-          <a:chExt cx="0" cy="0"/>
-        </a:xfrm>
-      </p:grpSpPr>
-      <p:sp>
-        <p:nvSpPr>
-          <p:cNvPr id="2" name="Content Placeholder 1"/>
-          <p:cNvSpPr>
-            <a:spLocks noGrp="1"/>
-          </p:cNvSpPr>
-          <p:nvPr>
-            <p:ph sz="quarter" idx="13"/>
-          </p:nvPr>
-        </p:nvSpPr>
-        <p:spPr/>
-        <p:txBody>
-          <a:bodyPr/>
-          <a:lstStyle/>
-          <a:p>
-            <a:pPr marL="285750" indent="-285750">
-              <a:buFont typeface="Arial" pitchFamily="34" charset="0"/>
-              <a:buChar char="•"/>
-            </a:pPr>
-            <a:r>
-              <a:rPr lang="en-US" dirty="0" smtClean="0"/>
-              <a:t>Must use the truth table from the LS238 chip</a:t>
-            </a:r>
-          </a:p>
-          <a:p>
-            <a:pPr marL="285750" indent="-285750">
-              <a:buFont typeface="Arial" pitchFamily="34" charset="0"/>
-              <a:buChar char="•"/>
-            </a:pPr>
-            <a:r>
-              <a:rPr lang="en-US" dirty="0" smtClean="0"/>
-              <a:t>First LS238 chip’s output is determined by Pins 12, and 13 from the Arduino</a:t>
-            </a:r>
-          </a:p>
-          <a:p>
-            <a:pPr marL="285750" indent="-285750">
-              <a:buFont typeface="Arial" pitchFamily="34" charset="0"/>
-              <a:buChar char="•"/>
-            </a:pPr>
-            <a:r>
-              <a:rPr lang="en-US" dirty="0" smtClean="0"/>
-              <a:t>Not using Pin Yo output to enable others, Using Pin for clear() method.</a:t>
-            </a:r>
-          </a:p>
-          <a:p>
-            <a:pPr marL="285750" indent="-285750">
-              <a:buFont typeface="Arial" pitchFamily="34" charset="0"/>
-              <a:buChar char="•"/>
-            </a:pPr>
-            <a:r>
-              <a:rPr lang="en-US" dirty="0" smtClean="0"/>
-              <a:t>The LedOn(int led) method </a:t>
-            </a:r>
-          </a:p>
-          <a:p>
-            <a:pPr marL="457200" lvl="1" indent="-285750"/>
-            <a:r>
-              <a:rPr lang="en-US" dirty="0"/>
-              <a:t>T</a:t>
-            </a:r>
-            <a:r>
-              <a:rPr lang="en-US" dirty="0" smtClean="0"/>
-              <a:t>urns the Led on for 1ms.</a:t>
-            </a:r>
-          </a:p>
-          <a:p>
-            <a:pPr marL="457200" lvl="1" indent="-285750"/>
-            <a:r>
-              <a:rPr lang="en-US" dirty="0" smtClean="0"/>
-              <a:t>Method of calculating corresponding column number for LED</a:t>
-            </a:r>
-          </a:p>
-          <a:p>
-            <a:pPr marL="630238" lvl="2" indent="-285750"/>
-            <a:r>
-              <a:rPr lang="en-US" dirty="0" smtClean="0"/>
-              <a:t>If the LED number is less than or equal to 25 just return the LED number</a:t>
-            </a:r>
-          </a:p>
-          <a:p>
-            <a:pPr marL="630238" lvl="2" indent="-285750"/>
-            <a:r>
-              <a:rPr lang="en-US" dirty="0" smtClean="0"/>
-              <a:t>If LED number is greater than 25</a:t>
-            </a:r>
-          </a:p>
-          <a:p>
-            <a:pPr marL="803275" lvl="3" indent="-285750"/>
-            <a:r>
-              <a:rPr lang="en-US" dirty="0" smtClean="0"/>
-              <a:t>Minus one from LED number and take the mod 25</a:t>
-            </a:r>
-            <a:endParaRPr lang="en-US" dirty="0"/>
-          </a:p>
-          <a:p>
-            <a:pPr marL="457200" lvl="1" indent="-285750"/>
-            <a:r>
-              <a:rPr lang="en-US" dirty="0" smtClean="0"/>
-              <a:t>Method of calculating the corresponding row</a:t>
-            </a:r>
-          </a:p>
-          <a:p>
-            <a:pPr marL="630238" lvl="2" indent="-285750"/>
-            <a:r>
-              <a:rPr lang="en-US" dirty="0" smtClean="0"/>
-              <a:t>If LED number is less than or equal to 25 return layer zero</a:t>
-            </a:r>
-          </a:p>
-          <a:p>
-            <a:pPr marL="630238" lvl="2" indent="-285750"/>
-            <a:r>
-              <a:rPr lang="en-US" dirty="0" smtClean="0"/>
-              <a:t>If LED number is greater than 25, return LED number divided by 25.</a:t>
-            </a:r>
-          </a:p>
-        </p:txBody>
-      </p:sp>
-      <p:sp>
-        <p:nvSpPr>
-          <p:cNvPr id="3" name="Title 2"/>
-          <p:cNvSpPr>
-            <a:spLocks noGrp="1"/>
-          </p:cNvSpPr>
-          <p:nvPr>
-            <p:ph type="title"/>
-          </p:nvPr>
-        </p:nvSpPr>
-        <p:spPr/>
-        <p:txBody>
-          <a:bodyPr/>
-          <a:lstStyle/>
-          <a:p>
-            <a:pPr algn="ctr"/>
-            <a:r>
-              <a:rPr lang="en-US" dirty="0" smtClean="0"/>
-              <a:t>The Code</a:t>
-            </a:r>
-            <a:endParaRPr lang="en-US" dirty="0"/>
-          </a:p>
-        </p:txBody>
-      </p:sp>
-    </p:spTree>
-    <p:extLst>
-      <p:ext uri="{BB962C8B-B14F-4D97-AF65-F5344CB8AC3E}">
-        <p14:creationId xmlns:p14="http://schemas.microsoft.com/office/powerpoint/2010/main" val="1510969903"/>
-      </p:ext>
-    </p:extLst>
-  </p:cSld>
-  <p:clrMapOvr>
-    <a:masterClrMapping/>
-  </p:clrMapOvr>
-  <mc:AlternateContent xmlns:mc="http://schemas.openxmlformats.org/markup-compatibility/2006">
-    <mc:Choice xmlns:p14="http://schemas.microsoft.com/office/powerpoint/2010/main" Requires="p14">
-      <p:transition spd="slow" p14:dur="2000">
+      <p:transition spd="slow" p14:dur="2500">
         <p14:vortex dir="r"/>
       </p:transition>
     </mc:Choice>
